--- a/Notes/SAPUI5.pptx
+++ b/Notes/SAPUI5.pptx
@@ -5,10 +5,10 @@
     <p:sldMasterId id="2147483660" r:id="rId1"/>
   </p:sldMasterIdLst>
   <p:notesMasterIdLst>
-    <p:notesMasterId r:id="rId28"/>
+    <p:notesMasterId r:id="rId27"/>
   </p:notesMasterIdLst>
   <p:handoutMasterIdLst>
-    <p:handoutMasterId r:id="rId29"/>
+    <p:handoutMasterId r:id="rId28"/>
   </p:handoutMasterIdLst>
   <p:sldIdLst>
     <p:sldId id="707" r:id="rId2"/>
@@ -28,15 +28,14 @@
     <p:sldId id="878" r:id="rId16"/>
     <p:sldId id="872" r:id="rId17"/>
     <p:sldId id="887" r:id="rId18"/>
-    <p:sldId id="880" r:id="rId19"/>
-    <p:sldId id="857" r:id="rId20"/>
-    <p:sldId id="856" r:id="rId21"/>
-    <p:sldId id="881" r:id="rId22"/>
-    <p:sldId id="884" r:id="rId23"/>
-    <p:sldId id="885" r:id="rId24"/>
-    <p:sldId id="883" r:id="rId25"/>
-    <p:sldId id="851" r:id="rId26"/>
-    <p:sldId id="874" r:id="rId27"/>
+    <p:sldId id="888" r:id="rId19"/>
+    <p:sldId id="880" r:id="rId20"/>
+    <p:sldId id="857" r:id="rId21"/>
+    <p:sldId id="856" r:id="rId22"/>
+    <p:sldId id="881" r:id="rId23"/>
+    <p:sldId id="883" r:id="rId24"/>
+    <p:sldId id="851" r:id="rId25"/>
+    <p:sldId id="874" r:id="rId26"/>
   </p:sldIdLst>
   <p:sldSz cx="12195175" cy="6859588"/>
   <p:notesSz cx="6858000" cy="9144000"/>
@@ -415,21 +414,21 @@
           <a:p>
             <a:pPr lvl="0"/>
             <a:r>
-              <a:rPr lang="en-US" noProof="0" dirty="0" smtClean="0"/>
+              <a:rPr lang="en-US" noProof="0" dirty="0"/>
               <a:t>Click to edit Master text styles</a:t>
             </a:r>
           </a:p>
           <a:p>
             <a:pPr lvl="1"/>
             <a:r>
-              <a:rPr lang="en-US" noProof="0" dirty="0" smtClean="0"/>
+              <a:rPr lang="en-US" noProof="0" dirty="0"/>
               <a:t>Second level</a:t>
             </a:r>
           </a:p>
           <a:p>
             <a:pPr lvl="2"/>
             <a:r>
-              <a:rPr lang="en-US" noProof="0" dirty="0" smtClean="0"/>
+              <a:rPr lang="en-US" noProof="0" dirty="0"/>
               <a:t>Third level</a:t>
             </a:r>
           </a:p>
@@ -862,7 +861,7 @@
             <a:fld id="{7D8C2C35-2B8A-446E-BEC0-FD36716C29AC}" type="slidenum">
               <a:rPr lang="en-US" smtClean="0"/>
               <a:pPr/>
-              <a:t>26</a:t>
+              <a:t>25</a:t>
             </a:fld>
             <a:endParaRPr lang="en-US" dirty="0"/>
           </a:p>
@@ -1136,7 +1135,7 @@
           </a:lstStyle>
           <a:p>
             <a:r>
-              <a:rPr lang="en-US" smtClean="0"/>
+              <a:rPr lang="en-US"/>
               <a:t>Click to edit Master title style</a:t>
             </a:r>
             <a:endParaRPr lang="en-US" dirty="0"/>
@@ -1270,10 +1269,10 @@
           </a:lstStyle>
           <a:p>
             <a:r>
-              <a:rPr lang="en-US" smtClean="0"/>
+              <a:rPr lang="en-US"/>
               <a:t>Click to edit Master subtitle style</a:t>
             </a:r>
-            <a:endParaRPr lang="en-US" dirty="0" smtClean="0"/>
+            <a:endParaRPr lang="en-US" dirty="0"/>
           </a:p>
         </p:txBody>
       </p:sp>
@@ -1323,7 +1322,7 @@
           <a:lstStyle/>
           <a:p>
             <a:r>
-              <a:rPr lang="en-US" noProof="0" smtClean="0"/>
+              <a:rPr lang="en-US" noProof="0"/>
               <a:t>Click to edit Master title style</a:t>
             </a:r>
             <a:endParaRPr lang="en-US" dirty="0"/>
@@ -1356,35 +1355,35 @@
           <a:p>
             <a:pPr lvl="0"/>
             <a:r>
-              <a:rPr lang="en-US" noProof="0" smtClean="0"/>
+              <a:rPr lang="en-US" noProof="0"/>
               <a:t>Click to edit Master text styles</a:t>
             </a:r>
           </a:p>
           <a:p>
             <a:pPr lvl="1"/>
             <a:r>
-              <a:rPr lang="en-US" noProof="0" smtClean="0"/>
+              <a:rPr lang="en-US" noProof="0"/>
               <a:t>Second level</a:t>
             </a:r>
           </a:p>
           <a:p>
             <a:pPr lvl="2"/>
             <a:r>
-              <a:rPr lang="en-US" noProof="0" smtClean="0"/>
+              <a:rPr lang="en-US" noProof="0"/>
               <a:t>Third level</a:t>
             </a:r>
           </a:p>
           <a:p>
             <a:pPr lvl="3"/>
             <a:r>
-              <a:rPr lang="en-US" noProof="0" smtClean="0"/>
+              <a:rPr lang="en-US" noProof="0"/>
               <a:t>Fourth level</a:t>
             </a:r>
           </a:p>
           <a:p>
             <a:pPr lvl="4"/>
             <a:r>
-              <a:rPr lang="en-US" noProof="0" smtClean="0"/>
+              <a:rPr lang="en-US" noProof="0"/>
               <a:t>Fifth level</a:t>
             </a:r>
             <a:endParaRPr lang="en-US" dirty="0"/>
@@ -1437,7 +1436,7 @@
           <a:lstStyle/>
           <a:p>
             <a:r>
-              <a:rPr lang="en-US" noProof="0" smtClean="0"/>
+              <a:rPr lang="en-US" noProof="0"/>
               <a:t>Click to edit Master title style</a:t>
             </a:r>
             <a:endParaRPr lang="en-US" dirty="0"/>
@@ -1470,35 +1469,35 @@
           <a:p>
             <a:pPr lvl="0"/>
             <a:r>
-              <a:rPr lang="en-US" noProof="0" smtClean="0"/>
+              <a:rPr lang="en-US" noProof="0"/>
               <a:t>Click to edit Master text styles</a:t>
             </a:r>
           </a:p>
           <a:p>
             <a:pPr lvl="1"/>
             <a:r>
-              <a:rPr lang="en-US" noProof="0" smtClean="0"/>
+              <a:rPr lang="en-US" noProof="0"/>
               <a:t>Second level</a:t>
             </a:r>
           </a:p>
           <a:p>
             <a:pPr lvl="2"/>
             <a:r>
-              <a:rPr lang="en-US" noProof="0" smtClean="0"/>
+              <a:rPr lang="en-US" noProof="0"/>
               <a:t>Third level</a:t>
             </a:r>
           </a:p>
           <a:p>
             <a:pPr lvl="3"/>
             <a:r>
-              <a:rPr lang="en-US" noProof="0" smtClean="0"/>
+              <a:rPr lang="en-US" noProof="0"/>
               <a:t>Fourth level</a:t>
             </a:r>
           </a:p>
           <a:p>
             <a:pPr lvl="4"/>
             <a:r>
-              <a:rPr lang="en-US" noProof="0" smtClean="0"/>
+              <a:rPr lang="en-US" noProof="0"/>
               <a:t>Fifth level</a:t>
             </a:r>
             <a:endParaRPr lang="en-US" dirty="0"/>
@@ -1531,35 +1530,35 @@
           <a:p>
             <a:pPr lvl="0"/>
             <a:r>
-              <a:rPr lang="en-US" noProof="0" smtClean="0"/>
+              <a:rPr lang="en-US" noProof="0"/>
               <a:t>Click to edit Master text styles</a:t>
             </a:r>
           </a:p>
           <a:p>
             <a:pPr lvl="1"/>
             <a:r>
-              <a:rPr lang="en-US" noProof="0" smtClean="0"/>
+              <a:rPr lang="en-US" noProof="0"/>
               <a:t>Second level</a:t>
             </a:r>
           </a:p>
           <a:p>
             <a:pPr lvl="2"/>
             <a:r>
-              <a:rPr lang="en-US" noProof="0" smtClean="0"/>
+              <a:rPr lang="en-US" noProof="0"/>
               <a:t>Third level</a:t>
             </a:r>
           </a:p>
           <a:p>
             <a:pPr lvl="3"/>
             <a:r>
-              <a:rPr lang="en-US" noProof="0" smtClean="0"/>
+              <a:rPr lang="en-US" noProof="0"/>
               <a:t>Fourth level</a:t>
             </a:r>
           </a:p>
           <a:p>
             <a:pPr lvl="4"/>
             <a:r>
-              <a:rPr lang="en-US" noProof="0" smtClean="0"/>
+              <a:rPr lang="en-US" noProof="0"/>
               <a:t>Fifth level</a:t>
             </a:r>
             <a:endParaRPr lang="en-US" dirty="0"/>
@@ -1617,7 +1616,7 @@
           <a:lstStyle/>
           <a:p>
             <a:r>
-              <a:rPr lang="en-US" noProof="0" smtClean="0"/>
+              <a:rPr lang="en-US" noProof="0"/>
               <a:t>Click to edit Master title style</a:t>
             </a:r>
             <a:endParaRPr lang="en-US" dirty="0"/>
@@ -1650,35 +1649,35 @@
           <a:p>
             <a:pPr lvl="0"/>
             <a:r>
-              <a:rPr lang="en-US" noProof="0" smtClean="0"/>
+              <a:rPr lang="en-US" noProof="0"/>
               <a:t>Click to edit Master text styles</a:t>
             </a:r>
           </a:p>
           <a:p>
             <a:pPr lvl="1"/>
             <a:r>
-              <a:rPr lang="en-US" noProof="0" smtClean="0"/>
+              <a:rPr lang="en-US" noProof="0"/>
               <a:t>Second level</a:t>
             </a:r>
           </a:p>
           <a:p>
             <a:pPr lvl="2"/>
             <a:r>
-              <a:rPr lang="en-US" noProof="0" smtClean="0"/>
+              <a:rPr lang="en-US" noProof="0"/>
               <a:t>Third level</a:t>
             </a:r>
           </a:p>
           <a:p>
             <a:pPr lvl="3"/>
             <a:r>
-              <a:rPr lang="en-US" noProof="0" smtClean="0"/>
+              <a:rPr lang="en-US" noProof="0"/>
               <a:t>Fourth level</a:t>
             </a:r>
           </a:p>
           <a:p>
             <a:pPr lvl="4"/>
             <a:r>
-              <a:rPr lang="en-US" noProof="0" smtClean="0"/>
+              <a:rPr lang="en-US" noProof="0"/>
               <a:t>Fifth level</a:t>
             </a:r>
             <a:endParaRPr lang="en-US" dirty="0"/>
@@ -1711,35 +1710,35 @@
           <a:p>
             <a:pPr lvl="0"/>
             <a:r>
-              <a:rPr lang="en-US" noProof="0" smtClean="0"/>
+              <a:rPr lang="en-US" noProof="0"/>
               <a:t>Click to edit Master text styles</a:t>
             </a:r>
           </a:p>
           <a:p>
             <a:pPr lvl="1"/>
             <a:r>
-              <a:rPr lang="en-US" noProof="0" smtClean="0"/>
+              <a:rPr lang="en-US" noProof="0"/>
               <a:t>Second level</a:t>
             </a:r>
           </a:p>
           <a:p>
             <a:pPr lvl="2"/>
             <a:r>
-              <a:rPr lang="en-US" noProof="0" smtClean="0"/>
+              <a:rPr lang="en-US" noProof="0"/>
               <a:t>Third level</a:t>
             </a:r>
           </a:p>
           <a:p>
             <a:pPr lvl="3"/>
             <a:r>
-              <a:rPr lang="en-US" noProof="0" smtClean="0"/>
+              <a:rPr lang="en-US" noProof="0"/>
               <a:t>Fourth level</a:t>
             </a:r>
           </a:p>
           <a:p>
             <a:pPr lvl="4"/>
             <a:r>
-              <a:rPr lang="en-US" noProof="0" smtClean="0"/>
+              <a:rPr lang="en-US" noProof="0"/>
               <a:t>Fifth level</a:t>
             </a:r>
             <a:endParaRPr lang="en-US" dirty="0"/>
@@ -1772,35 +1771,35 @@
           <a:p>
             <a:pPr lvl="0"/>
             <a:r>
-              <a:rPr lang="en-US" noProof="0" smtClean="0"/>
+              <a:rPr lang="en-US" noProof="0"/>
               <a:t>Click to edit Master text styles</a:t>
             </a:r>
           </a:p>
           <a:p>
             <a:pPr lvl="1"/>
             <a:r>
-              <a:rPr lang="en-US" noProof="0" smtClean="0"/>
+              <a:rPr lang="en-US" noProof="0"/>
               <a:t>Second level</a:t>
             </a:r>
           </a:p>
           <a:p>
             <a:pPr lvl="2"/>
             <a:r>
-              <a:rPr lang="en-US" noProof="0" smtClean="0"/>
+              <a:rPr lang="en-US" noProof="0"/>
               <a:t>Third level</a:t>
             </a:r>
           </a:p>
           <a:p>
             <a:pPr lvl="3"/>
             <a:r>
-              <a:rPr lang="en-US" noProof="0" smtClean="0"/>
+              <a:rPr lang="en-US" noProof="0"/>
               <a:t>Fourth level</a:t>
             </a:r>
           </a:p>
           <a:p>
             <a:pPr lvl="4"/>
             <a:r>
-              <a:rPr lang="en-US" noProof="0" smtClean="0"/>
+              <a:rPr lang="en-US" noProof="0"/>
               <a:t>Fifth level</a:t>
             </a:r>
             <a:endParaRPr lang="en-US" dirty="0"/>
@@ -1857,7 +1856,7 @@
           </a:lstStyle>
           <a:p>
             <a:r>
-              <a:rPr lang="en-US" noProof="0" smtClean="0"/>
+              <a:rPr lang="en-US" noProof="0"/>
               <a:t>Click to edit Master title style</a:t>
             </a:r>
             <a:endParaRPr lang="de-DE" dirty="0"/>
@@ -1897,7 +1896,7 @@
           <a:p>
             <a:pPr lvl="0"/>
             <a:r>
-              <a:rPr lang="en-US" noProof="0" smtClean="0"/>
+              <a:rPr lang="en-US" noProof="0"/>
               <a:t>Click icon to add picture</a:t>
             </a:r>
             <a:endParaRPr lang="de-DE" noProof="0" dirty="0"/>
@@ -1930,35 +1929,35 @@
           <a:p>
             <a:pPr lvl="0"/>
             <a:r>
-              <a:rPr lang="en-US" noProof="0" smtClean="0"/>
+              <a:rPr lang="en-US" noProof="0"/>
               <a:t>Click to edit Master text styles</a:t>
             </a:r>
           </a:p>
           <a:p>
             <a:pPr lvl="1"/>
             <a:r>
-              <a:rPr lang="en-US" noProof="0" smtClean="0"/>
+              <a:rPr lang="en-US" noProof="0"/>
               <a:t>Second level</a:t>
             </a:r>
           </a:p>
           <a:p>
             <a:pPr lvl="2"/>
             <a:r>
-              <a:rPr lang="en-US" noProof="0" smtClean="0"/>
+              <a:rPr lang="en-US" noProof="0"/>
               <a:t>Third level</a:t>
             </a:r>
           </a:p>
           <a:p>
             <a:pPr lvl="3"/>
             <a:r>
-              <a:rPr lang="en-US" noProof="0" smtClean="0"/>
+              <a:rPr lang="en-US" noProof="0"/>
               <a:t>Fourth level</a:t>
             </a:r>
           </a:p>
           <a:p>
             <a:pPr lvl="4"/>
             <a:r>
-              <a:rPr lang="en-US" noProof="0" smtClean="0"/>
+              <a:rPr lang="en-US" noProof="0"/>
               <a:t>Fifth level</a:t>
             </a:r>
             <a:endParaRPr lang="de-DE" dirty="0"/>
@@ -1975,13 +1974,6 @@
   <p:clrMapOvr>
     <a:masterClrMapping/>
   </p:clrMapOvr>
-  <p:timing>
-    <p:tnLst>
-      <p:par>
-        <p:cTn id="1" dur="indefinite" restart="never" nodeType="tmRoot"/>
-      </p:par>
-    </p:tnLst>
-  </p:timing>
 </p:sldLayout>
 </file>
 
@@ -2022,7 +2014,7 @@
           </a:lstStyle>
           <a:p>
             <a:r>
-              <a:rPr lang="en-US" noProof="0" smtClean="0"/>
+              <a:rPr lang="en-US" noProof="0"/>
               <a:t>Click to edit Master title style</a:t>
             </a:r>
             <a:endParaRPr lang="de-DE" dirty="0"/>
@@ -2078,7 +2070,7 @@
           <a:p>
             <a:pPr lvl="0"/>
             <a:r>
-              <a:rPr lang="en-US" noProof="0" smtClean="0"/>
+              <a:rPr lang="en-US" noProof="0"/>
               <a:t>Click icon to add picture</a:t>
             </a:r>
             <a:endParaRPr lang="de-DE" noProof="0" dirty="0"/>
@@ -2111,35 +2103,35 @@
           <a:p>
             <a:pPr lvl="0"/>
             <a:r>
-              <a:rPr lang="en-US" noProof="0" smtClean="0"/>
+              <a:rPr lang="en-US" noProof="0"/>
               <a:t>Click to edit Master text styles</a:t>
             </a:r>
           </a:p>
           <a:p>
             <a:pPr lvl="1"/>
             <a:r>
-              <a:rPr lang="en-US" noProof="0" smtClean="0"/>
+              <a:rPr lang="en-US" noProof="0"/>
               <a:t>Second level</a:t>
             </a:r>
           </a:p>
           <a:p>
             <a:pPr lvl="2"/>
             <a:r>
-              <a:rPr lang="en-US" noProof="0" smtClean="0"/>
+              <a:rPr lang="en-US" noProof="0"/>
               <a:t>Third level</a:t>
             </a:r>
           </a:p>
           <a:p>
             <a:pPr lvl="3"/>
             <a:r>
-              <a:rPr lang="en-US" noProof="0" smtClean="0"/>
+              <a:rPr lang="en-US" noProof="0"/>
               <a:t>Fourth level</a:t>
             </a:r>
           </a:p>
           <a:p>
             <a:pPr lvl="4"/>
             <a:r>
-              <a:rPr lang="en-US" noProof="0" smtClean="0"/>
+              <a:rPr lang="en-US" noProof="0"/>
               <a:t>Fifth level</a:t>
             </a:r>
             <a:endParaRPr lang="de-DE" dirty="0"/>
@@ -2196,7 +2188,7 @@
           </a:lstStyle>
           <a:p>
             <a:r>
-              <a:rPr lang="en-US" noProof="0" smtClean="0"/>
+              <a:rPr lang="en-US" noProof="0"/>
               <a:t>Click to edit Master title style</a:t>
             </a:r>
             <a:endParaRPr lang="de-DE" dirty="0"/>
@@ -2252,7 +2244,7 @@
           <a:p>
             <a:pPr lvl="0"/>
             <a:r>
-              <a:rPr lang="en-US" noProof="0" smtClean="0"/>
+              <a:rPr lang="en-US" noProof="0"/>
               <a:t>Click icon to add picture</a:t>
             </a:r>
             <a:endParaRPr lang="de-DE" noProof="0" dirty="0"/>
@@ -2285,35 +2277,35 @@
           <a:p>
             <a:pPr lvl="0"/>
             <a:r>
-              <a:rPr lang="en-US" noProof="0" smtClean="0"/>
+              <a:rPr lang="en-US" noProof="0"/>
               <a:t>Click to edit Master text styles</a:t>
             </a:r>
           </a:p>
           <a:p>
             <a:pPr lvl="1"/>
             <a:r>
-              <a:rPr lang="en-US" noProof="0" smtClean="0"/>
+              <a:rPr lang="en-US" noProof="0"/>
               <a:t>Second level</a:t>
             </a:r>
           </a:p>
           <a:p>
             <a:pPr lvl="2"/>
             <a:r>
-              <a:rPr lang="en-US" noProof="0" smtClean="0"/>
+              <a:rPr lang="en-US" noProof="0"/>
               <a:t>Third level</a:t>
             </a:r>
           </a:p>
           <a:p>
             <a:pPr lvl="3"/>
             <a:r>
-              <a:rPr lang="en-US" noProof="0" smtClean="0"/>
+              <a:rPr lang="en-US" noProof="0"/>
               <a:t>Fourth level</a:t>
             </a:r>
           </a:p>
           <a:p>
             <a:pPr lvl="4"/>
             <a:r>
-              <a:rPr lang="en-US" noProof="0" smtClean="0"/>
+              <a:rPr lang="en-US" noProof="0"/>
               <a:t>Fifth level</a:t>
             </a:r>
             <a:endParaRPr lang="de-DE" dirty="0"/>
@@ -2366,7 +2358,7 @@
           <a:lstStyle/>
           <a:p>
             <a:r>
-              <a:rPr lang="en-US" noProof="0" smtClean="0"/>
+              <a:rPr lang="en-US" noProof="0"/>
               <a:t>Click to edit Master title style</a:t>
             </a:r>
             <a:endParaRPr lang="en-US" dirty="0"/>
@@ -2399,14 +2391,14 @@
           <a:p>
             <a:pPr lvl="0"/>
             <a:r>
-              <a:rPr lang="en-US" noProof="0" smtClean="0"/>
+              <a:rPr lang="en-US" noProof="0"/>
               <a:t>Click to edit Master text styles</a:t>
             </a:r>
           </a:p>
           <a:p>
             <a:pPr lvl="1"/>
             <a:r>
-              <a:rPr lang="en-US" noProof="0" smtClean="0"/>
+              <a:rPr lang="en-US" noProof="0"/>
               <a:t>Second level</a:t>
             </a:r>
           </a:p>
@@ -2438,14 +2430,14 @@
           <a:p>
             <a:pPr lvl="0"/>
             <a:r>
-              <a:rPr lang="en-US" noProof="0" smtClean="0"/>
+              <a:rPr lang="en-US" noProof="0"/>
               <a:t>Click to edit Master text styles</a:t>
             </a:r>
           </a:p>
           <a:p>
             <a:pPr lvl="1"/>
             <a:r>
-              <a:rPr lang="en-US" noProof="0" smtClean="0"/>
+              <a:rPr lang="en-US" noProof="0"/>
               <a:t>Second level</a:t>
             </a:r>
           </a:p>
@@ -2484,7 +2476,7 @@
           <a:p>
             <a:pPr lvl="0"/>
             <a:r>
-              <a:rPr lang="en-US" noProof="0" smtClean="0"/>
+              <a:rPr lang="en-US" noProof="0"/>
               <a:t>Click icon to add picture</a:t>
             </a:r>
             <a:endParaRPr lang="de-DE" noProof="0" dirty="0"/>
@@ -2524,7 +2516,7 @@
           <a:p>
             <a:pPr lvl="0"/>
             <a:r>
-              <a:rPr lang="en-US" noProof="0" smtClean="0"/>
+              <a:rPr lang="en-US" noProof="0"/>
               <a:t>Click icon to add picture</a:t>
             </a:r>
             <a:endParaRPr lang="de-DE" noProof="0" dirty="0"/>
@@ -2577,7 +2569,7 @@
           <a:lstStyle/>
           <a:p>
             <a:r>
-              <a:rPr lang="en-US" noProof="0" smtClean="0"/>
+              <a:rPr lang="en-US" noProof="0"/>
               <a:t>Click to edit Master title style</a:t>
             </a:r>
             <a:endParaRPr lang="en-US" dirty="0"/>
@@ -2610,7 +2602,7 @@
           <a:p>
             <a:pPr lvl="0"/>
             <a:r>
-              <a:rPr lang="en-US" smtClean="0"/>
+              <a:rPr lang="en-US"/>
               <a:t>Click to edit Master text styles</a:t>
             </a:r>
           </a:p>
@@ -2666,7 +2658,7 @@
           </a:lstStyle>
           <a:p>
             <a:r>
-              <a:rPr lang="en-US" smtClean="0"/>
+              <a:rPr lang="en-US"/>
               <a:t>Click to edit Master title style</a:t>
             </a:r>
             <a:endParaRPr lang="en-US" dirty="0"/>
@@ -2704,38 +2696,38 @@
           <a:p>
             <a:pPr lvl="0"/>
             <a:r>
-              <a:rPr lang="en-US" smtClean="0"/>
+              <a:rPr lang="en-US"/>
               <a:t>Click to edit Master text styles</a:t>
             </a:r>
           </a:p>
           <a:p>
             <a:pPr lvl="1"/>
             <a:r>
-              <a:rPr lang="en-US" smtClean="0"/>
+              <a:rPr lang="en-US"/>
               <a:t>Second level</a:t>
             </a:r>
           </a:p>
           <a:p>
             <a:pPr lvl="2"/>
             <a:r>
-              <a:rPr lang="en-US" smtClean="0"/>
+              <a:rPr lang="en-US"/>
               <a:t>Third level</a:t>
             </a:r>
           </a:p>
           <a:p>
             <a:pPr lvl="3"/>
             <a:r>
-              <a:rPr lang="en-US" smtClean="0"/>
+              <a:rPr lang="en-US"/>
               <a:t>Fourth level</a:t>
             </a:r>
           </a:p>
           <a:p>
             <a:pPr lvl="4"/>
             <a:r>
-              <a:rPr lang="en-US" smtClean="0"/>
+              <a:rPr lang="en-US"/>
               <a:t>Fifth level</a:t>
             </a:r>
-            <a:endParaRPr lang="en-US" dirty="0" smtClean="0"/>
+            <a:endParaRPr lang="en-US" dirty="0"/>
           </a:p>
         </p:txBody>
       </p:sp>
@@ -3100,10 +3092,10 @@
           </a:lstStyle>
           <a:p>
             <a:r>
-              <a:rPr lang="en-US" smtClean="0"/>
+              <a:rPr lang="en-US"/>
               <a:t>Click to edit Master subtitle style</a:t>
             </a:r>
-            <a:endParaRPr lang="en-US" dirty="0" smtClean="0"/>
+            <a:endParaRPr lang="en-US" dirty="0"/>
           </a:p>
         </p:txBody>
       </p:sp>
@@ -3139,7 +3131,7 @@
           </a:lstStyle>
           <a:p>
             <a:r>
-              <a:rPr lang="en-US" smtClean="0"/>
+              <a:rPr lang="en-US"/>
               <a:t>Click to edit Master title style</a:t>
             </a:r>
             <a:endParaRPr lang="de-DE" dirty="0"/>
@@ -3209,7 +3201,7 @@
               <a:buNone/>
             </a:pPr>
             <a:r>
-              <a:rPr lang="en-US" sz="2900" b="1" kern="1200" noProof="0" dirty="0" smtClean="0">
+              <a:rPr lang="en-US" sz="2900" b="1" kern="1200" noProof="0" dirty="0">
                 <a:solidFill>
                   <a:schemeClr val="accent2"/>
                 </a:solidFill>
@@ -3220,7 +3212,7 @@
               <a:t>© 2014 SAP SE or an SAP affiliate company. </a:t>
             </a:r>
             <a:br>
-              <a:rPr lang="en-US" sz="2900" b="1" kern="1200" noProof="0" dirty="0" smtClean="0">
+              <a:rPr lang="en-US" sz="2900" b="1" kern="1200" noProof="0" dirty="0">
                 <a:solidFill>
                   <a:schemeClr val="accent2"/>
                 </a:solidFill>
@@ -3230,7 +3222,7 @@
               </a:rPr>
             </a:br>
             <a:r>
-              <a:rPr lang="en-US" sz="2900" b="1" kern="1200" noProof="0" dirty="0" smtClean="0">
+              <a:rPr lang="en-US" sz="2900" b="1" kern="1200" noProof="0" dirty="0">
                 <a:solidFill>
                   <a:schemeClr val="accent2"/>
                 </a:solidFill>
@@ -3266,7 +3258,7 @@
           <a:lstStyle/>
           <a:p>
             <a:r>
-              <a:rPr lang="en-US" sz="1200" kern="1200" dirty="0" smtClean="0">
+              <a:rPr lang="en-US" sz="1200" kern="1200" dirty="0">
                 <a:solidFill>
                   <a:schemeClr val="tx1"/>
                 </a:solidFill>
@@ -3279,7 +3271,7 @@
           </a:p>
           <a:p>
             <a:r>
-              <a:rPr lang="en-US" sz="1200" kern="1200" dirty="0" smtClean="0">
+              <a:rPr lang="en-US" sz="1200" kern="1200" dirty="0">
                 <a:solidFill>
                   <a:schemeClr val="tx1"/>
                 </a:solidFill>
@@ -3297,7 +3289,7 @@
               </a:spcBef>
             </a:pPr>
             <a:r>
-              <a:rPr lang="en-US" sz="1200" kern="1200" dirty="0" smtClean="0">
+              <a:rPr lang="en-US" sz="1200" kern="1200" dirty="0">
                 <a:solidFill>
                   <a:schemeClr val="tx1"/>
                 </a:solidFill>
@@ -3308,7 +3300,7 @@
               <a:t>SAP and other SAP products and services mentioned herein as well as their respective logos are trademarks or registered trademarks of SAP SE </a:t>
             </a:r>
             <a:br>
-              <a:rPr lang="en-US" sz="1200" kern="1200" dirty="0" smtClean="0">
+              <a:rPr lang="en-US" sz="1200" kern="1200" dirty="0">
                 <a:solidFill>
                   <a:schemeClr val="tx1"/>
                 </a:solidFill>
@@ -3318,7 +3310,7 @@
               </a:rPr>
             </a:br>
             <a:r>
-              <a:rPr lang="en-US" sz="1200" kern="1200" dirty="0" smtClean="0">
+              <a:rPr lang="en-US" sz="1200" kern="1200" dirty="0">
                 <a:solidFill>
                   <a:schemeClr val="tx1"/>
                 </a:solidFill>
@@ -3329,7 +3321,7 @@
               <a:t>(or an SAP affiliate company) in Germany and other countries. Please see </a:t>
             </a:r>
             <a:r>
-              <a:rPr lang="en-US" sz="1200" kern="1200" dirty="0" smtClean="0">
+              <a:rPr lang="en-US" sz="1200" kern="1200" dirty="0">
                 <a:solidFill>
                   <a:schemeClr val="tx1"/>
                 </a:solidFill>
@@ -3341,7 +3333,7 @@
               <a:t>http://global12.sap.com/corporate-en/legal/copyright/index.epx</a:t>
             </a:r>
             <a:r>
-              <a:rPr lang="en-US" sz="1200" kern="1200" dirty="0" smtClean="0">
+              <a:rPr lang="en-US" sz="1200" kern="1200" dirty="0">
                 <a:solidFill>
                   <a:schemeClr val="tx1"/>
                 </a:solidFill>
@@ -3359,7 +3351,7 @@
               </a:spcBef>
             </a:pPr>
             <a:r>
-              <a:rPr lang="en-US" sz="1200" kern="1200" dirty="0" smtClean="0">
+              <a:rPr lang="en-US" sz="1200" kern="1200" dirty="0">
                 <a:solidFill>
                   <a:schemeClr val="tx1"/>
                 </a:solidFill>
@@ -3377,7 +3369,7 @@
               </a:spcBef>
             </a:pPr>
             <a:r>
-              <a:rPr lang="en-US" sz="1200" kern="1200" dirty="0" smtClean="0">
+              <a:rPr lang="en-US" sz="1200" kern="1200" dirty="0">
                 <a:solidFill>
                   <a:schemeClr val="tx1"/>
                 </a:solidFill>
@@ -3395,7 +3387,7 @@
               </a:spcBef>
             </a:pPr>
             <a:r>
-              <a:rPr lang="en-US" sz="1200" kern="1200" dirty="0" smtClean="0">
+              <a:rPr lang="en-US" sz="1200" kern="1200" dirty="0">
                 <a:solidFill>
                   <a:schemeClr val="tx1"/>
                 </a:solidFill>
@@ -3406,7 +3398,7 @@
               <a:t>These materials are provided by SAP SE or an SAP affiliate company for informational purposes only, without representation or warranty of any kind, and SAP SE or its affiliated companies shall not be liable for errors or omissions with respect to the materials. The only warranties for SAP SE or </a:t>
             </a:r>
             <a:br>
-              <a:rPr lang="en-US" sz="1200" kern="1200" dirty="0" smtClean="0">
+              <a:rPr lang="en-US" sz="1200" kern="1200" dirty="0">
                 <a:solidFill>
                   <a:schemeClr val="tx1"/>
                 </a:solidFill>
@@ -3416,7 +3408,7 @@
               </a:rPr>
             </a:br>
             <a:r>
-              <a:rPr lang="en-US" sz="1200" kern="1200" dirty="0" smtClean="0">
+              <a:rPr lang="en-US" sz="1200" kern="1200" dirty="0">
                 <a:solidFill>
                   <a:schemeClr val="tx1"/>
                 </a:solidFill>
@@ -3427,7 +3419,7 @@
               <a:t>SAP affiliate company products and services are those that are set forth in the express warranty statements accompanying such products and </a:t>
             </a:r>
             <a:br>
-              <a:rPr lang="en-US" sz="1200" kern="1200" dirty="0" smtClean="0">
+              <a:rPr lang="en-US" sz="1200" kern="1200" dirty="0">
                 <a:solidFill>
                   <a:schemeClr val="tx1"/>
                 </a:solidFill>
@@ -3437,7 +3429,7 @@
               </a:rPr>
             </a:br>
             <a:r>
-              <a:rPr lang="en-US" sz="1200" kern="1200" dirty="0" smtClean="0">
+              <a:rPr lang="en-US" sz="1200" kern="1200" dirty="0">
                 <a:solidFill>
                   <a:schemeClr val="tx1"/>
                 </a:solidFill>
@@ -3455,7 +3447,7 @@
               </a:spcBef>
             </a:pPr>
             <a:r>
-              <a:rPr lang="en-US" sz="1200" kern="1200" dirty="0" smtClean="0">
+              <a:rPr lang="en-US" sz="1200" kern="1200" dirty="0">
                 <a:solidFill>
                   <a:schemeClr val="tx1"/>
                 </a:solidFill>
@@ -3591,7 +3583,7 @@
           </a:lstStyle>
           <a:p>
             <a:r>
-              <a:rPr lang="en-US" smtClean="0"/>
+              <a:rPr lang="en-US"/>
               <a:t>Click to edit Master title style</a:t>
             </a:r>
             <a:endParaRPr lang="en-US" dirty="0"/>
@@ -3725,10 +3717,10 @@
           </a:lstStyle>
           <a:p>
             <a:r>
-              <a:rPr lang="en-US" smtClean="0"/>
+              <a:rPr lang="en-US"/>
               <a:t>Click to edit Master subtitle style</a:t>
             </a:r>
-            <a:endParaRPr lang="en-US" dirty="0" smtClean="0"/>
+            <a:endParaRPr lang="en-US" dirty="0"/>
           </a:p>
         </p:txBody>
       </p:sp>
@@ -3951,10 +3943,10 @@
           </a:lstStyle>
           <a:p>
             <a:r>
-              <a:rPr lang="en-US" smtClean="0"/>
+              <a:rPr lang="en-US"/>
               <a:t>Click to edit Master subtitle style</a:t>
             </a:r>
-            <a:endParaRPr lang="en-US" dirty="0" smtClean="0"/>
+            <a:endParaRPr lang="en-US" dirty="0"/>
           </a:p>
         </p:txBody>
       </p:sp>
@@ -3990,7 +3982,7 @@
           </a:lstStyle>
           <a:p>
             <a:r>
-              <a:rPr lang="en-US" smtClean="0"/>
+              <a:rPr lang="en-US"/>
               <a:t>Click to edit Master title style</a:t>
             </a:r>
             <a:endParaRPr lang="de-DE" dirty="0"/>
@@ -4168,7 +4160,7 @@
           </a:lstStyle>
           <a:p>
             <a:r>
-              <a:rPr lang="en-US" smtClean="0"/>
+              <a:rPr lang="en-US"/>
               <a:t>Click to edit Master title style</a:t>
             </a:r>
             <a:endParaRPr lang="de-DE" dirty="0"/>
@@ -4204,7 +4196,7 @@
           <a:p>
             <a:pPr lvl="0"/>
             <a:r>
-              <a:rPr lang="en-US" smtClean="0"/>
+              <a:rPr lang="en-US"/>
               <a:t>Click to edit Master text styles</a:t>
             </a:r>
           </a:p>
@@ -4383,10 +4375,9 @@
           <a:p>
             <a:pPr lvl="0"/>
             <a:r>
-              <a:rPr lang="en-US" noProof="0" smtClean="0"/>
+              <a:rPr lang="en-US" noProof="0"/>
               <a:t>Click icon to add picture</a:t>
             </a:r>
-            <a:endParaRPr lang="en-US" noProof="0"/>
           </a:p>
         </p:txBody>
       </p:sp>
@@ -4422,7 +4413,7 @@
           </a:lstStyle>
           <a:p>
             <a:r>
-              <a:rPr lang="en-US" smtClean="0"/>
+              <a:rPr lang="en-US"/>
               <a:t>Click to edit Master title style</a:t>
             </a:r>
             <a:endParaRPr lang="de-DE" dirty="0"/>
@@ -4458,7 +4449,7 @@
           <a:p>
             <a:pPr lvl="0"/>
             <a:r>
-              <a:rPr lang="en-US" smtClean="0"/>
+              <a:rPr lang="en-US"/>
               <a:t>Click to edit Master text styles</a:t>
             </a:r>
           </a:p>
@@ -4636,7 +4627,7 @@
           </a:lstStyle>
           <a:p>
             <a:r>
-              <a:rPr lang="en-US" smtClean="0"/>
+              <a:rPr lang="en-US"/>
               <a:t>Click to edit Master title style</a:t>
             </a:r>
             <a:endParaRPr lang="de-DE" dirty="0"/>
@@ -4674,38 +4665,38 @@
           <a:p>
             <a:pPr lvl="0"/>
             <a:r>
-              <a:rPr lang="en-US" smtClean="0"/>
+              <a:rPr lang="en-US"/>
               <a:t>Click to edit Master text styles</a:t>
             </a:r>
           </a:p>
           <a:p>
             <a:pPr lvl="1"/>
             <a:r>
-              <a:rPr lang="en-US" smtClean="0"/>
+              <a:rPr lang="en-US"/>
               <a:t>Second level</a:t>
             </a:r>
           </a:p>
           <a:p>
             <a:pPr lvl="2"/>
             <a:r>
-              <a:rPr lang="en-US" smtClean="0"/>
+              <a:rPr lang="en-US"/>
               <a:t>Third level</a:t>
             </a:r>
           </a:p>
           <a:p>
             <a:pPr lvl="3"/>
             <a:r>
-              <a:rPr lang="en-US" smtClean="0"/>
+              <a:rPr lang="en-US"/>
               <a:t>Fourth level</a:t>
             </a:r>
           </a:p>
           <a:p>
             <a:pPr lvl="4"/>
             <a:r>
-              <a:rPr lang="en-US" smtClean="0"/>
+              <a:rPr lang="en-US"/>
               <a:t>Fifth level</a:t>
             </a:r>
-            <a:endParaRPr lang="en-US" dirty="0" smtClean="0"/>
+            <a:endParaRPr lang="en-US" dirty="0"/>
           </a:p>
         </p:txBody>
       </p:sp>
@@ -4760,7 +4751,7 @@
           </a:lstStyle>
           <a:p>
             <a:r>
-              <a:rPr lang="en-US" smtClean="0"/>
+              <a:rPr lang="en-US"/>
               <a:t>Click to edit Master title style</a:t>
             </a:r>
             <a:endParaRPr lang="en-US" dirty="0"/>
@@ -4876,38 +4867,38 @@
           <a:p>
             <a:pPr lvl="0"/>
             <a:r>
-              <a:rPr lang="en-US" smtClean="0"/>
+              <a:rPr lang="en-US"/>
               <a:t>Click to edit Master text styles</a:t>
             </a:r>
           </a:p>
           <a:p>
             <a:pPr lvl="1"/>
             <a:r>
-              <a:rPr lang="en-US" smtClean="0"/>
+              <a:rPr lang="en-US"/>
               <a:t>Second level</a:t>
             </a:r>
           </a:p>
           <a:p>
             <a:pPr lvl="2"/>
             <a:r>
-              <a:rPr lang="en-US" smtClean="0"/>
+              <a:rPr lang="en-US"/>
               <a:t>Third level</a:t>
             </a:r>
           </a:p>
           <a:p>
             <a:pPr lvl="3"/>
             <a:r>
-              <a:rPr lang="en-US" smtClean="0"/>
+              <a:rPr lang="en-US"/>
               <a:t>Fourth level</a:t>
             </a:r>
           </a:p>
           <a:p>
             <a:pPr lvl="4"/>
             <a:r>
-              <a:rPr lang="en-US" smtClean="0"/>
+              <a:rPr lang="en-US"/>
               <a:t>Fifth level</a:t>
             </a:r>
-            <a:endParaRPr lang="en-US" dirty="0" smtClean="0"/>
+            <a:endParaRPr lang="en-US" dirty="0"/>
           </a:p>
         </p:txBody>
       </p:sp>
@@ -4961,7 +4952,7 @@
           </a:lstStyle>
           <a:p>
             <a:r>
-              <a:rPr lang="en-US" noProof="0" smtClean="0"/>
+              <a:rPr lang="en-US" noProof="0"/>
               <a:t>Click to edit Master title style</a:t>
             </a:r>
             <a:endParaRPr lang="de-DE" dirty="0"/>
@@ -5119,7 +5110,7 @@
           <a:p>
             <a:pPr lvl="0"/>
             <a:r>
-              <a:rPr lang="en-US" smtClean="0"/>
+              <a:rPr lang="en-US"/>
               <a:t>Insert page title</a:t>
             </a:r>
           </a:p>
@@ -5177,35 +5168,35 @@
           <a:p>
             <a:pPr lvl="0"/>
             <a:r>
-              <a:rPr lang="en-US" smtClean="0"/>
+              <a:rPr lang="en-US"/>
               <a:t>First level</a:t>
             </a:r>
           </a:p>
           <a:p>
             <a:pPr lvl="1"/>
             <a:r>
-              <a:rPr lang="en-US" smtClean="0"/>
+              <a:rPr lang="en-US"/>
               <a:t>Second level</a:t>
             </a:r>
           </a:p>
           <a:p>
             <a:pPr lvl="2"/>
             <a:r>
-              <a:rPr lang="en-US" smtClean="0"/>
+              <a:rPr lang="en-US"/>
               <a:t>Third level</a:t>
             </a:r>
           </a:p>
           <a:p>
             <a:pPr lvl="3"/>
             <a:r>
-              <a:rPr lang="en-US" smtClean="0"/>
+              <a:rPr lang="en-US"/>
               <a:t>Fourth level</a:t>
             </a:r>
           </a:p>
           <a:p>
             <a:pPr lvl="4"/>
             <a:r>
-              <a:rPr lang="en-US" smtClean="0"/>
+              <a:rPr lang="en-US"/>
               <a:t>Fifth level</a:t>
             </a:r>
           </a:p>
@@ -5612,7 +5603,7 @@
               <a:buSzPct val="80000"/>
             </a:pPr>
             <a:r>
-              <a:rPr kumimoji="0" lang="en-US" sz="1000" b="0" i="0" u="none" kern="0" baseline="0" dirty="0" smtClean="0">
+              <a:rPr kumimoji="0" lang="en-US" sz="1000" b="0" i="0" u="none" kern="0" baseline="0" dirty="0">
                 <a:solidFill>
                   <a:srgbClr val="FFFFFF"/>
                 </a:solidFill>
@@ -5721,7 +5712,7 @@
               <a:tabLst/>
             </a:pPr>
             <a:r>
-              <a:rPr lang="en-US" sz="800" noProof="0" dirty="0" smtClean="0">
+              <a:rPr lang="en-US" sz="800" noProof="0" dirty="0">
                 <a:solidFill>
                   <a:schemeClr val="bg1"/>
                 </a:solidFill>
@@ -5756,13 +5747,6 @@
     <p:sldLayoutId id="2147483740" r:id="rId19"/>
     <p:sldLayoutId id="2147483741" r:id="rId20"/>
   </p:sldLayoutIdLst>
-  <p:timing>
-    <p:tnLst>
-      <p:par>
-        <p:cTn id="1" dur="indefinite" restart="never" nodeType="tmRoot"/>
-      </p:par>
-    </p:tnLst>
-  </p:timing>
   <p:hf hdr="0" ftr="0" dt="0"/>
   <p:txStyles>
     <p:titleStyle>
@@ -6265,7 +6249,7 @@
               <a:buSzPct val="80000"/>
               <a:tabLst/>
             </a:pPr>
-            <a:endParaRPr kumimoji="0" lang="en-US" b="0" i="0" u="none" strike="noStrike" kern="0" cap="none" spc="0" normalizeH="0" baseline="0" noProof="0" dirty="0" smtClean="0">
+            <a:endParaRPr kumimoji="0" lang="en-US" b="0" i="0" u="none" strike="noStrike" kern="0" cap="none" spc="0" normalizeH="0" baseline="0" noProof="0" dirty="0">
               <a:ln>
                 <a:noFill/>
               </a:ln>
@@ -6356,7 +6340,7 @@
               <a:buSzPct val="80000"/>
               <a:tabLst/>
             </a:pPr>
-            <a:endParaRPr kumimoji="0" lang="en-US" sz="1900" b="0" i="0" u="none" strike="noStrike" kern="0" cap="none" spc="0" normalizeH="0" baseline="0" noProof="0" dirty="0" smtClean="0">
+            <a:endParaRPr kumimoji="0" lang="en-US" sz="1900" b="0" i="0" u="none" strike="noStrike" kern="0" cap="none" spc="0" normalizeH="0" baseline="0" noProof="0" dirty="0">
               <a:ln>
                 <a:noFill/>
               </a:ln>
@@ -6390,11 +6374,11 @@
           <a:lstStyle/>
           <a:p>
             <a:r>
-              <a:rPr lang="en-US" sz="3600" dirty="0" smtClean="0"/>
+              <a:rPr lang="en-US" sz="3600" dirty="0"/>
               <a:t>SAPUI5: </a:t>
             </a:r>
             <a:r>
-              <a:rPr lang="en-US" sz="3600" smtClean="0"/>
+              <a:rPr lang="en-US" sz="3600"/>
               <a:t>Application Structure</a:t>
             </a:r>
             <a:endParaRPr lang="en-US" sz="2000" dirty="0">
@@ -6440,7 +6424,7 @@
               <a:buSzPct val="80000"/>
             </a:pPr>
             <a:r>
-              <a:rPr lang="en-US" sz="1600" kern="0" dirty="0" smtClean="0">
+              <a:rPr lang="en-US" sz="1600" kern="0" dirty="0">
                 <a:solidFill>
                   <a:srgbClr val="000000"/>
                 </a:solidFill>
@@ -6526,13 +6510,6 @@
   <p:clrMapOvr>
     <a:masterClrMapping/>
   </p:clrMapOvr>
-  <p:timing>
-    <p:tnLst>
-      <p:par>
-        <p:cTn id="1" dur="indefinite" restart="never" nodeType="tmRoot"/>
-      </p:par>
-    </p:tnLst>
-  </p:timing>
 </p:sld>
 </file>
 
@@ -6569,10 +6546,9 @@
           <a:lstStyle/>
           <a:p>
             <a:r>
-              <a:rPr lang="en-US" dirty="0" smtClean="0"/>
+              <a:rPr lang="en-US" dirty="0"/>
               <a:t>The View</a:t>
             </a:r>
-            <a:endParaRPr lang="en-US" dirty="0"/>
           </a:p>
         </p:txBody>
       </p:sp>
@@ -6592,7 +6568,7 @@
           <a:lstStyle/>
           <a:p>
             <a:r>
-              <a:rPr lang="en-US" dirty="0" smtClean="0"/>
+              <a:rPr lang="en-US" dirty="0"/>
               <a:t>Views are used to create the visual interface.  Views can be fined using JavaScript, HTML, JSON and XML.  SAP currently recommends the use of XML because it emphasizes the separation of interface and procedural logic and work with the new WYSIWYG Layout Editor.</a:t>
             </a:r>
           </a:p>
@@ -6600,7 +6576,7 @@
       </p:sp>
       <p:pic>
         <p:nvPicPr>
-          <p:cNvPr id="4" name="Picture 3"/>
+          <p:cNvPr id="5" name="Picture 4"/>
           <p:cNvPicPr>
             <a:picLocks noChangeAspect="1"/>
           </p:cNvPicPr>
@@ -6614,8 +6590,8 @@
         </p:blipFill>
         <p:spPr>
           <a:xfrm>
-            <a:off x="4657427" y="2979744"/>
-            <a:ext cx="6924675" cy="3429000"/>
+            <a:off x="3622312" y="2864960"/>
+            <a:ext cx="7848616" cy="2860089"/>
           </a:xfrm>
           <a:prstGeom prst="rect">
             <a:avLst/>
@@ -6632,13 +6608,6 @@
   <p:clrMapOvr>
     <a:masterClrMapping/>
   </p:clrMapOvr>
-  <p:timing>
-    <p:tnLst>
-      <p:par>
-        <p:cTn id="1" dur="indefinite" restart="never" nodeType="tmRoot"/>
-      </p:par>
-    </p:tnLst>
-  </p:timing>
 </p:sld>
 </file>
 
@@ -6675,10 +6644,9 @@
           <a:lstStyle/>
           <a:p>
             <a:r>
-              <a:rPr lang="en-US" dirty="0" smtClean="0"/>
+              <a:rPr lang="en-US" dirty="0"/>
               <a:t>SAPUI5 Namespaces</a:t>
             </a:r>
-            <a:endParaRPr lang="en-US" dirty="0"/>
           </a:p>
         </p:txBody>
       </p:sp>
@@ -6741,67 +6709,67 @@
               <a:buSzPct val="80000"/>
             </a:pPr>
             <a:r>
-              <a:rPr lang="en-US" sz="1800" kern="0" dirty="0" smtClean="0">
+              <a:rPr lang="en-US" sz="1800" kern="0" dirty="0">
                 <a:ea typeface="Arial Unicode MS" pitchFamily="34" charset="-128"/>
                 <a:cs typeface="Arial Unicode MS" pitchFamily="34" charset="-128"/>
               </a:rPr>
               <a:t>SAPUI5 consists of a large number of libraries which are referenced</a:t>
             </a:r>
             <a:br>
-              <a:rPr lang="en-US" sz="1800" kern="0" dirty="0" smtClean="0">
+              <a:rPr lang="en-US" sz="1800" kern="0" dirty="0">
                 <a:ea typeface="Arial Unicode MS" pitchFamily="34" charset="-128"/>
                 <a:cs typeface="Arial Unicode MS" pitchFamily="34" charset="-128"/>
               </a:rPr>
             </a:br>
             <a:r>
-              <a:rPr lang="en-US" sz="1800" kern="0" dirty="0" smtClean="0">
+              <a:rPr lang="en-US" sz="1800" kern="0" dirty="0">
                 <a:ea typeface="Arial Unicode MS" pitchFamily="34" charset="-128"/>
                 <a:cs typeface="Arial Unicode MS" pitchFamily="34" charset="-128"/>
               </a:rPr>
               <a:t>using </a:t>
             </a:r>
             <a:r>
-              <a:rPr lang="en-US" sz="1800" i="1" kern="0" dirty="0" smtClean="0">
+              <a:rPr lang="en-US" sz="1800" i="1" kern="0" dirty="0">
                 <a:ea typeface="Arial Unicode MS" pitchFamily="34" charset="-128"/>
                 <a:cs typeface="Arial Unicode MS" pitchFamily="34" charset="-128"/>
               </a:rPr>
               <a:t>namespaces</a:t>
             </a:r>
             <a:r>
-              <a:rPr lang="en-US" sz="1800" kern="0" dirty="0" smtClean="0">
+              <a:rPr lang="en-US" sz="1800" kern="0" dirty="0">
                 <a:ea typeface="Arial Unicode MS" pitchFamily="34" charset="-128"/>
                 <a:cs typeface="Arial Unicode MS" pitchFamily="34" charset="-128"/>
               </a:rPr>
               <a:t>.  The image to the right shows the packages that</a:t>
             </a:r>
             <a:br>
-              <a:rPr lang="en-US" sz="1800" kern="0" dirty="0" smtClean="0">
+              <a:rPr lang="en-US" sz="1800" kern="0" dirty="0">
                 <a:ea typeface="Arial Unicode MS" pitchFamily="34" charset="-128"/>
                 <a:cs typeface="Arial Unicode MS" pitchFamily="34" charset="-128"/>
               </a:rPr>
             </a:br>
             <a:r>
-              <a:rPr lang="en-US" sz="1800" kern="0" dirty="0" smtClean="0">
+              <a:rPr lang="en-US" sz="1800" kern="0" dirty="0">
                 <a:ea typeface="Arial Unicode MS" pitchFamily="34" charset="-128"/>
                 <a:cs typeface="Arial Unicode MS" pitchFamily="34" charset="-128"/>
               </a:rPr>
               <a:t>contain the SAPUI5 libraries on a HANA system.  The namespace</a:t>
             </a:r>
             <a:br>
-              <a:rPr lang="en-US" sz="1800" kern="0" dirty="0" smtClean="0">
+              <a:rPr lang="en-US" sz="1800" kern="0" dirty="0">
                 <a:ea typeface="Arial Unicode MS" pitchFamily="34" charset="-128"/>
                 <a:cs typeface="Arial Unicode MS" pitchFamily="34" charset="-128"/>
               </a:rPr>
             </a:br>
             <a:r>
-              <a:rPr lang="en-US" sz="1800" kern="0" dirty="0" err="1" smtClean="0">
+              <a:rPr lang="en-US" sz="1800" kern="0" dirty="0" err="1">
                 <a:ea typeface="Arial Unicode MS" pitchFamily="34" charset="-128"/>
                 <a:cs typeface="Arial Unicode MS" pitchFamily="34" charset="-128"/>
               </a:rPr>
               <a:t>sap.m</a:t>
             </a:r>
             <a:r>
-              <a:rPr lang="en-US" sz="1800" kern="0" dirty="0" smtClean="0">
+              <a:rPr lang="en-US" sz="1800" kern="0" dirty="0">
                 <a:ea typeface="Arial Unicode MS" pitchFamily="34" charset="-128"/>
                 <a:cs typeface="Arial Unicode MS" pitchFamily="34" charset="-128"/>
               </a:rPr>
@@ -6869,33 +6837,33 @@
               <a:buSzPct val="80000"/>
             </a:pPr>
             <a:r>
-              <a:rPr lang="en-US" sz="1800" kern="0" dirty="0" smtClean="0">
+              <a:rPr lang="en-US" sz="1800" kern="0" dirty="0">
                 <a:ea typeface="Arial Unicode MS" pitchFamily="34" charset="-128"/>
                 <a:cs typeface="Arial Unicode MS" pitchFamily="34" charset="-128"/>
               </a:rPr>
               <a:t>The namespace contains the actual</a:t>
             </a:r>
             <a:br>
-              <a:rPr lang="en-US" sz="1800" kern="0" dirty="0" smtClean="0">
+              <a:rPr lang="en-US" sz="1800" kern="0" dirty="0">
                 <a:ea typeface="Arial Unicode MS" pitchFamily="34" charset="-128"/>
                 <a:cs typeface="Arial Unicode MS" pitchFamily="34" charset="-128"/>
               </a:rPr>
             </a:br>
             <a:r>
-              <a:rPr lang="en-US" sz="1800" kern="0" dirty="0" smtClean="0">
+              <a:rPr lang="en-US" sz="1800" kern="0" dirty="0">
                 <a:ea typeface="Arial Unicode MS" pitchFamily="34" charset="-128"/>
                 <a:cs typeface="Arial Unicode MS" pitchFamily="34" charset="-128"/>
               </a:rPr>
               <a:t>implementations of SAPUI5 controls in</a:t>
             </a:r>
             <a:br>
-              <a:rPr lang="en-US" sz="1800" kern="0" dirty="0" smtClean="0">
+              <a:rPr lang="en-US" sz="1800" kern="0" dirty="0">
                 <a:ea typeface="Arial Unicode MS" pitchFamily="34" charset="-128"/>
                 <a:cs typeface="Arial Unicode MS" pitchFamily="34" charset="-128"/>
               </a:rPr>
             </a:br>
             <a:r>
-              <a:rPr lang="en-US" sz="1800" kern="0" dirty="0" smtClean="0">
+              <a:rPr lang="en-US" sz="1800" kern="0" dirty="0">
                 <a:ea typeface="Arial Unicode MS" pitchFamily="34" charset="-128"/>
                 <a:cs typeface="Arial Unicode MS" pitchFamily="34" charset="-128"/>
               </a:rPr>
@@ -7071,10 +7039,9 @@
           <a:lstStyle/>
           <a:p>
             <a:r>
-              <a:rPr lang="en-US" dirty="0" smtClean="0"/>
+              <a:rPr lang="en-US" dirty="0"/>
               <a:t>Anatomy of a XML View</a:t>
             </a:r>
-            <a:endParaRPr lang="en-US" dirty="0"/>
           </a:p>
         </p:txBody>
       </p:sp>
@@ -7113,61 +7080,61 @@
               <a:buSzPct val="80000"/>
             </a:pPr>
             <a:r>
-              <a:rPr lang="en-US" sz="1800" kern="0" dirty="0" smtClean="0">
+              <a:rPr lang="en-US" sz="1800" kern="0" dirty="0">
                 <a:ea typeface="Arial Unicode MS" pitchFamily="34" charset="-128"/>
                 <a:cs typeface="Arial Unicode MS" pitchFamily="34" charset="-128"/>
               </a:rPr>
               <a:t>The view is contained within &lt;</a:t>
             </a:r>
             <a:r>
-              <a:rPr lang="en-US" sz="1800" kern="0" dirty="0" err="1" smtClean="0">
+              <a:rPr lang="en-US" sz="1800" kern="0" dirty="0" err="1">
                 <a:ea typeface="Arial Unicode MS" pitchFamily="34" charset="-128"/>
                 <a:cs typeface="Arial Unicode MS" pitchFamily="34" charset="-128"/>
               </a:rPr>
               <a:t>mvc:View</a:t>
             </a:r>
             <a:r>
-              <a:rPr lang="en-US" sz="1800" kern="0" dirty="0" smtClean="0">
+              <a:rPr lang="en-US" sz="1800" kern="0" dirty="0">
                 <a:ea typeface="Arial Unicode MS" pitchFamily="34" charset="-128"/>
                 <a:cs typeface="Arial Unicode MS" pitchFamily="34" charset="-128"/>
               </a:rPr>
               <a:t>&gt; and</a:t>
             </a:r>
             <a:br>
-              <a:rPr lang="en-US" sz="1800" kern="0" dirty="0" smtClean="0">
+              <a:rPr lang="en-US" sz="1800" kern="0" dirty="0">
                 <a:ea typeface="Arial Unicode MS" pitchFamily="34" charset="-128"/>
                 <a:cs typeface="Arial Unicode MS" pitchFamily="34" charset="-128"/>
               </a:rPr>
             </a:br>
             <a:r>
-              <a:rPr lang="en-US" sz="1800" kern="0" dirty="0" smtClean="0">
+              <a:rPr lang="en-US" sz="1800" kern="0" dirty="0">
                 <a:ea typeface="Arial Unicode MS" pitchFamily="34" charset="-128"/>
                 <a:cs typeface="Arial Unicode MS" pitchFamily="34" charset="-128"/>
               </a:rPr>
               <a:t>&lt;/</a:t>
             </a:r>
             <a:r>
-              <a:rPr lang="en-US" sz="1800" kern="0" dirty="0" err="1" smtClean="0">
+              <a:rPr lang="en-US" sz="1800" kern="0" dirty="0" err="1">
                 <a:ea typeface="Arial Unicode MS" pitchFamily="34" charset="-128"/>
                 <a:cs typeface="Arial Unicode MS" pitchFamily="34" charset="-128"/>
               </a:rPr>
               <a:t>mvc:View</a:t>
             </a:r>
             <a:r>
-              <a:rPr lang="en-US" sz="1800" kern="0" dirty="0" smtClean="0">
+              <a:rPr lang="en-US" sz="1800" kern="0" dirty="0">
                 <a:ea typeface="Arial Unicode MS" pitchFamily="34" charset="-128"/>
                 <a:cs typeface="Arial Unicode MS" pitchFamily="34" charset="-128"/>
               </a:rPr>
               <a:t>&gt; tags.  In the opening tag the </a:t>
             </a:r>
             <a:br>
-              <a:rPr lang="en-US" sz="1800" kern="0" dirty="0" smtClean="0">
+              <a:rPr lang="en-US" sz="1800" kern="0" dirty="0">
                 <a:ea typeface="Arial Unicode MS" pitchFamily="34" charset="-128"/>
                 <a:cs typeface="Arial Unicode MS" pitchFamily="34" charset="-128"/>
               </a:rPr>
             </a:br>
             <a:r>
-              <a:rPr lang="en-US" sz="1800" kern="0" dirty="0" smtClean="0">
+              <a:rPr lang="en-US" sz="1800" kern="0" dirty="0">
                 <a:ea typeface="Arial Unicode MS" pitchFamily="34" charset="-128"/>
                 <a:cs typeface="Arial Unicode MS" pitchFamily="34" charset="-128"/>
               </a:rPr>
@@ -7188,20 +7155,20 @@
               <a:buSzPct val="80000"/>
             </a:pPr>
             <a:r>
-              <a:rPr lang="en-US" sz="1800" kern="0" dirty="0" smtClean="0">
+              <a:rPr lang="en-US" sz="1800" kern="0" dirty="0">
                 <a:ea typeface="Arial Unicode MS" pitchFamily="34" charset="-128"/>
                 <a:cs typeface="Arial Unicode MS" pitchFamily="34" charset="-128"/>
               </a:rPr>
               <a:t>Note the use of the ui5 namespace that was created</a:t>
             </a:r>
             <a:br>
-              <a:rPr lang="en-US" sz="1800" kern="0" dirty="0" smtClean="0">
+              <a:rPr lang="en-US" sz="1800" kern="0" dirty="0">
                 <a:ea typeface="Arial Unicode MS" pitchFamily="34" charset="-128"/>
                 <a:cs typeface="Arial Unicode MS" pitchFamily="34" charset="-128"/>
               </a:rPr>
             </a:br>
             <a:r>
-              <a:rPr lang="en-US" sz="1800" kern="0" dirty="0" smtClean="0">
+              <a:rPr lang="en-US" sz="1800" kern="0" dirty="0">
                 <a:ea typeface="Arial Unicode MS" pitchFamily="34" charset="-128"/>
                 <a:cs typeface="Arial Unicode MS" pitchFamily="34" charset="-128"/>
               </a:rPr>
@@ -7222,74 +7189,74 @@
               <a:buSzPct val="80000"/>
             </a:pPr>
             <a:r>
-              <a:rPr lang="en-US" sz="1800" kern="0" dirty="0" smtClean="0">
+              <a:rPr lang="en-US" sz="1800" kern="0" dirty="0">
                 <a:ea typeface="Arial Unicode MS" pitchFamily="34" charset="-128"/>
                 <a:cs typeface="Arial Unicode MS" pitchFamily="34" charset="-128"/>
               </a:rPr>
               <a:t>Any namespaces required for the view are also </a:t>
             </a:r>
             <a:br>
-              <a:rPr lang="en-US" sz="1800" kern="0" dirty="0" smtClean="0">
+              <a:rPr lang="en-US" sz="1800" kern="0" dirty="0">
                 <a:ea typeface="Arial Unicode MS" pitchFamily="34" charset="-128"/>
                 <a:cs typeface="Arial Unicode MS" pitchFamily="34" charset="-128"/>
               </a:rPr>
             </a:br>
             <a:r>
-              <a:rPr lang="en-US" sz="1800" kern="0" dirty="0" smtClean="0">
+              <a:rPr lang="en-US" sz="1800" kern="0" dirty="0">
                 <a:ea typeface="Arial Unicode MS" pitchFamily="34" charset="-128"/>
                 <a:cs typeface="Arial Unicode MS" pitchFamily="34" charset="-128"/>
               </a:rPr>
               <a:t>identified.  The fact that </a:t>
             </a:r>
             <a:r>
-              <a:rPr lang="en-US" sz="1800" kern="0" dirty="0" err="1" smtClean="0">
+              <a:rPr lang="en-US" sz="1800" kern="0" dirty="0" err="1">
                 <a:ea typeface="Arial Unicode MS" pitchFamily="34" charset="-128"/>
                 <a:cs typeface="Arial Unicode MS" pitchFamily="34" charset="-128"/>
               </a:rPr>
               <a:t>xmlns</a:t>
             </a:r>
             <a:r>
-              <a:rPr lang="en-US" sz="1800" kern="0" dirty="0" smtClean="0">
+              <a:rPr lang="en-US" sz="1800" kern="0" dirty="0">
                 <a:ea typeface="Arial Unicode MS" pitchFamily="34" charset="-128"/>
                 <a:cs typeface="Arial Unicode MS" pitchFamily="34" charset="-128"/>
               </a:rPr>
               <a:t>=“</a:t>
             </a:r>
             <a:r>
-              <a:rPr lang="en-US" sz="1800" kern="0" dirty="0" err="1" smtClean="0">
+              <a:rPr lang="en-US" sz="1800" kern="0" dirty="0" err="1">
                 <a:ea typeface="Arial Unicode MS" pitchFamily="34" charset="-128"/>
                 <a:cs typeface="Arial Unicode MS" pitchFamily="34" charset="-128"/>
               </a:rPr>
               <a:t>sap.m</a:t>
             </a:r>
             <a:r>
-              <a:rPr lang="en-US" sz="1800" kern="0" dirty="0" smtClean="0">
+              <a:rPr lang="en-US" sz="1800" kern="0" dirty="0">
                 <a:ea typeface="Arial Unicode MS" pitchFamily="34" charset="-128"/>
                 <a:cs typeface="Arial Unicode MS" pitchFamily="34" charset="-128"/>
               </a:rPr>
               <a:t>” does</a:t>
             </a:r>
             <a:br>
-              <a:rPr lang="en-US" sz="1800" kern="0" dirty="0" smtClean="0">
+              <a:rPr lang="en-US" sz="1800" kern="0" dirty="0">
                 <a:ea typeface="Arial Unicode MS" pitchFamily="34" charset="-128"/>
                 <a:cs typeface="Arial Unicode MS" pitchFamily="34" charset="-128"/>
               </a:rPr>
             </a:br>
             <a:r>
-              <a:rPr lang="en-US" sz="1800" kern="0" dirty="0" smtClean="0">
+              <a:rPr lang="en-US" sz="1800" kern="0" dirty="0">
                 <a:ea typeface="Arial Unicode MS" pitchFamily="34" charset="-128"/>
                 <a:cs typeface="Arial Unicode MS" pitchFamily="34" charset="-128"/>
               </a:rPr>
               <a:t>not include a shortcut (identified by the colon)</a:t>
             </a:r>
             <a:br>
-              <a:rPr lang="en-US" sz="1800" kern="0" dirty="0" smtClean="0">
+              <a:rPr lang="en-US" sz="1800" kern="0" dirty="0">
                 <a:ea typeface="Arial Unicode MS" pitchFamily="34" charset="-128"/>
                 <a:cs typeface="Arial Unicode MS" pitchFamily="34" charset="-128"/>
               </a:rPr>
             </a:br>
             <a:r>
-              <a:rPr lang="en-US" sz="1800" kern="0" dirty="0" smtClean="0">
+              <a:rPr lang="en-US" sz="1800" kern="0" dirty="0">
                 <a:ea typeface="Arial Unicode MS" pitchFamily="34" charset="-128"/>
                 <a:cs typeface="Arial Unicode MS" pitchFamily="34" charset="-128"/>
               </a:rPr>
@@ -7310,110 +7277,103 @@
               <a:buSzPct val="80000"/>
             </a:pPr>
             <a:r>
-              <a:rPr lang="en-US" sz="1800" kern="0" dirty="0" err="1" smtClean="0">
+              <a:rPr lang="en-US" sz="1800" kern="0" dirty="0" err="1">
                 <a:ea typeface="Arial Unicode MS" pitchFamily="34" charset="-128"/>
                 <a:cs typeface="Arial Unicode MS" pitchFamily="34" charset="-128"/>
               </a:rPr>
               <a:t>xmlns:mvc</a:t>
             </a:r>
             <a:r>
-              <a:rPr lang="en-US" sz="1800" kern="0" dirty="0" smtClean="0">
+              <a:rPr lang="en-US" sz="1800" kern="0" dirty="0">
                 <a:ea typeface="Arial Unicode MS" pitchFamily="34" charset="-128"/>
                 <a:cs typeface="Arial Unicode MS" pitchFamily="34" charset="-128"/>
               </a:rPr>
               <a:t>=“</a:t>
             </a:r>
             <a:r>
-              <a:rPr lang="en-US" sz="1800" kern="0" dirty="0" err="1" smtClean="0">
+              <a:rPr lang="en-US" sz="1800" kern="0" dirty="0" err="1">
                 <a:ea typeface="Arial Unicode MS" pitchFamily="34" charset="-128"/>
                 <a:cs typeface="Arial Unicode MS" pitchFamily="34" charset="-128"/>
               </a:rPr>
               <a:t>sap.ui.core.mvc</a:t>
             </a:r>
             <a:r>
-              <a:rPr lang="en-US" sz="1800" kern="0" dirty="0" smtClean="0">
+              <a:rPr lang="en-US" sz="1800" kern="0" dirty="0">
                 <a:ea typeface="Arial Unicode MS" pitchFamily="34" charset="-128"/>
                 <a:cs typeface="Arial Unicode MS" pitchFamily="34" charset="-128"/>
               </a:rPr>
               <a:t>” defines </a:t>
             </a:r>
             <a:r>
-              <a:rPr lang="en-US" sz="1800" kern="0" dirty="0" err="1" smtClean="0">
+              <a:rPr lang="en-US" sz="1800" kern="0" dirty="0" err="1">
                 <a:ea typeface="Arial Unicode MS" pitchFamily="34" charset="-128"/>
                 <a:cs typeface="Arial Unicode MS" pitchFamily="34" charset="-128"/>
               </a:rPr>
               <a:t>mvc</a:t>
             </a:r>
             <a:r>
-              <a:rPr lang="en-US" sz="1800" kern="0" dirty="0" smtClean="0">
+              <a:rPr lang="en-US" sz="1800" kern="0" dirty="0">
                 <a:ea typeface="Arial Unicode MS" pitchFamily="34" charset="-128"/>
                 <a:cs typeface="Arial Unicode MS" pitchFamily="34" charset="-128"/>
               </a:rPr>
               <a:t> as a shortcut for the </a:t>
             </a:r>
             <a:r>
-              <a:rPr lang="en-US" sz="1800" kern="0" dirty="0" err="1" smtClean="0">
+              <a:rPr lang="en-US" sz="1800" kern="0" dirty="0" err="1">
                 <a:ea typeface="Arial Unicode MS" pitchFamily="34" charset="-128"/>
                 <a:cs typeface="Arial Unicode MS" pitchFamily="34" charset="-128"/>
               </a:rPr>
               <a:t>sap.ui.core.mvc</a:t>
             </a:r>
             <a:r>
-              <a:rPr lang="en-US" sz="1800" kern="0" dirty="0" smtClean="0">
+              <a:rPr lang="en-US" sz="1800" kern="0" dirty="0">
                 <a:ea typeface="Arial Unicode MS" pitchFamily="34" charset="-128"/>
                 <a:cs typeface="Arial Unicode MS" pitchFamily="34" charset="-128"/>
               </a:rPr>
               <a:t> namespace.  This shortcut is</a:t>
             </a:r>
             <a:br>
-              <a:rPr lang="en-US" sz="1800" kern="0" dirty="0" smtClean="0">
+              <a:rPr lang="en-US" sz="1800" kern="0" dirty="0">
                 <a:ea typeface="Arial Unicode MS" pitchFamily="34" charset="-128"/>
                 <a:cs typeface="Arial Unicode MS" pitchFamily="34" charset="-128"/>
               </a:rPr>
             </a:br>
             <a:r>
-              <a:rPr lang="en-US" sz="1800" kern="0" dirty="0" smtClean="0">
+              <a:rPr lang="en-US" sz="1800" kern="0" dirty="0">
                 <a:ea typeface="Arial Unicode MS" pitchFamily="34" charset="-128"/>
                 <a:cs typeface="Arial Unicode MS" pitchFamily="34" charset="-128"/>
               </a:rPr>
               <a:t>used in the &lt;</a:t>
             </a:r>
             <a:r>
-              <a:rPr lang="en-US" sz="1800" kern="0" dirty="0" err="1" smtClean="0">
+              <a:rPr lang="en-US" sz="1800" kern="0" dirty="0" err="1">
                 <a:ea typeface="Arial Unicode MS" pitchFamily="34" charset="-128"/>
                 <a:cs typeface="Arial Unicode MS" pitchFamily="34" charset="-128"/>
               </a:rPr>
               <a:t>mvc:View</a:t>
             </a:r>
             <a:r>
-              <a:rPr lang="en-US" sz="1800" kern="0" dirty="0" smtClean="0">
+              <a:rPr lang="en-US" sz="1800" kern="0" dirty="0">
                 <a:ea typeface="Arial Unicode MS" pitchFamily="34" charset="-128"/>
                 <a:cs typeface="Arial Unicode MS" pitchFamily="34" charset="-128"/>
               </a:rPr>
               <a:t>&gt; tag so that SAPUI5 will know to find the library for the View control in the </a:t>
             </a:r>
             <a:r>
-              <a:rPr lang="en-US" sz="1800" kern="0" dirty="0" err="1" smtClean="0">
+              <a:rPr lang="en-US" sz="1800" kern="0" dirty="0" err="1">
                 <a:ea typeface="Arial Unicode MS" pitchFamily="34" charset="-128"/>
                 <a:cs typeface="Arial Unicode MS" pitchFamily="34" charset="-128"/>
               </a:rPr>
               <a:t>sap.ui.core.mvc</a:t>
             </a:r>
-            <a:r>
-              <a:rPr lang="en-US" sz="1800" kern="0" dirty="0" smtClean="0">
+            <a:br>
+              <a:rPr lang="en-US" sz="1800" kern="0" dirty="0">
                 <a:ea typeface="Arial Unicode MS" pitchFamily="34" charset="-128"/>
                 <a:cs typeface="Arial Unicode MS" pitchFamily="34" charset="-128"/>
               </a:rPr>
-              <a:t/>
-            </a:r>
-            <a:br>
-              <a:rPr lang="en-US" sz="1800" kern="0" dirty="0" smtClean="0">
-                <a:ea typeface="Arial Unicode MS" pitchFamily="34" charset="-128"/>
-                <a:cs typeface="Arial Unicode MS" pitchFamily="34" charset="-128"/>
-              </a:rPr>
             </a:br>
             <a:r>
-              <a:rPr lang="en-US" sz="1800" kern="0" dirty="0" smtClean="0">
+              <a:rPr lang="en-US" sz="1800" kern="0" dirty="0">
                 <a:ea typeface="Arial Unicode MS" pitchFamily="34" charset="-128"/>
                 <a:cs typeface="Arial Unicode MS" pitchFamily="34" charset="-128"/>
               </a:rPr>
@@ -7434,7 +7394,7 @@
               <a:buSzPct val="80000"/>
             </a:pPr>
             <a:r>
-              <a:rPr lang="en-US" sz="1800" kern="0" dirty="0" smtClean="0">
+              <a:rPr lang="en-US" sz="1800" kern="0" dirty="0">
                 <a:ea typeface="Arial Unicode MS" pitchFamily="34" charset="-128"/>
                 <a:cs typeface="Arial Unicode MS" pitchFamily="34" charset="-128"/>
               </a:rPr>
@@ -7445,7 +7405,7 @@
       </p:sp>
       <p:pic>
         <p:nvPicPr>
-          <p:cNvPr id="6" name="Picture 5"/>
+          <p:cNvPr id="3" name="Picture 2"/>
           <p:cNvPicPr>
             <a:picLocks noChangeAspect="1"/>
           </p:cNvPicPr>
@@ -7459,8 +7419,8 @@
         </p:blipFill>
         <p:spPr>
           <a:xfrm>
-            <a:off x="5872562" y="1764609"/>
-            <a:ext cx="5442557" cy="2695076"/>
+            <a:off x="5647537" y="1816876"/>
+            <a:ext cx="6298607" cy="2295255"/>
           </a:xfrm>
           <a:prstGeom prst="rect">
             <a:avLst/>
@@ -7477,13 +7437,6 @@
   <p:clrMapOvr>
     <a:masterClrMapping/>
   </p:clrMapOvr>
-  <p:timing>
-    <p:tnLst>
-      <p:par>
-        <p:cTn id="1" dur="indefinite" restart="never" nodeType="tmRoot"/>
-      </p:par>
-    </p:tnLst>
-  </p:timing>
 </p:sld>
 </file>
 
@@ -7520,10 +7473,9 @@
           <a:lstStyle/>
           <a:p>
             <a:r>
-              <a:rPr lang="en-US" dirty="0" smtClean="0"/>
+              <a:rPr lang="en-US" dirty="0"/>
               <a:t>Controls</a:t>
             </a:r>
-            <a:endParaRPr lang="en-US" dirty="0"/>
           </a:p>
         </p:txBody>
       </p:sp>
@@ -7543,7 +7495,7 @@
           <a:lstStyle/>
           <a:p>
             <a:r>
-              <a:rPr lang="en-US" dirty="0" smtClean="0"/>
+              <a:rPr lang="en-US" dirty="0"/>
               <a:t>Controls are the building blocks of the user interface:</a:t>
             </a:r>
           </a:p>
@@ -7554,86 +7506,77 @@
               </a:spcBef>
             </a:pPr>
             <a:r>
-              <a:rPr lang="en-US" dirty="0" smtClean="0"/>
+              <a:rPr lang="en-US" dirty="0"/>
               <a:t>Simple controls such as Label, Button, </a:t>
             </a:r>
             <a:r>
-              <a:rPr lang="en-US" dirty="0" err="1" smtClean="0"/>
+              <a:rPr lang="en-US" dirty="0" err="1"/>
               <a:t>TextView</a:t>
             </a:r>
-            <a:r>
-              <a:rPr lang="en-US" dirty="0" smtClean="0"/>
-              <a:t/>
-            </a:r>
             <a:br>
-              <a:rPr lang="en-US" dirty="0" smtClean="0"/>
+              <a:rPr lang="en-US" dirty="0"/>
             </a:br>
-            <a:endParaRPr lang="en-US" dirty="0" smtClean="0"/>
+            <a:endParaRPr lang="en-US" dirty="0"/>
           </a:p>
           <a:p>
             <a:pPr lvl="4"/>
             <a:r>
-              <a:rPr lang="en-US" dirty="0" smtClean="0"/>
+              <a:rPr lang="en-US" dirty="0"/>
               <a:t>Value holders are controls that contain values such as Combo boxes and </a:t>
             </a:r>
             <a:r>
-              <a:rPr lang="en-US" dirty="0" err="1" smtClean="0"/>
+              <a:rPr lang="en-US" dirty="0" err="1"/>
               <a:t>ListBoxes</a:t>
             </a:r>
             <a:r>
-              <a:rPr lang="en-US" dirty="0" smtClean="0"/>
+              <a:rPr lang="en-US" dirty="0"/>
               <a:t> as well as controls which allow uses to make choices such as </a:t>
             </a:r>
             <a:r>
-              <a:rPr lang="en-US" dirty="0" err="1" smtClean="0"/>
+              <a:rPr lang="en-US" dirty="0" err="1"/>
               <a:t>CheckBoxes</a:t>
             </a:r>
-            <a:r>
-              <a:rPr lang="en-US" dirty="0" smtClean="0"/>
-              <a:t/>
-            </a:r>
             <a:br>
-              <a:rPr lang="en-US" dirty="0" smtClean="0"/>
+              <a:rPr lang="en-US" dirty="0"/>
             </a:br>
-            <a:endParaRPr lang="en-US" dirty="0" smtClean="0"/>
+            <a:endParaRPr lang="en-US" dirty="0"/>
           </a:p>
           <a:p>
             <a:pPr lvl="4"/>
             <a:r>
-              <a:rPr lang="en-US" dirty="0" smtClean="0"/>
+              <a:rPr lang="en-US" dirty="0"/>
               <a:t>Layout controls are used to arrange the elements of the interface</a:t>
             </a:r>
             <a:br>
-              <a:rPr lang="en-US" dirty="0" smtClean="0"/>
+              <a:rPr lang="en-US" dirty="0"/>
             </a:br>
-            <a:endParaRPr lang="en-US" dirty="0" smtClean="0"/>
+            <a:endParaRPr lang="en-US" dirty="0"/>
           </a:p>
           <a:p>
             <a:pPr lvl="4"/>
             <a:r>
-              <a:rPr lang="en-US" dirty="0" smtClean="0"/>
+              <a:rPr lang="en-US" dirty="0"/>
               <a:t>Complex controls allow the embedding of other controls.  An example is the table control used in the Sales app.  In a table the columns are made up of other types of controls such as </a:t>
             </a:r>
             <a:r>
-              <a:rPr lang="en-US" dirty="0" err="1" smtClean="0"/>
+              <a:rPr lang="en-US" dirty="0" err="1"/>
               <a:t>TextFields</a:t>
             </a:r>
             <a:r>
-              <a:rPr lang="en-US" dirty="0" smtClean="0"/>
+              <a:rPr lang="en-US" dirty="0"/>
               <a:t> used in the Sales app</a:t>
             </a:r>
             <a:br>
-              <a:rPr lang="en-US" dirty="0" smtClean="0"/>
+              <a:rPr lang="en-US" dirty="0"/>
             </a:br>
-            <a:endParaRPr lang="en-US" dirty="0" smtClean="0"/>
+            <a:endParaRPr lang="en-US" dirty="0"/>
           </a:p>
           <a:p>
             <a:pPr lvl="4"/>
             <a:r>
-              <a:rPr lang="en-US" dirty="0" smtClean="0"/>
+              <a:rPr lang="en-US" dirty="0"/>
               <a:t>Dialogs are used to create dialog boxes</a:t>
             </a:r>
-            <a:endParaRPr lang="en-US" dirty="0"/>
           </a:p>
         </p:txBody>
       </p:sp>
@@ -7647,13 +7590,6 @@
   <p:clrMapOvr>
     <a:masterClrMapping/>
   </p:clrMapOvr>
-  <p:timing>
-    <p:tnLst>
-      <p:par>
-        <p:cTn id="1" dur="indefinite" restart="never" nodeType="tmRoot"/>
-      </p:par>
-    </p:tnLst>
-  </p:timing>
 </p:sld>
 </file>
 
@@ -7690,10 +7626,9 @@
           <a:lstStyle/>
           <a:p>
             <a:r>
-              <a:rPr lang="en-US" dirty="0" smtClean="0"/>
+              <a:rPr lang="en-US" dirty="0"/>
               <a:t>Data Binding</a:t>
             </a:r>
-            <a:endParaRPr lang="en-US" dirty="0"/>
           </a:p>
         </p:txBody>
       </p:sp>
@@ -7732,7 +7667,7 @@
               <a:buSzPct val="80000"/>
             </a:pPr>
             <a:r>
-              <a:rPr lang="en-US" sz="1800" kern="0" dirty="0" smtClean="0">
+              <a:rPr lang="en-US" sz="1800" kern="0" dirty="0">
                 <a:ea typeface="Arial Unicode MS" pitchFamily="34" charset="-128"/>
                 <a:cs typeface="Arial Unicode MS" pitchFamily="34" charset="-128"/>
               </a:rPr>
@@ -7755,7 +7690,7 @@
               <a:buAutoNum type="arabicPeriod"/>
             </a:pPr>
             <a:r>
-              <a:rPr lang="en-US" sz="1800" kern="0" dirty="0" smtClean="0">
+              <a:rPr lang="en-US" sz="1800" kern="0" dirty="0">
                 <a:ea typeface="Arial Unicode MS" pitchFamily="34" charset="-128"/>
                 <a:cs typeface="Arial Unicode MS" pitchFamily="34" charset="-128"/>
               </a:rPr>
@@ -7778,7 +7713,7 @@
               <a:buAutoNum type="arabicPeriod"/>
             </a:pPr>
             <a:r>
-              <a:rPr lang="en-US" sz="1800" kern="0" dirty="0" smtClean="0">
+              <a:rPr lang="en-US" sz="1800" kern="0" dirty="0">
                 <a:ea typeface="Arial Unicode MS" pitchFamily="34" charset="-128"/>
                 <a:cs typeface="Arial Unicode MS" pitchFamily="34" charset="-128"/>
               </a:rPr>
@@ -7846,7 +7781,7 @@
               <a:buSzPct val="80000"/>
             </a:pPr>
             <a:r>
-              <a:rPr lang="en-US" sz="1800" kern="0" dirty="0" smtClean="0">
+              <a:rPr lang="en-US" sz="1800" kern="0" dirty="0">
                 <a:ea typeface="Arial Unicode MS" pitchFamily="34" charset="-128"/>
                 <a:cs typeface="Arial Unicode MS" pitchFamily="34" charset="-128"/>
               </a:rPr>
@@ -7926,7 +7861,7 @@
               <a:buSzPct val="80000"/>
             </a:pPr>
             <a:r>
-              <a:rPr lang="en-US" sz="1800" kern="0" dirty="0" smtClean="0">
+              <a:rPr lang="en-US" sz="1800" kern="0" dirty="0">
                 <a:ea typeface="Arial Unicode MS" pitchFamily="34" charset="-128"/>
                 <a:cs typeface="Arial Unicode MS" pitchFamily="34" charset="-128"/>
               </a:rPr>
@@ -7981,13 +7916,6 @@
   <p:clrMapOvr>
     <a:masterClrMapping/>
   </p:clrMapOvr>
-  <p:timing>
-    <p:tnLst>
-      <p:par>
-        <p:cTn id="1" dur="indefinite" restart="never" nodeType="tmRoot"/>
-      </p:par>
-    </p:tnLst>
-  </p:timing>
 </p:sld>
 </file>
 
@@ -8024,10 +7952,9 @@
           <a:lstStyle/>
           <a:p>
             <a:r>
-              <a:rPr lang="en-US" dirty="0" smtClean="0"/>
+              <a:rPr lang="en-US" dirty="0"/>
               <a:t>Anatomy of an Application</a:t>
             </a:r>
-            <a:endParaRPr lang="en-US" dirty="0"/>
           </a:p>
         </p:txBody>
       </p:sp>
@@ -8096,10 +8023,9 @@
           <a:lstStyle/>
           <a:p>
             <a:r>
-              <a:rPr lang="en-US" dirty="0" smtClean="0"/>
+              <a:rPr lang="en-US" dirty="0"/>
               <a:t>Anatomy of An Application</a:t>
             </a:r>
-            <a:endParaRPr lang="en-US" dirty="0"/>
           </a:p>
         </p:txBody>
       </p:sp>
@@ -8119,60 +8045,73 @@
           <a:lstStyle/>
           <a:p>
             <a:r>
-              <a:rPr lang="en-US" dirty="0" smtClean="0"/>
+              <a:rPr lang="en-US" dirty="0"/>
               <a:t>One of the strengths of SAPUI5 is that there are many ways to do most things.  Unfortunately, this can make the learning curve much more difficult because there doesn’t seem to be any consistency between examples.</a:t>
             </a:r>
           </a:p>
           <a:p>
             <a:r>
-              <a:rPr lang="en-US" dirty="0" smtClean="0"/>
+              <a:rPr lang="en-US" dirty="0"/>
               <a:t>In this curriculum a consistent application structure is used,</a:t>
-            </a:r>
-            <a:r>
-              <a:rPr lang="en-US" dirty="0"/>
-              <a:t/>
             </a:r>
             <a:br>
               <a:rPr lang="en-US" dirty="0"/>
             </a:br>
             <a:r>
-              <a:rPr lang="en-US" dirty="0" smtClean="0"/>
+              <a:rPr lang="en-US" dirty="0"/>
               <a:t>chosen because it seems to be an emerging standard</a:t>
             </a:r>
             <a:br>
-              <a:rPr lang="en-US" dirty="0" smtClean="0"/>
+              <a:rPr lang="en-US" dirty="0"/>
             </a:br>
             <a:r>
-              <a:rPr lang="en-US" dirty="0" smtClean="0"/>
+              <a:rPr lang="en-US" dirty="0"/>
               <a:t>approach.</a:t>
             </a:r>
           </a:p>
           <a:p>
             <a:r>
-              <a:rPr lang="en-US" dirty="0" smtClean="0"/>
-              <a:t>The application shown here is the MVC Hello World application</a:t>
+              <a:rPr lang="en-US" dirty="0"/>
+              <a:t>The application shown here is the MVC Routing application</a:t>
             </a:r>
             <a:br>
-              <a:rPr lang="en-US" dirty="0" smtClean="0"/>
+              <a:rPr lang="en-US" dirty="0"/>
             </a:br>
             <a:r>
-              <a:rPr lang="en-US" dirty="0" smtClean="0"/>
-              <a:t>described in case HD1C01. It shows the basic elements of</a:t>
+              <a:rPr lang="en-US" dirty="0"/>
+              <a:t>described in case HD3C05. It shows the basic elements of</a:t>
             </a:r>
             <a:br>
-              <a:rPr lang="en-US" dirty="0" smtClean="0"/>
+              <a:rPr lang="en-US" dirty="0"/>
             </a:br>
             <a:r>
-              <a:rPr lang="en-US" dirty="0" smtClean="0"/>
-              <a:t>an application: index.html, component.js, views and controllers.</a:t>
+              <a:rPr lang="en-US" dirty="0"/>
+              <a:t>an application: index.html, Component.js, </a:t>
+            </a:r>
+            <a:r>
+              <a:rPr lang="en-US" dirty="0" err="1"/>
+              <a:t>manifest.json</a:t>
+            </a:r>
+            <a:r>
+              <a:rPr lang="en-US" dirty="0"/>
+              <a:t>,</a:t>
+            </a:r>
+            <a:br>
+              <a:rPr lang="en-US" dirty="0"/>
+            </a:br>
+            <a:r>
+              <a:rPr lang="en-US" dirty="0"/>
+              <a:t>views and controllers.</a:t>
             </a:r>
           </a:p>
         </p:txBody>
       </p:sp>
       <p:pic>
         <p:nvPicPr>
-          <p:cNvPr id="4" name="Picture 3"/>
-          <p:cNvPicPr/>
+          <p:cNvPr id="5" name="Picture 4"/>
+          <p:cNvPicPr>
+            <a:picLocks noChangeAspect="1"/>
+          </p:cNvPicPr>
           <p:nvPr/>
         </p:nvPicPr>
         <p:blipFill>
@@ -8183,8 +8122,8 @@
         </p:blipFill>
         <p:spPr>
           <a:xfrm>
-            <a:off x="7492742" y="2709714"/>
-            <a:ext cx="3578365" cy="2902335"/>
+            <a:off x="7897787" y="2530064"/>
+            <a:ext cx="2970330" cy="3572609"/>
           </a:xfrm>
           <a:prstGeom prst="rect">
             <a:avLst/>
@@ -8201,13 +8140,6 @@
   <p:clrMapOvr>
     <a:masterClrMapping/>
   </p:clrMapOvr>
-  <p:timing>
-    <p:tnLst>
-      <p:par>
-        <p:cTn id="1" dur="indefinite" restart="never" nodeType="tmRoot"/>
-      </p:par>
-    </p:tnLst>
-  </p:timing>
 </p:sld>
 </file>
 
@@ -8249,10 +8181,9 @@
           <a:lstStyle/>
           <a:p>
             <a:r>
-              <a:rPr lang="en-US" dirty="0" smtClean="0"/>
+              <a:rPr lang="en-US" dirty="0"/>
               <a:t>Application Architecture</a:t>
             </a:r>
-            <a:endParaRPr lang="en-US" dirty="0"/>
           </a:p>
         </p:txBody>
       </p:sp>
@@ -8305,7 +8236,7 @@
         </p:nvSpPr>
         <p:spPr>
           <a:xfrm>
-            <a:off x="111922" y="1449574"/>
+            <a:off x="877007" y="973503"/>
             <a:ext cx="2282676" cy="738664"/>
           </a:xfrm>
           <a:prstGeom prst="rect">
@@ -8332,33 +8263,33 @@
               <a:buSzPct val="80000"/>
             </a:pPr>
             <a:r>
-              <a:rPr lang="en-US" sz="1600" kern="0" dirty="0" smtClean="0">
+              <a:rPr lang="en-US" sz="1600" kern="0" dirty="0">
                 <a:ea typeface="Arial Unicode MS" pitchFamily="34" charset="-128"/>
                 <a:cs typeface="Arial Unicode MS" pitchFamily="34" charset="-128"/>
               </a:rPr>
               <a:t>Index.html file bootstraps</a:t>
             </a:r>
             <a:br>
-              <a:rPr lang="en-US" sz="1600" kern="0" dirty="0" smtClean="0">
+              <a:rPr lang="en-US" sz="1600" kern="0" dirty="0">
                 <a:ea typeface="Arial Unicode MS" pitchFamily="34" charset="-128"/>
                 <a:cs typeface="Arial Unicode MS" pitchFamily="34" charset="-128"/>
               </a:rPr>
             </a:br>
             <a:r>
-              <a:rPr lang="en-US" sz="1600" kern="0" dirty="0" smtClean="0">
+              <a:rPr lang="en-US" sz="1600" kern="0" dirty="0">
                 <a:ea typeface="Arial Unicode MS" pitchFamily="34" charset="-128"/>
                 <a:cs typeface="Arial Unicode MS" pitchFamily="34" charset="-128"/>
               </a:rPr>
               <a:t>UI5 libraries and loads</a:t>
             </a:r>
             <a:br>
-              <a:rPr lang="en-US" sz="1600" kern="0" dirty="0" smtClean="0">
+              <a:rPr lang="en-US" sz="1600" kern="0" dirty="0">
                 <a:ea typeface="Arial Unicode MS" pitchFamily="34" charset="-128"/>
                 <a:cs typeface="Arial Unicode MS" pitchFamily="34" charset="-128"/>
               </a:rPr>
             </a:br>
             <a:r>
-              <a:rPr lang="en-US" sz="1600" kern="0" dirty="0" smtClean="0">
+              <a:rPr lang="en-US" sz="1600" kern="0" dirty="0">
                 <a:ea typeface="Arial Unicode MS" pitchFamily="34" charset="-128"/>
                 <a:cs typeface="Arial Unicode MS" pitchFamily="34" charset="-128"/>
               </a:rPr>
@@ -8375,7 +8306,7 @@
         </p:nvCxnSpPr>
         <p:spPr>
           <a:xfrm>
-            <a:off x="2497187" y="1809614"/>
+            <a:off x="2587197" y="1561220"/>
             <a:ext cx="765085" cy="450050"/>
           </a:xfrm>
           <a:prstGeom prst="straightConnector1">
@@ -8438,33 +8369,33 @@
               <a:buSzPct val="80000"/>
             </a:pPr>
             <a:r>
-              <a:rPr lang="en-US" sz="1800" kern="0" dirty="0" smtClean="0">
+              <a:rPr lang="en-US" sz="1800" kern="0" dirty="0">
                 <a:ea typeface="Arial Unicode MS" pitchFamily="34" charset="-128"/>
                 <a:cs typeface="Arial Unicode MS" pitchFamily="34" charset="-128"/>
               </a:rPr>
               <a:t>Component defines metadata for the application, defines</a:t>
             </a:r>
             <a:br>
-              <a:rPr lang="en-US" sz="1800" kern="0" dirty="0" smtClean="0">
+              <a:rPr lang="en-US" sz="1800" kern="0" dirty="0">
                 <a:ea typeface="Arial Unicode MS" pitchFamily="34" charset="-128"/>
                 <a:cs typeface="Arial Unicode MS" pitchFamily="34" charset="-128"/>
               </a:rPr>
             </a:br>
             <a:r>
-              <a:rPr lang="en-US" sz="1800" kern="0" dirty="0" smtClean="0">
+              <a:rPr lang="en-US" sz="1800" kern="0" dirty="0">
                 <a:ea typeface="Arial Unicode MS" pitchFamily="34" charset="-128"/>
                 <a:cs typeface="Arial Unicode MS" pitchFamily="34" charset="-128"/>
               </a:rPr>
               <a:t>models, creates the router object which handles </a:t>
             </a:r>
             <a:br>
-              <a:rPr lang="en-US" sz="1800" kern="0" dirty="0" smtClean="0">
+              <a:rPr lang="en-US" sz="1800" kern="0" dirty="0">
                 <a:ea typeface="Arial Unicode MS" pitchFamily="34" charset="-128"/>
                 <a:cs typeface="Arial Unicode MS" pitchFamily="34" charset="-128"/>
               </a:rPr>
             </a:br>
             <a:r>
-              <a:rPr lang="en-US" sz="1800" kern="0" dirty="0" smtClean="0">
+              <a:rPr lang="en-US" sz="1800" kern="0" dirty="0">
                 <a:ea typeface="Arial Unicode MS" pitchFamily="34" charset="-128"/>
                 <a:cs typeface="Arial Unicode MS" pitchFamily="34" charset="-128"/>
               </a:rPr>
@@ -8508,59 +8439,59 @@
               <a:buSzPct val="80000"/>
             </a:pPr>
             <a:r>
-              <a:rPr lang="en-US" sz="1800" kern="0" dirty="0" smtClean="0">
+              <a:rPr lang="en-US" sz="1800" kern="0" dirty="0">
                 <a:ea typeface="Arial Unicode MS" pitchFamily="34" charset="-128"/>
                 <a:cs typeface="Arial Unicode MS" pitchFamily="34" charset="-128"/>
               </a:rPr>
               <a:t>App view creates the </a:t>
             </a:r>
             <a:br>
-              <a:rPr lang="en-US" sz="1800" kern="0" dirty="0" smtClean="0">
+              <a:rPr lang="en-US" sz="1800" kern="0" dirty="0">
                 <a:ea typeface="Arial Unicode MS" pitchFamily="34" charset="-128"/>
                 <a:cs typeface="Arial Unicode MS" pitchFamily="34" charset="-128"/>
               </a:rPr>
             </a:br>
             <a:r>
-              <a:rPr lang="en-US" sz="1800" kern="0" dirty="0" smtClean="0">
+              <a:rPr lang="en-US" sz="1800" kern="0" dirty="0">
                 <a:ea typeface="Arial Unicode MS" pitchFamily="34" charset="-128"/>
                 <a:cs typeface="Arial Unicode MS" pitchFamily="34" charset="-128"/>
               </a:rPr>
               <a:t>application object which</a:t>
             </a:r>
             <a:br>
-              <a:rPr lang="en-US" sz="1800" kern="0" dirty="0" smtClean="0">
+              <a:rPr lang="en-US" sz="1800" kern="0" dirty="0">
                 <a:ea typeface="Arial Unicode MS" pitchFamily="34" charset="-128"/>
                 <a:cs typeface="Arial Unicode MS" pitchFamily="34" charset="-128"/>
               </a:rPr>
             </a:br>
             <a:r>
-              <a:rPr lang="en-US" sz="1800" kern="0" dirty="0" smtClean="0">
+              <a:rPr lang="en-US" sz="1800" kern="0" dirty="0">
                 <a:ea typeface="Arial Unicode MS" pitchFamily="34" charset="-128"/>
                 <a:cs typeface="Arial Unicode MS" pitchFamily="34" charset="-128"/>
               </a:rPr>
               <a:t>defines the interface</a:t>
             </a:r>
             <a:br>
-              <a:rPr lang="en-US" sz="1800" kern="0" dirty="0" smtClean="0">
+              <a:rPr lang="en-US" sz="1800" kern="0" dirty="0">
                 <a:ea typeface="Arial Unicode MS" pitchFamily="34" charset="-128"/>
                 <a:cs typeface="Arial Unicode MS" pitchFamily="34" charset="-128"/>
               </a:rPr>
             </a:br>
             <a:r>
-              <a:rPr lang="en-US" sz="1800" kern="0" dirty="0" smtClean="0">
+              <a:rPr lang="en-US" sz="1800" kern="0" dirty="0">
                 <a:ea typeface="Arial Unicode MS" pitchFamily="34" charset="-128"/>
                 <a:cs typeface="Arial Unicode MS" pitchFamily="34" charset="-128"/>
               </a:rPr>
               <a:t>structure: full screen or</a:t>
             </a:r>
             <a:br>
-              <a:rPr lang="en-US" sz="1800" kern="0" dirty="0" smtClean="0">
+              <a:rPr lang="en-US" sz="1800" kern="0" dirty="0">
                 <a:ea typeface="Arial Unicode MS" pitchFamily="34" charset="-128"/>
                 <a:cs typeface="Arial Unicode MS" pitchFamily="34" charset="-128"/>
               </a:rPr>
             </a:br>
             <a:r>
-              <a:rPr lang="en-US" sz="1800" kern="0" dirty="0" smtClean="0">
+              <a:rPr lang="en-US" sz="1800" kern="0" dirty="0">
                 <a:ea typeface="Arial Unicode MS" pitchFamily="34" charset="-128"/>
                 <a:cs typeface="Arial Unicode MS" pitchFamily="34" charset="-128"/>
               </a:rPr>
@@ -8676,20 +8607,20 @@
               <a:buSzPct val="80000"/>
             </a:pPr>
             <a:r>
-              <a:rPr lang="en-US" sz="1800" kern="0" dirty="0" smtClean="0">
+              <a:rPr lang="en-US" sz="1800" kern="0" dirty="0">
                 <a:ea typeface="Arial Unicode MS" pitchFamily="34" charset="-128"/>
                 <a:cs typeface="Arial Unicode MS" pitchFamily="34" charset="-128"/>
               </a:rPr>
               <a:t>Router object handles navigation</a:t>
             </a:r>
             <a:br>
-              <a:rPr lang="en-US" sz="1800" kern="0" dirty="0" smtClean="0">
+              <a:rPr lang="en-US" sz="1800" kern="0" dirty="0">
                 <a:ea typeface="Arial Unicode MS" pitchFamily="34" charset="-128"/>
                 <a:cs typeface="Arial Unicode MS" pitchFamily="34" charset="-128"/>
               </a:rPr>
             </a:br>
             <a:r>
-              <a:rPr lang="en-US" sz="1800" kern="0" dirty="0" smtClean="0">
+              <a:rPr lang="en-US" sz="1800" kern="0" dirty="0">
                 <a:ea typeface="Arial Unicode MS" pitchFamily="34" charset="-128"/>
                 <a:cs typeface="Arial Unicode MS" pitchFamily="34" charset="-128"/>
               </a:rPr>
@@ -8769,7 +8700,7 @@
               <a:buSzPct val="80000"/>
             </a:pPr>
             <a:r>
-              <a:rPr lang="en-US" sz="1800" kern="0" dirty="0" smtClean="0">
+              <a:rPr lang="en-US" sz="1800" kern="0" dirty="0">
                 <a:ea typeface="Arial Unicode MS" pitchFamily="34" charset="-128"/>
                 <a:cs typeface="Arial Unicode MS" pitchFamily="34" charset="-128"/>
               </a:rPr>
@@ -8849,7 +8780,7 @@
               <a:buSzPct val="80000"/>
             </a:pPr>
             <a:r>
-              <a:rPr lang="en-US" sz="1800" kern="0" dirty="0" smtClean="0">
+              <a:rPr lang="en-US" sz="1800" kern="0" dirty="0">
                 <a:ea typeface="Arial Unicode MS" pitchFamily="34" charset="-128"/>
                 <a:cs typeface="Arial Unicode MS" pitchFamily="34" charset="-128"/>
               </a:rPr>
@@ -8868,6 +8799,248 @@
           <a:xfrm flipH="1" flipV="1">
             <a:off x="7717767" y="5815059"/>
             <a:ext cx="180020" cy="403452"/>
+          </a:xfrm>
+          <a:prstGeom prst="straightConnector1">
+            <a:avLst/>
+          </a:prstGeom>
+          <a:ln w="6350">
+            <a:solidFill>
+              <a:schemeClr val="tx1"/>
+            </a:solidFill>
+            <a:tailEnd type="triangle"/>
+          </a:ln>
+        </p:spPr>
+        <p:style>
+          <a:lnRef idx="1">
+            <a:schemeClr val="accent1"/>
+          </a:lnRef>
+          <a:fillRef idx="0">
+            <a:schemeClr val="accent1"/>
+          </a:fillRef>
+          <a:effectRef idx="0">
+            <a:schemeClr val="accent1"/>
+          </a:effectRef>
+          <a:fontRef idx="minor">
+            <a:schemeClr val="tx1"/>
+          </a:fontRef>
+        </p:style>
+      </p:cxnSp>
+      <p:sp>
+        <p:nvSpPr>
+          <p:cNvPr id="2" name="Rectangle 1"/>
+          <p:cNvSpPr/>
+          <p:nvPr/>
+        </p:nvSpPr>
+        <p:spPr bwMode="gray">
+          <a:xfrm>
+            <a:off x="696987" y="2368259"/>
+            <a:ext cx="2182742" cy="1151546"/>
+          </a:xfrm>
+          <a:prstGeom prst="rect">
+            <a:avLst/>
+          </a:prstGeom>
+          <a:solidFill>
+            <a:schemeClr val="accent1"/>
+          </a:solidFill>
+          <a:ln w="6350" algn="ctr">
+            <a:noFill/>
+            <a:miter lim="800000"/>
+            <a:headEnd/>
+            <a:tailEnd/>
+          </a:ln>
+        </p:spPr>
+        <p:txBody>
+          <a:bodyPr lIns="90000" tIns="72000" rIns="90000" bIns="72000" rtlCol="0" anchor="ctr"/>
+          <a:lstStyle/>
+          <a:p>
+            <a:pPr marR="0" algn="ctr" defTabSz="914400" eaLnBrk="1" fontAlgn="base" latinLnBrk="0" hangingPunct="1">
+              <a:lnSpc>
+                <a:spcPct val="100000"/>
+              </a:lnSpc>
+              <a:spcBef>
+                <a:spcPct val="50000"/>
+              </a:spcBef>
+              <a:spcAft>
+                <a:spcPct val="0"/>
+              </a:spcAft>
+              <a:buClr>
+                <a:srgbClr val="F0AB00"/>
+              </a:buClr>
+              <a:buSzPct val="80000"/>
+              <a:tabLst/>
+            </a:pPr>
+            <a:endParaRPr kumimoji="0" lang="en-US" sz="2000" b="0" i="0" u="none" strike="noStrike" kern="0" cap="none" spc="0" normalizeH="0" baseline="0" noProof="0" dirty="0" err="1">
+              <a:ln>
+                <a:noFill/>
+              </a:ln>
+              <a:effectLst/>
+              <a:uLnTx/>
+              <a:uFillTx/>
+              <a:ea typeface="Arial Unicode MS" pitchFamily="34" charset="-128"/>
+              <a:cs typeface="Arial Unicode MS" pitchFamily="34" charset="-128"/>
+            </a:endParaRPr>
+          </a:p>
+        </p:txBody>
+      </p:sp>
+      <p:sp>
+        <p:nvSpPr>
+          <p:cNvPr id="3" name="Rectangle 2"/>
+          <p:cNvSpPr/>
+          <p:nvPr/>
+        </p:nvSpPr>
+        <p:spPr bwMode="gray">
+          <a:xfrm>
+            <a:off x="1057027" y="2664710"/>
+            <a:ext cx="1530170" cy="677526"/>
+          </a:xfrm>
+          <a:prstGeom prst="rect">
+            <a:avLst/>
+          </a:prstGeom>
+          <a:solidFill>
+            <a:srgbClr val="C3D51B"/>
+          </a:solidFill>
+          <a:ln w="6350" algn="ctr">
+            <a:noFill/>
+            <a:miter lim="800000"/>
+            <a:headEnd/>
+            <a:tailEnd/>
+          </a:ln>
+        </p:spPr>
+        <p:txBody>
+          <a:bodyPr lIns="90000" tIns="72000" rIns="90000" bIns="72000" rtlCol="0" anchor="ctr"/>
+          <a:lstStyle/>
+          <a:p>
+            <a:pPr marR="0" algn="ctr" defTabSz="914400" eaLnBrk="1" fontAlgn="base" latinLnBrk="0" hangingPunct="1">
+              <a:lnSpc>
+                <a:spcPct val="100000"/>
+              </a:lnSpc>
+              <a:spcBef>
+                <a:spcPct val="50000"/>
+              </a:spcBef>
+              <a:spcAft>
+                <a:spcPct val="0"/>
+              </a:spcAft>
+              <a:buClr>
+                <a:srgbClr val="F0AB00"/>
+              </a:buClr>
+              <a:buSzPct val="80000"/>
+              <a:tabLst/>
+            </a:pPr>
+            <a:endParaRPr kumimoji="0" lang="en-US" sz="2000" b="0" i="0" u="none" strike="noStrike" kern="0" cap="none" spc="0" normalizeH="0" baseline="0" noProof="0" dirty="0" err="1">
+              <a:ln>
+                <a:noFill/>
+              </a:ln>
+              <a:effectLst/>
+              <a:uLnTx/>
+              <a:uFillTx/>
+              <a:ea typeface="Arial Unicode MS" pitchFamily="34" charset="-128"/>
+              <a:cs typeface="Arial Unicode MS" pitchFamily="34" charset="-128"/>
+            </a:endParaRPr>
+          </a:p>
+        </p:txBody>
+      </p:sp>
+      <p:sp>
+        <p:nvSpPr>
+          <p:cNvPr id="6" name="TextBox 5"/>
+          <p:cNvSpPr txBox="1"/>
+          <p:nvPr/>
+        </p:nvSpPr>
+        <p:spPr>
+          <a:xfrm>
+            <a:off x="1142439" y="2681009"/>
+            <a:ext cx="1359346" cy="276999"/>
+          </a:xfrm>
+          <a:prstGeom prst="rect">
+            <a:avLst/>
+          </a:prstGeom>
+          <a:noFill/>
+        </p:spPr>
+        <p:txBody>
+          <a:bodyPr wrap="none" lIns="0" tIns="0" rIns="0" bIns="0" rtlCol="0">
+            <a:spAutoFit/>
+          </a:bodyPr>
+          <a:lstStyle/>
+          <a:p>
+            <a:pPr fontAlgn="base">
+              <a:spcBef>
+                <a:spcPct val="50000"/>
+              </a:spcBef>
+              <a:spcAft>
+                <a:spcPct val="0"/>
+              </a:spcAft>
+              <a:buClr>
+                <a:srgbClr val="F0AB00"/>
+              </a:buClr>
+              <a:buSzPct val="80000"/>
+            </a:pPr>
+            <a:r>
+              <a:rPr lang="en-US" sz="1800" kern="0" dirty="0" err="1">
+                <a:ea typeface="Arial Unicode MS" pitchFamily="34" charset="-128"/>
+                <a:cs typeface="Arial Unicode MS" pitchFamily="34" charset="-128"/>
+              </a:rPr>
+              <a:t>Manifest.json</a:t>
+            </a:r>
+            <a:endParaRPr lang="en-US" sz="1800" kern="0" dirty="0">
+              <a:ea typeface="Arial Unicode MS" pitchFamily="34" charset="-128"/>
+              <a:cs typeface="Arial Unicode MS" pitchFamily="34" charset="-128"/>
+            </a:endParaRPr>
+          </a:p>
+        </p:txBody>
+      </p:sp>
+      <p:sp>
+        <p:nvSpPr>
+          <p:cNvPr id="10" name="TextBox 9"/>
+          <p:cNvSpPr txBox="1"/>
+          <p:nvPr/>
+        </p:nvSpPr>
+        <p:spPr>
+          <a:xfrm>
+            <a:off x="145791" y="1820433"/>
+            <a:ext cx="1721625" cy="246221"/>
+          </a:xfrm>
+          <a:prstGeom prst="rect">
+            <a:avLst/>
+          </a:prstGeom>
+          <a:noFill/>
+        </p:spPr>
+        <p:txBody>
+          <a:bodyPr wrap="none" lIns="0" tIns="0" rIns="0" bIns="0" rtlCol="0">
+            <a:spAutoFit/>
+          </a:bodyPr>
+          <a:lstStyle/>
+          <a:p>
+            <a:pPr fontAlgn="base">
+              <a:spcBef>
+                <a:spcPct val="50000"/>
+              </a:spcBef>
+              <a:spcAft>
+                <a:spcPct val="0"/>
+              </a:spcAft>
+              <a:buClr>
+                <a:srgbClr val="F0AB00"/>
+              </a:buClr>
+              <a:buSzPct val="80000"/>
+            </a:pPr>
+            <a:r>
+              <a:rPr lang="en-US" sz="1600" kern="0" dirty="0">
+                <a:ea typeface="Arial Unicode MS" pitchFamily="34" charset="-128"/>
+                <a:cs typeface="Arial Unicode MS" pitchFamily="34" charset="-128"/>
+              </a:rPr>
+              <a:t>Contains metadata</a:t>
+            </a:r>
+          </a:p>
+        </p:txBody>
+      </p:sp>
+      <p:cxnSp>
+        <p:nvCxnSpPr>
+          <p:cNvPr id="15" name="Straight Arrow Connector 14"/>
+          <p:cNvCxnSpPr/>
+          <p:nvPr/>
+        </p:nvCxnSpPr>
+        <p:spPr>
+          <a:xfrm>
+            <a:off x="331230" y="2188238"/>
+            <a:ext cx="230742" cy="298903"/>
           </a:xfrm>
           <a:prstGeom prst="straightConnector1">
             <a:avLst/>
@@ -8925,7 +9098,7 @@
                             </p:stCondLst>
                             <p:childTnLst>
                               <p:par>
-                                <p:cTn id="5" presetID="10" presetClass="entr" presetSubtype="0" fill="hold" grpId="0" nodeType="clickEffect">
+                                <p:cTn id="5" presetID="10" presetClass="entr" presetSubtype="0" fill="hold" nodeType="clickEffect">
                                   <p:stCondLst>
                                     <p:cond delay="0"/>
                                   </p:stCondLst>
@@ -8938,7 +9111,7 @@
                                           </p:stCondLst>
                                         </p:cTn>
                                         <p:tgtEl>
-                                          <p:spTgt spid="5"/>
+                                          <p:spTgt spid="15"/>
                                         </p:tgtEl>
                                         <p:attrNameLst>
                                           <p:attrName>style.visibility</p:attrName>
@@ -8952,7 +9125,7 @@
                                       <p:cBhvr>
                                         <p:cTn id="7" dur="500"/>
                                         <p:tgtEl>
-                                          <p:spTgt spid="5"/>
+                                          <p:spTgt spid="15"/>
                                         </p:tgtEl>
                                       </p:cBhvr>
                                     </p:animEffect>
@@ -8960,7 +9133,7 @@
                                 </p:cTn>
                               </p:par>
                               <p:par>
-                                <p:cTn id="8" presetID="10" presetClass="entr" presetSubtype="0" fill="hold" nodeType="withEffect">
+                                <p:cTn id="8" presetID="10" presetClass="entr" presetSubtype="0" fill="hold" grpId="0" nodeType="withEffect">
                                   <p:stCondLst>
                                     <p:cond delay="0"/>
                                   </p:stCondLst>
@@ -8973,7 +9146,7 @@
                                           </p:stCondLst>
                                         </p:cTn>
                                         <p:tgtEl>
-                                          <p:spTgt spid="7"/>
+                                          <p:spTgt spid="10"/>
                                         </p:tgtEl>
                                         <p:attrNameLst>
                                           <p:attrName>style.visibility</p:attrName>
@@ -8987,7 +9160,7 @@
                                       <p:cBhvr>
                                         <p:cTn id="10" dur="500"/>
                                         <p:tgtEl>
-                                          <p:spTgt spid="7"/>
+                                          <p:spTgt spid="10"/>
                                         </p:tgtEl>
                                       </p:cBhvr>
                                     </p:animEffect>
@@ -9013,7 +9186,7 @@
                             </p:stCondLst>
                             <p:childTnLst>
                               <p:par>
-                                <p:cTn id="13" presetID="10" presetClass="entr" presetSubtype="0" fill="hold" nodeType="clickEffect">
+                                <p:cTn id="13" presetID="10" presetClass="entr" presetSubtype="0" fill="hold" grpId="0" nodeType="clickEffect">
                                   <p:stCondLst>
                                     <p:cond delay="0"/>
                                   </p:stCondLst>
@@ -9026,7 +9199,7 @@
                                           </p:stCondLst>
                                         </p:cTn>
                                         <p:tgtEl>
-                                          <p:spTgt spid="11"/>
+                                          <p:spTgt spid="5"/>
                                         </p:tgtEl>
                                         <p:attrNameLst>
                                           <p:attrName>style.visibility</p:attrName>
@@ -9040,7 +9213,7 @@
                                       <p:cBhvr>
                                         <p:cTn id="15" dur="500"/>
                                         <p:tgtEl>
-                                          <p:spTgt spid="11"/>
+                                          <p:spTgt spid="5"/>
                                         </p:tgtEl>
                                       </p:cBhvr>
                                     </p:animEffect>
@@ -9048,7 +9221,7 @@
                                 </p:cTn>
                               </p:par>
                               <p:par>
-                                <p:cTn id="16" presetID="10" presetClass="entr" presetSubtype="0" fill="hold" grpId="0" nodeType="withEffect">
+                                <p:cTn id="16" presetID="10" presetClass="entr" presetSubtype="0" fill="hold" nodeType="withEffect">
                                   <p:stCondLst>
                                     <p:cond delay="0"/>
                                   </p:stCondLst>
@@ -9061,7 +9234,7 @@
                                           </p:stCondLst>
                                         </p:cTn>
                                         <p:tgtEl>
-                                          <p:spTgt spid="8"/>
+                                          <p:spTgt spid="7"/>
                                         </p:tgtEl>
                                         <p:attrNameLst>
                                           <p:attrName>style.visibility</p:attrName>
@@ -9075,7 +9248,7 @@
                                       <p:cBhvr>
                                         <p:cTn id="18" dur="500"/>
                                         <p:tgtEl>
-                                          <p:spTgt spid="8"/>
+                                          <p:spTgt spid="7"/>
                                         </p:tgtEl>
                                       </p:cBhvr>
                                     </p:animEffect>
@@ -9114,7 +9287,7 @@
                                           </p:stCondLst>
                                         </p:cTn>
                                         <p:tgtEl>
-                                          <p:spTgt spid="13"/>
+                                          <p:spTgt spid="11"/>
                                         </p:tgtEl>
                                         <p:attrNameLst>
                                           <p:attrName>style.visibility</p:attrName>
@@ -9128,7 +9301,7 @@
                                       <p:cBhvr>
                                         <p:cTn id="23" dur="500"/>
                                         <p:tgtEl>
-                                          <p:spTgt spid="13"/>
+                                          <p:spTgt spid="11"/>
                                         </p:tgtEl>
                                       </p:cBhvr>
                                     </p:animEffect>
@@ -9149,7 +9322,7 @@
                                           </p:stCondLst>
                                         </p:cTn>
                                         <p:tgtEl>
-                                          <p:spTgt spid="9"/>
+                                          <p:spTgt spid="8"/>
                                         </p:tgtEl>
                                         <p:attrNameLst>
                                           <p:attrName>style.visibility</p:attrName>
@@ -9163,7 +9336,7 @@
                                       <p:cBhvr>
                                         <p:cTn id="26" dur="500"/>
                                         <p:tgtEl>
-                                          <p:spTgt spid="9"/>
+                                          <p:spTgt spid="8"/>
                                         </p:tgtEl>
                                       </p:cBhvr>
                                     </p:animEffect>
@@ -9189,7 +9362,7 @@
                             </p:stCondLst>
                             <p:childTnLst>
                               <p:par>
-                                <p:cTn id="29" presetID="10" presetClass="entr" presetSubtype="0" fill="hold" grpId="0" nodeType="clickEffect">
+                                <p:cTn id="29" presetID="10" presetClass="entr" presetSubtype="0" fill="hold" nodeType="clickEffect">
                                   <p:stCondLst>
                                     <p:cond delay="0"/>
                                   </p:stCondLst>
@@ -9202,7 +9375,7 @@
                                           </p:stCondLst>
                                         </p:cTn>
                                         <p:tgtEl>
-                                          <p:spTgt spid="14"/>
+                                          <p:spTgt spid="13"/>
                                         </p:tgtEl>
                                         <p:attrNameLst>
                                           <p:attrName>style.visibility</p:attrName>
@@ -9216,7 +9389,7 @@
                                       <p:cBhvr>
                                         <p:cTn id="31" dur="500"/>
                                         <p:tgtEl>
-                                          <p:spTgt spid="14"/>
+                                          <p:spTgt spid="13"/>
                                         </p:tgtEl>
                                       </p:cBhvr>
                                     </p:animEffect>
@@ -9224,7 +9397,7 @@
                                 </p:cTn>
                               </p:par>
                               <p:par>
-                                <p:cTn id="32" presetID="10" presetClass="entr" presetSubtype="0" fill="hold" nodeType="withEffect">
+                                <p:cTn id="32" presetID="10" presetClass="entr" presetSubtype="0" fill="hold" grpId="0" nodeType="withEffect">
                                   <p:stCondLst>
                                     <p:cond delay="0"/>
                                   </p:stCondLst>
@@ -9237,7 +9410,7 @@
                                           </p:stCondLst>
                                         </p:cTn>
                                         <p:tgtEl>
-                                          <p:spTgt spid="16"/>
+                                          <p:spTgt spid="9"/>
                                         </p:tgtEl>
                                         <p:attrNameLst>
                                           <p:attrName>style.visibility</p:attrName>
@@ -9251,7 +9424,7 @@
                                       <p:cBhvr>
                                         <p:cTn id="34" dur="500"/>
                                         <p:tgtEl>
-                                          <p:spTgt spid="16"/>
+                                          <p:spTgt spid="9"/>
                                         </p:tgtEl>
                                       </p:cBhvr>
                                     </p:animEffect>
@@ -9277,7 +9450,7 @@
                             </p:stCondLst>
                             <p:childTnLst>
                               <p:par>
-                                <p:cTn id="37" presetID="10" presetClass="entr" presetSubtype="0" fill="hold" nodeType="clickEffect">
+                                <p:cTn id="37" presetID="10" presetClass="entr" presetSubtype="0" fill="hold" grpId="0" nodeType="clickEffect">
                                   <p:stCondLst>
                                     <p:cond delay="0"/>
                                   </p:stCondLst>
@@ -9290,7 +9463,7 @@
                                           </p:stCondLst>
                                         </p:cTn>
                                         <p:tgtEl>
-                                          <p:spTgt spid="19"/>
+                                          <p:spTgt spid="14"/>
                                         </p:tgtEl>
                                         <p:attrNameLst>
                                           <p:attrName>style.visibility</p:attrName>
@@ -9304,7 +9477,7 @@
                                       <p:cBhvr>
                                         <p:cTn id="39" dur="500"/>
                                         <p:tgtEl>
-                                          <p:spTgt spid="19"/>
+                                          <p:spTgt spid="14"/>
                                         </p:tgtEl>
                                       </p:cBhvr>
                                     </p:animEffect>
@@ -9312,7 +9485,7 @@
                                 </p:cTn>
                               </p:par>
                               <p:par>
-                                <p:cTn id="40" presetID="10" presetClass="entr" presetSubtype="0" fill="hold" grpId="0" nodeType="withEffect">
+                                <p:cTn id="40" presetID="10" presetClass="entr" presetSubtype="0" fill="hold" nodeType="withEffect">
                                   <p:stCondLst>
                                     <p:cond delay="0"/>
                                   </p:stCondLst>
@@ -9325,7 +9498,7 @@
                                           </p:stCondLst>
                                         </p:cTn>
                                         <p:tgtEl>
-                                          <p:spTgt spid="17"/>
+                                          <p:spTgt spid="16"/>
                                         </p:tgtEl>
                                         <p:attrNameLst>
                                           <p:attrName>style.visibility</p:attrName>
@@ -9339,7 +9512,7 @@
                                       <p:cBhvr>
                                         <p:cTn id="42" dur="500"/>
                                         <p:tgtEl>
-                                          <p:spTgt spid="17"/>
+                                          <p:spTgt spid="16"/>
                                         </p:tgtEl>
                                       </p:cBhvr>
                                     </p:animEffect>
@@ -9365,7 +9538,7 @@
                             </p:stCondLst>
                             <p:childTnLst>
                               <p:par>
-                                <p:cTn id="45" presetID="10" presetClass="entr" presetSubtype="0" fill="hold" grpId="0" nodeType="clickEffect">
+                                <p:cTn id="45" presetID="10" presetClass="entr" presetSubtype="0" fill="hold" nodeType="clickEffect">
                                   <p:stCondLst>
                                     <p:cond delay="0"/>
                                   </p:stCondLst>
@@ -9373,6 +9546,94 @@
                                     <p:set>
                                       <p:cBhvr>
                                         <p:cTn id="46" dur="1" fill="hold">
+                                          <p:stCondLst>
+                                            <p:cond delay="0"/>
+                                          </p:stCondLst>
+                                        </p:cTn>
+                                        <p:tgtEl>
+                                          <p:spTgt spid="19"/>
+                                        </p:tgtEl>
+                                        <p:attrNameLst>
+                                          <p:attrName>style.visibility</p:attrName>
+                                        </p:attrNameLst>
+                                      </p:cBhvr>
+                                      <p:to>
+                                        <p:strVal val="visible"/>
+                                      </p:to>
+                                    </p:set>
+                                    <p:animEffect transition="in" filter="fade">
+                                      <p:cBhvr>
+                                        <p:cTn id="47" dur="500"/>
+                                        <p:tgtEl>
+                                          <p:spTgt spid="19"/>
+                                        </p:tgtEl>
+                                      </p:cBhvr>
+                                    </p:animEffect>
+                                  </p:childTnLst>
+                                </p:cTn>
+                              </p:par>
+                              <p:par>
+                                <p:cTn id="48" presetID="10" presetClass="entr" presetSubtype="0" fill="hold" grpId="0" nodeType="withEffect">
+                                  <p:stCondLst>
+                                    <p:cond delay="0"/>
+                                  </p:stCondLst>
+                                  <p:childTnLst>
+                                    <p:set>
+                                      <p:cBhvr>
+                                        <p:cTn id="49" dur="1" fill="hold">
+                                          <p:stCondLst>
+                                            <p:cond delay="0"/>
+                                          </p:stCondLst>
+                                        </p:cTn>
+                                        <p:tgtEl>
+                                          <p:spTgt spid="17"/>
+                                        </p:tgtEl>
+                                        <p:attrNameLst>
+                                          <p:attrName>style.visibility</p:attrName>
+                                        </p:attrNameLst>
+                                      </p:cBhvr>
+                                      <p:to>
+                                        <p:strVal val="visible"/>
+                                      </p:to>
+                                    </p:set>
+                                    <p:animEffect transition="in" filter="fade">
+                                      <p:cBhvr>
+                                        <p:cTn id="50" dur="500"/>
+                                        <p:tgtEl>
+                                          <p:spTgt spid="17"/>
+                                        </p:tgtEl>
+                                      </p:cBhvr>
+                                    </p:animEffect>
+                                  </p:childTnLst>
+                                </p:cTn>
+                              </p:par>
+                            </p:childTnLst>
+                          </p:cTn>
+                        </p:par>
+                      </p:childTnLst>
+                    </p:cTn>
+                  </p:par>
+                  <p:par>
+                    <p:cTn id="51" fill="hold">
+                      <p:stCondLst>
+                        <p:cond delay="indefinite"/>
+                      </p:stCondLst>
+                      <p:childTnLst>
+                        <p:par>
+                          <p:cTn id="52" fill="hold">
+                            <p:stCondLst>
+                              <p:cond delay="0"/>
+                            </p:stCondLst>
+                            <p:childTnLst>
+                              <p:par>
+                                <p:cTn id="53" presetID="10" presetClass="entr" presetSubtype="0" fill="hold" grpId="0" nodeType="clickEffect">
+                                  <p:stCondLst>
+                                    <p:cond delay="0"/>
+                                  </p:stCondLst>
+                                  <p:childTnLst>
+                                    <p:set>
+                                      <p:cBhvr>
+                                        <p:cTn id="54" dur="1" fill="hold">
                                           <p:stCondLst>
                                             <p:cond delay="0"/>
                                           </p:stCondLst>
@@ -9390,7 +9651,7 @@
                                     </p:set>
                                     <p:animEffect transition="in" filter="fade">
                                       <p:cBhvr>
-                                        <p:cTn id="47" dur="500"/>
+                                        <p:cTn id="55" dur="500"/>
                                         <p:tgtEl>
                                           <p:spTgt spid="20"/>
                                         </p:tgtEl>
@@ -9400,14 +9661,14 @@
                                 </p:cTn>
                               </p:par>
                               <p:par>
-                                <p:cTn id="48" presetID="10" presetClass="entr" presetSubtype="0" fill="hold" nodeType="withEffect">
+                                <p:cTn id="56" presetID="10" presetClass="entr" presetSubtype="0" fill="hold" nodeType="withEffect">
                                   <p:stCondLst>
                                     <p:cond delay="0"/>
                                   </p:stCondLst>
                                   <p:childTnLst>
                                     <p:set>
                                       <p:cBhvr>
-                                        <p:cTn id="49" dur="1" fill="hold">
+                                        <p:cTn id="57" dur="1" fill="hold">
                                           <p:stCondLst>
                                             <p:cond delay="0"/>
                                           </p:stCondLst>
@@ -9425,7 +9686,7 @@
                                     </p:set>
                                     <p:animEffect transition="in" filter="fade">
                                       <p:cBhvr>
-                                        <p:cTn id="50" dur="500"/>
+                                        <p:cTn id="58" dur="500"/>
                                         <p:tgtEl>
                                           <p:spTgt spid="22"/>
                                         </p:tgtEl>
@@ -9468,6 +9729,7 @@
       <p:bldP spid="14" grpId="0"/>
       <p:bldP spid="17" grpId="0"/>
       <p:bldP spid="20" grpId="0"/>
+      <p:bldP spid="10" grpId="0"/>
     </p:bldLst>
   </p:timing>
 </p:sld>
@@ -9506,8 +9768,8 @@
           <a:lstStyle/>
           <a:p>
             <a:r>
-              <a:rPr lang="en-US" dirty="0" smtClean="0"/>
-              <a:t>The index.html file</a:t>
+              <a:rPr lang="en-US" dirty="0" err="1"/>
+              <a:t>manifest.json</a:t>
             </a:r>
             <a:endParaRPr lang="en-US" dirty="0"/>
           </a:p>
@@ -9529,50 +9791,84 @@
           <a:lstStyle/>
           <a:p>
             <a:r>
-              <a:rPr lang="en-US" dirty="0" smtClean="0"/>
-              <a:t>The index.html file bootstraps the application and provides an HTML element that will be the container for the HTML code generated by SAPUI5.  It consists of two main sections:</a:t>
-            </a:r>
-          </a:p>
-          <a:p>
-            <a:pPr marL="457200" indent="-457200">
-              <a:buFont typeface="+mj-lt"/>
-              <a:buAutoNum type="arabicPeriod"/>
+              <a:rPr lang="en-US" dirty="0"/>
+              <a:t>The </a:t>
+            </a:r>
+            <a:r>
+              <a:rPr lang="en-US" dirty="0" err="1"/>
+              <a:t>manifest.json</a:t>
+            </a:r>
+            <a:r>
+              <a:rPr lang="en-US" dirty="0"/>
+              <a:t> file contains metadata that defines properties such as:</a:t>
+            </a:r>
+          </a:p>
+          <a:p>
+            <a:pPr marL="342900" indent="-342900">
+              <a:buFont typeface="Arial" panose="020B0604020202020204" pitchFamily="34" charset="0"/>
+              <a:buChar char="•"/>
             </a:pPr>
             <a:r>
-              <a:rPr lang="en-US" dirty="0" smtClean="0"/>
-              <a:t>The first section, called the bootstrap, loads the core SAPUI5 library, loads a theme and defines namespaces.</a:t>
-            </a:r>
-          </a:p>
-          <a:p>
-            <a:pPr marL="457200" indent="-457200">
-              <a:buFont typeface="+mj-lt"/>
-              <a:buAutoNum type="arabicPeriod"/>
+              <a:rPr lang="en-US" dirty="0"/>
+              <a:t>Data sources for models</a:t>
+            </a:r>
+          </a:p>
+          <a:p>
+            <a:pPr marL="342900" indent="-342900">
+              <a:buFont typeface="Arial" panose="020B0604020202020204" pitchFamily="34" charset="0"/>
+              <a:buChar char="•"/>
             </a:pPr>
             <a:r>
-              <a:rPr lang="en-US" dirty="0" smtClean="0"/>
-              <a:t>The second section creates the initial component which encapsulates the application.</a:t>
-            </a:r>
-            <a:endParaRPr lang="en-US" dirty="0"/>
-          </a:p>
-        </p:txBody>
-      </p:sp>
+              <a:rPr lang="en-US" dirty="0"/>
+              <a:t>Routes for navigation</a:t>
+            </a:r>
+          </a:p>
+          <a:p>
+            <a:pPr marL="342900" indent="-342900">
+              <a:buFont typeface="Arial" panose="020B0604020202020204" pitchFamily="34" charset="0"/>
+              <a:buChar char="•"/>
+            </a:pPr>
+            <a:r>
+              <a:rPr lang="en-US" dirty="0"/>
+              <a:t>App name and version</a:t>
+            </a:r>
+          </a:p>
+        </p:txBody>
+      </p:sp>
+      <p:pic>
+        <p:nvPicPr>
+          <p:cNvPr id="4" name="Picture 3"/>
+          <p:cNvPicPr>
+            <a:picLocks noChangeAspect="1"/>
+          </p:cNvPicPr>
+          <p:nvPr/>
+        </p:nvPicPr>
+        <p:blipFill>
+          <a:blip r:embed="rId2"/>
+          <a:stretch>
+            <a:fillRect/>
+          </a:stretch>
+        </p:blipFill>
+        <p:spPr>
+          <a:xfrm>
+            <a:off x="5872562" y="2169654"/>
+            <a:ext cx="3409950" cy="4171950"/>
+          </a:xfrm>
+          <a:prstGeom prst="rect">
+            <a:avLst/>
+          </a:prstGeom>
+        </p:spPr>
+      </p:pic>
     </p:spTree>
     <p:extLst>
       <p:ext uri="{BB962C8B-B14F-4D97-AF65-F5344CB8AC3E}">
-        <p14:creationId xmlns:p14="http://schemas.microsoft.com/office/powerpoint/2010/main" val="3668339962"/>
+        <p14:creationId xmlns:p14="http://schemas.microsoft.com/office/powerpoint/2010/main" val="3668377329"/>
       </p:ext>
     </p:extLst>
   </p:cSld>
   <p:clrMapOvr>
     <a:masterClrMapping/>
   </p:clrMapOvr>
-  <p:timing>
-    <p:tnLst>
-      <p:par>
-        <p:cTn id="1" dur="indefinite" restart="never" nodeType="tmRoot"/>
-      </p:par>
-    </p:tnLst>
-  </p:timing>
 </p:sld>
 </file>
 
@@ -9609,10 +9905,9 @@
           <a:lstStyle/>
           <a:p>
             <a:r>
-              <a:rPr lang="en-US" dirty="0" smtClean="0"/>
-              <a:t>Bootstrapping</a:t>
-            </a:r>
-            <a:endParaRPr lang="en-US" dirty="0"/>
+              <a:rPr lang="en-US" dirty="0"/>
+              <a:t>The index.html file</a:t>
+            </a:r>
           </a:p>
         </p:txBody>
       </p:sp>
@@ -9632,82 +9927,42 @@
           <a:lstStyle/>
           <a:p>
             <a:r>
-              <a:rPr lang="en-US" sz="1800" dirty="0" smtClean="0"/>
-              <a:t>The code below loads the sap-</a:t>
-            </a:r>
-            <a:r>
-              <a:rPr lang="en-US" sz="1800" dirty="0" err="1" smtClean="0"/>
-              <a:t>ui</a:t>
-            </a:r>
-            <a:r>
-              <a:rPr lang="en-US" sz="1800" dirty="0" smtClean="0"/>
-              <a:t>-core library which contains the core SAPUI5 libraries as well as jQuery.  It then loads the </a:t>
-            </a:r>
-            <a:r>
-              <a:rPr lang="en-US" sz="1800" dirty="0" err="1" smtClean="0"/>
-              <a:t>sap.m</a:t>
-            </a:r>
-            <a:r>
-              <a:rPr lang="en-US" sz="1800" dirty="0" smtClean="0"/>
-              <a:t> namespace which contains common controls such as buttons and labels. </a:t>
-            </a:r>
-          </a:p>
-          <a:p>
-            <a:r>
-              <a:rPr lang="en-US" sz="1800" dirty="0" smtClean="0"/>
-              <a:t>The last line defines the namespace for the application.  Normally, SAPUI5 will look for application files relative to the location of the sap-ui-core.js file so we must define a namespace with which we can refer to application files that is relative to the root folder of the application.</a:t>
-            </a:r>
-          </a:p>
-          <a:p>
-            <a:endParaRPr lang="en-US" dirty="0"/>
-          </a:p>
-          <a:p>
-            <a:endParaRPr lang="en-US" dirty="0" smtClean="0"/>
-          </a:p>
-          <a:p>
-            <a:endParaRPr lang="en-US" dirty="0" smtClean="0"/>
-          </a:p>
-        </p:txBody>
-      </p:sp>
-      <p:pic>
-        <p:nvPicPr>
-          <p:cNvPr id="5" name="Picture 4"/>
-          <p:cNvPicPr/>
-          <p:nvPr/>
-        </p:nvPicPr>
-        <p:blipFill>
-          <a:blip r:embed="rId2"/>
-          <a:stretch>
-            <a:fillRect/>
-          </a:stretch>
-        </p:blipFill>
-        <p:spPr>
-          <a:xfrm>
-            <a:off x="2452182" y="3834839"/>
-            <a:ext cx="5943600" cy="1534795"/>
-          </a:xfrm>
-          <a:prstGeom prst="rect">
-            <a:avLst/>
-          </a:prstGeom>
-        </p:spPr>
-      </p:pic>
+              <a:rPr lang="en-US" dirty="0"/>
+              <a:t>The index.html file bootstraps the application and provides an HTML element that will be the container for the HTML code generated by SAPUI5.  It consists of two main sections:</a:t>
+            </a:r>
+          </a:p>
+          <a:p>
+            <a:pPr marL="457200" indent="-457200">
+              <a:buFont typeface="+mj-lt"/>
+              <a:buAutoNum type="arabicPeriod"/>
+            </a:pPr>
+            <a:r>
+              <a:rPr lang="en-US" dirty="0"/>
+              <a:t>The first section, called the bootstrap, loads the core SAPUI5 library, loads a theme and defines namespaces.</a:t>
+            </a:r>
+          </a:p>
+          <a:p>
+            <a:pPr marL="457200" indent="-457200">
+              <a:buFont typeface="+mj-lt"/>
+              <a:buAutoNum type="arabicPeriod"/>
+            </a:pPr>
+            <a:r>
+              <a:rPr lang="en-US" dirty="0"/>
+              <a:t>The second section creates the initial component which encapsulates the application.</a:t>
+            </a:r>
+          </a:p>
+        </p:txBody>
+      </p:sp>
     </p:spTree>
     <p:extLst>
       <p:ext uri="{BB962C8B-B14F-4D97-AF65-F5344CB8AC3E}">
-        <p14:creationId xmlns:p14="http://schemas.microsoft.com/office/powerpoint/2010/main" val="2468065836"/>
+        <p14:creationId xmlns:p14="http://schemas.microsoft.com/office/powerpoint/2010/main" val="3668339962"/>
       </p:ext>
     </p:extLst>
   </p:cSld>
   <p:clrMapOvr>
     <a:masterClrMapping/>
   </p:clrMapOvr>
-  <p:timing>
-    <p:tnLst>
-      <p:par>
-        <p:cTn id="1" dur="indefinite" restart="never" nodeType="tmRoot"/>
-      </p:par>
-    </p:tnLst>
-  </p:timing>
 </p:sld>
 </file>
 
@@ -9744,10 +9999,9 @@
           <a:lstStyle/>
           <a:p>
             <a:r>
-              <a:rPr lang="en-US" dirty="0" smtClean="0"/>
+              <a:rPr lang="en-US" dirty="0"/>
               <a:t>Agenda – SAPUI5</a:t>
             </a:r>
-            <a:endParaRPr lang="en-US" dirty="0"/>
           </a:p>
         </p:txBody>
       </p:sp>
@@ -9790,7 +10044,7 @@
               <a:buChar char="•"/>
             </a:pPr>
             <a:r>
-              <a:rPr lang="en-US" sz="1400" dirty="0" smtClean="0">
+              <a:rPr lang="en-US" sz="1400" dirty="0">
                 <a:solidFill>
                   <a:schemeClr val="bg2">
                     <a:lumMod val="50000"/>
@@ -9809,7 +10063,7 @@
               <a:buChar char="•"/>
             </a:pPr>
             <a:r>
-              <a:rPr lang="en-US" sz="1400" dirty="0" smtClean="0">
+              <a:rPr lang="en-US" sz="1400" dirty="0">
                 <a:solidFill>
                   <a:schemeClr val="bg2">
                     <a:lumMod val="50000"/>
@@ -9828,7 +10082,7 @@
               <a:buChar char="•"/>
             </a:pPr>
             <a:r>
-              <a:rPr lang="en-US" sz="1400" dirty="0" smtClean="0">
+              <a:rPr lang="en-US" sz="1400" dirty="0">
                 <a:solidFill>
                   <a:schemeClr val="bg2">
                     <a:lumMod val="50000"/>
@@ -9894,13 +10148,6 @@
     <a:masterClrMapping/>
   </p:clrMapOvr>
   <p:transition spd="med"/>
-  <p:timing>
-    <p:tnLst>
-      <p:par>
-        <p:cTn id="1" dur="indefinite" restart="never" nodeType="tmRoot"/>
-      </p:par>
-    </p:tnLst>
-  </p:timing>
 </p:sld>
 </file>
 
@@ -9937,10 +10184,9 @@
           <a:lstStyle/>
           <a:p>
             <a:r>
-              <a:rPr lang="en-US" dirty="0" smtClean="0"/>
-              <a:t>Creating the Initial Component</a:t>
-            </a:r>
-            <a:endParaRPr lang="en-US" dirty="0"/>
+              <a:rPr lang="en-US" dirty="0"/>
+              <a:t>Bootstrapping</a:t>
+            </a:r>
           </a:p>
         </p:txBody>
       </p:sp>
@@ -9954,35 +10200,52 @@
             <p:ph idx="1"/>
           </p:nvPr>
         </p:nvSpPr>
-        <p:spPr>
-          <a:xfrm>
-            <a:off x="324000" y="1692391"/>
-            <a:ext cx="11545200" cy="1017324"/>
-          </a:xfrm>
-        </p:spPr>
+        <p:spPr/>
         <p:txBody>
           <a:bodyPr/>
           <a:lstStyle/>
           <a:p>
             <a:r>
-              <a:rPr lang="en-US" sz="1800" dirty="0" smtClean="0"/>
-              <a:t>A component is a self-contained unit of an application.  Components can be loaded dynamically by an application and can be used to encapsulate reusable functionality.  For example, if a table of customers is used in multiple applications, it can be encapsulated in a component and reused.  Current practice is to use a component to encapsulate an entire application.  The code below in the index.html file creates a component and, in this case, encloses it in a Shell control which can provide </a:t>
-            </a:r>
-            <a:r>
               <a:rPr lang="en-US" sz="1800" dirty="0"/>
-              <a:t>interface elements </a:t>
-            </a:r>
-            <a:r>
-              <a:rPr lang="en-US" sz="1800" dirty="0" smtClean="0"/>
-              <a:t>such as a header.  </a:t>
-            </a:r>
-            <a:endParaRPr lang="en-US" sz="1800" dirty="0"/>
+              <a:t>The code below loads the sap-</a:t>
+            </a:r>
+            <a:r>
+              <a:rPr lang="en-US" sz="1800" dirty="0" err="1"/>
+              <a:t>ui</a:t>
+            </a:r>
+            <a:r>
+              <a:rPr lang="en-US" sz="1800" dirty="0"/>
+              <a:t>-core library which contains the core SAPUI5 libraries as well as jQuery.  It then loads the </a:t>
+            </a:r>
+            <a:r>
+              <a:rPr lang="en-US" sz="1800" dirty="0" err="1"/>
+              <a:t>sap.m</a:t>
+            </a:r>
+            <a:r>
+              <a:rPr lang="en-US" sz="1800" dirty="0"/>
+              <a:t> namespace which contains common controls such as buttons and labels. </a:t>
+            </a:r>
+          </a:p>
+          <a:p>
+            <a:r>
+              <a:rPr lang="en-US" sz="1800" dirty="0"/>
+              <a:t>The last line defines the namespace for the application.  Normally, SAPUI5 will look for application files relative to the location of the sap-ui-core.js file so we must define a namespace with which we can refer to application files that is relative to the root folder of the application.</a:t>
+            </a:r>
+          </a:p>
+          <a:p>
+            <a:endParaRPr lang="en-US" dirty="0"/>
+          </a:p>
+          <a:p>
+            <a:endParaRPr lang="en-US" dirty="0"/>
+          </a:p>
+          <a:p>
+            <a:endParaRPr lang="en-US" dirty="0"/>
           </a:p>
         </p:txBody>
       </p:sp>
       <p:pic>
         <p:nvPicPr>
-          <p:cNvPr id="6" name="Picture 5"/>
+          <p:cNvPr id="5" name="Picture 4"/>
           <p:cNvPicPr/>
           <p:nvPr/>
         </p:nvPicPr>
@@ -9994,89 +10257,24 @@
         </p:blipFill>
         <p:spPr>
           <a:xfrm>
-            <a:off x="2635111" y="3303310"/>
-            <a:ext cx="5943600" cy="2442210"/>
+            <a:off x="2452182" y="3834839"/>
+            <a:ext cx="5943600" cy="1534795"/>
           </a:xfrm>
           <a:prstGeom prst="rect">
             <a:avLst/>
           </a:prstGeom>
         </p:spPr>
       </p:pic>
-      <p:sp>
-        <p:nvSpPr>
-          <p:cNvPr id="7" name="TextBox 6"/>
-          <p:cNvSpPr txBox="1"/>
-          <p:nvPr/>
-        </p:nvSpPr>
-        <p:spPr>
-          <a:xfrm>
-            <a:off x="324000" y="6040084"/>
-            <a:ext cx="8233023" cy="276999"/>
-          </a:xfrm>
-          <a:prstGeom prst="rect">
-            <a:avLst/>
-          </a:prstGeom>
-          <a:noFill/>
-        </p:spPr>
-        <p:txBody>
-          <a:bodyPr wrap="none" lIns="0" tIns="0" rIns="0" bIns="0" rtlCol="0">
-            <a:spAutoFit/>
-          </a:bodyPr>
-          <a:lstStyle/>
-          <a:p>
-            <a:pPr fontAlgn="base">
-              <a:spcBef>
-                <a:spcPct val="50000"/>
-              </a:spcBef>
-              <a:spcAft>
-                <a:spcPct val="0"/>
-              </a:spcAft>
-              <a:buClr>
-                <a:srgbClr val="F0AB00"/>
-              </a:buClr>
-              <a:buSzPct val="80000"/>
-            </a:pPr>
-            <a:r>
-              <a:rPr lang="en-US" sz="1800" kern="0" dirty="0" smtClean="0">
-                <a:ea typeface="Arial Unicode MS" pitchFamily="34" charset="-128"/>
-                <a:cs typeface="Arial Unicode MS" pitchFamily="34" charset="-128"/>
-              </a:rPr>
-              <a:t>The component is inserted into the application’s HTML using the </a:t>
-            </a:r>
-            <a:r>
-              <a:rPr lang="en-US" sz="1800" kern="0" dirty="0" err="1" smtClean="0">
-                <a:ea typeface="Arial Unicode MS" pitchFamily="34" charset="-128"/>
-                <a:cs typeface="Arial Unicode MS" pitchFamily="34" charset="-128"/>
-              </a:rPr>
-              <a:t>placeAt</a:t>
-            </a:r>
-            <a:r>
-              <a:rPr lang="en-US" sz="1800" kern="0" dirty="0" smtClean="0">
-                <a:ea typeface="Arial Unicode MS" pitchFamily="34" charset="-128"/>
-                <a:cs typeface="Arial Unicode MS" pitchFamily="34" charset="-128"/>
-              </a:rPr>
-              <a:t> method.</a:t>
-            </a:r>
-          </a:p>
-        </p:txBody>
-      </p:sp>
     </p:spTree>
     <p:extLst>
       <p:ext uri="{BB962C8B-B14F-4D97-AF65-F5344CB8AC3E}">
-        <p14:creationId xmlns:p14="http://schemas.microsoft.com/office/powerpoint/2010/main" val="3918779519"/>
+        <p14:creationId xmlns:p14="http://schemas.microsoft.com/office/powerpoint/2010/main" val="2468065836"/>
       </p:ext>
     </p:extLst>
   </p:cSld>
   <p:clrMapOvr>
     <a:masterClrMapping/>
   </p:clrMapOvr>
-  <p:timing>
-    <p:tnLst>
-      <p:par>
-        <p:cTn id="1" dur="indefinite" restart="never" nodeType="tmRoot"/>
-      </p:par>
-    </p:tnLst>
-  </p:timing>
 </p:sld>
 </file>
 
@@ -10113,23 +10311,71 @@
           <a:lstStyle/>
           <a:p>
             <a:r>
-              <a:rPr lang="en-US" dirty="0" smtClean="0"/>
-              <a:t>The Component.js file</a:t>
-            </a:r>
-            <a:endParaRPr lang="en-US" dirty="0"/>
-          </a:p>
-        </p:txBody>
-      </p:sp>
-      <p:sp>
-        <p:nvSpPr>
-          <p:cNvPr id="4" name="TextBox 3"/>
+              <a:rPr lang="en-US" dirty="0"/>
+              <a:t>Creating the Initial Component</a:t>
+            </a:r>
+          </a:p>
+        </p:txBody>
+      </p:sp>
+      <p:sp>
+        <p:nvSpPr>
+          <p:cNvPr id="3" name="Content Placeholder 2"/>
+          <p:cNvSpPr>
+            <a:spLocks noGrp="1"/>
+          </p:cNvSpPr>
+          <p:nvPr>
+            <p:ph idx="1"/>
+          </p:nvPr>
+        </p:nvSpPr>
+        <p:spPr>
+          <a:xfrm>
+            <a:off x="324000" y="1692391"/>
+            <a:ext cx="11545200" cy="1017324"/>
+          </a:xfrm>
+        </p:spPr>
+        <p:txBody>
+          <a:bodyPr/>
+          <a:lstStyle/>
+          <a:p>
+            <a:r>
+              <a:rPr lang="en-US" sz="1800" dirty="0"/>
+              <a:t>A component is a self-contained unit of an application.  Components can be loaded dynamically by an application and can be used to encapsulate reusable functionality.  For example, if a table of customers is used in multiple applications, it can be encapsulated in a component and reused.  Current practice is to use a component to encapsulate an entire application.  The code below in the index.html file creates a component and, in this case, encloses it in a Shell control which can provide interface elements such as a header.  </a:t>
+            </a:r>
+          </a:p>
+        </p:txBody>
+      </p:sp>
+      <p:pic>
+        <p:nvPicPr>
+          <p:cNvPr id="6" name="Picture 5"/>
+          <p:cNvPicPr/>
+          <p:nvPr/>
+        </p:nvPicPr>
+        <p:blipFill>
+          <a:blip r:embed="rId2"/>
+          <a:stretch>
+            <a:fillRect/>
+          </a:stretch>
+        </p:blipFill>
+        <p:spPr>
+          <a:xfrm>
+            <a:off x="2635111" y="3303310"/>
+            <a:ext cx="5943600" cy="2442210"/>
+          </a:xfrm>
+          <a:prstGeom prst="rect">
+            <a:avLst/>
+          </a:prstGeom>
+        </p:spPr>
+      </p:pic>
+      <p:sp>
+        <p:nvSpPr>
+          <p:cNvPr id="7" name="TextBox 6"/>
           <p:cNvSpPr txBox="1"/>
           <p:nvPr/>
         </p:nvSpPr>
         <p:spPr>
           <a:xfrm>
-            <a:off x="246937" y="1536099"/>
-            <a:ext cx="11349261" cy="1800493"/>
+            <a:off x="324000" y="6040084"/>
+            <a:ext cx="8233023" cy="276999"/>
           </a:xfrm>
           <a:prstGeom prst="rect">
             <a:avLst/>
@@ -10155,153 +10401,33 @@
               <a:buSzPct val="80000"/>
             </a:pPr>
             <a:r>
-              <a:rPr lang="en-US" sz="1800" kern="0" dirty="0" smtClean="0">
+              <a:rPr lang="en-US" sz="1800" kern="0" dirty="0">
                 <a:ea typeface="Arial Unicode MS" pitchFamily="34" charset="-128"/>
                 <a:cs typeface="Arial Unicode MS" pitchFamily="34" charset="-128"/>
               </a:rPr>
-              <a:t>The name of the Component.js file is required.  The file consists of at three sections:</a:t>
-            </a:r>
-          </a:p>
-          <a:p>
-            <a:pPr marL="342900" indent="-342900" fontAlgn="base">
-              <a:spcBef>
-                <a:spcPct val="50000"/>
-              </a:spcBef>
-              <a:spcAft>
-                <a:spcPct val="0"/>
-              </a:spcAft>
-              <a:buClr>
-                <a:srgbClr val="F0AB00"/>
-              </a:buClr>
-              <a:buSzPct val="80000"/>
-              <a:buFont typeface="+mj-lt"/>
-              <a:buAutoNum type="arabicPeriod"/>
-            </a:pPr>
-            <a:r>
-              <a:rPr lang="en-US" sz="1800" kern="0" dirty="0" smtClean="0">
+              <a:t>The component is inserted into the application’s HTML using the </a:t>
+            </a:r>
+            <a:r>
+              <a:rPr lang="en-US" sz="1800" kern="0" dirty="0" err="1">
                 <a:ea typeface="Arial Unicode MS" pitchFamily="34" charset="-128"/>
                 <a:cs typeface="Arial Unicode MS" pitchFamily="34" charset="-128"/>
               </a:rPr>
-              <a:t>The metadata for the component is defined. This may include addresses of data sources, information about </a:t>
-            </a:r>
-            <a:br>
-              <a:rPr lang="en-US" sz="1800" kern="0" dirty="0" smtClean="0">
+              <a:t>placeAt</a:t>
+            </a:r>
+            <a:r>
+              <a:rPr lang="en-US" sz="1800" kern="0" dirty="0">
                 <a:ea typeface="Arial Unicode MS" pitchFamily="34" charset="-128"/>
                 <a:cs typeface="Arial Unicode MS" pitchFamily="34" charset="-128"/>
               </a:rPr>
-            </a:br>
-            <a:r>
-              <a:rPr lang="en-US" sz="1800" kern="0" dirty="0" smtClean="0">
-                <a:ea typeface="Arial Unicode MS" pitchFamily="34" charset="-128"/>
-                <a:cs typeface="Arial Unicode MS" pitchFamily="34" charset="-128"/>
-              </a:rPr>
-              <a:t>navigation among the views of the application, etc.</a:t>
-            </a:r>
-          </a:p>
-          <a:p>
-            <a:pPr marL="342900" indent="-342900" fontAlgn="base">
-              <a:spcBef>
-                <a:spcPct val="50000"/>
-              </a:spcBef>
-              <a:spcAft>
-                <a:spcPct val="0"/>
-              </a:spcAft>
-              <a:buClr>
-                <a:srgbClr val="F0AB00"/>
-              </a:buClr>
-              <a:buSzPct val="80000"/>
-              <a:buFont typeface="+mj-lt"/>
-              <a:buAutoNum type="arabicPeriod"/>
-            </a:pPr>
-            <a:r>
-              <a:rPr lang="en-US" sz="1800" kern="0" dirty="0" smtClean="0">
-                <a:ea typeface="Arial Unicode MS" pitchFamily="34" charset="-128"/>
-                <a:cs typeface="Arial Unicode MS" pitchFamily="34" charset="-128"/>
-              </a:rPr>
-              <a:t>A </a:t>
-            </a:r>
-            <a:r>
-              <a:rPr lang="en-US" sz="1800" kern="0" dirty="0" err="1" smtClean="0">
-                <a:ea typeface="Arial Unicode MS" pitchFamily="34" charset="-128"/>
-                <a:cs typeface="Arial Unicode MS" pitchFamily="34" charset="-128"/>
-              </a:rPr>
-              <a:t>init</a:t>
-            </a:r>
-            <a:r>
-              <a:rPr lang="en-US" sz="1800" kern="0" dirty="0" smtClean="0">
-                <a:ea typeface="Arial Unicode MS" pitchFamily="34" charset="-128"/>
-                <a:cs typeface="Arial Unicode MS" pitchFamily="34" charset="-128"/>
-              </a:rPr>
-              <a:t>() function that initializes the component.</a:t>
-            </a:r>
-          </a:p>
-          <a:p>
-            <a:pPr marL="342900" indent="-342900" fontAlgn="base">
-              <a:spcBef>
-                <a:spcPct val="50000"/>
-              </a:spcBef>
-              <a:spcAft>
-                <a:spcPct val="0"/>
-              </a:spcAft>
-              <a:buClr>
-                <a:srgbClr val="F0AB00"/>
-              </a:buClr>
-              <a:buSzPct val="80000"/>
-              <a:buFont typeface="+mj-lt"/>
-              <a:buAutoNum type="arabicPeriod"/>
-            </a:pPr>
-            <a:r>
-              <a:rPr lang="en-US" sz="1800" kern="0" dirty="0" smtClean="0">
-                <a:ea typeface="Arial Unicode MS" pitchFamily="34" charset="-128"/>
-                <a:cs typeface="Arial Unicode MS" pitchFamily="34" charset="-128"/>
-              </a:rPr>
-              <a:t>A </a:t>
-            </a:r>
-            <a:r>
-              <a:rPr lang="en-US" sz="1800" kern="0" dirty="0" err="1" smtClean="0">
-                <a:ea typeface="Arial Unicode MS" pitchFamily="34" charset="-128"/>
-                <a:cs typeface="Arial Unicode MS" pitchFamily="34" charset="-128"/>
-              </a:rPr>
-              <a:t>createContent</a:t>
-            </a:r>
-            <a:r>
-              <a:rPr lang="en-US" sz="1800" kern="0" dirty="0" smtClean="0">
-                <a:ea typeface="Arial Unicode MS" pitchFamily="34" charset="-128"/>
-                <a:cs typeface="Arial Unicode MS" pitchFamily="34" charset="-128"/>
-              </a:rPr>
-              <a:t>() function that creates the initial view of the application.</a:t>
-            </a:r>
-          </a:p>
-        </p:txBody>
-      </p:sp>
-      <p:pic>
-        <p:nvPicPr>
-          <p:cNvPr id="5" name="Picture 4"/>
-          <p:cNvPicPr>
-            <a:picLocks noChangeAspect="1"/>
-          </p:cNvPicPr>
-          <p:nvPr/>
-        </p:nvPicPr>
-        <p:blipFill>
-          <a:blip r:embed="rId2"/>
-          <a:stretch>
-            <a:fillRect/>
-          </a:stretch>
-        </p:blipFill>
-        <p:spPr>
-          <a:xfrm>
-            <a:off x="4027357" y="3793191"/>
-            <a:ext cx="7200900" cy="2352675"/>
-          </a:xfrm>
-          <a:prstGeom prst="rect">
-            <a:avLst/>
-          </a:prstGeom>
-        </p:spPr>
-      </p:pic>
+              <a:t> method.</a:t>
+            </a:r>
+          </a:p>
+        </p:txBody>
+      </p:sp>
     </p:spTree>
     <p:extLst>
       <p:ext uri="{BB962C8B-B14F-4D97-AF65-F5344CB8AC3E}">
-        <p14:creationId xmlns:p14="http://schemas.microsoft.com/office/powerpoint/2010/main" val="1107520719"/>
+        <p14:creationId xmlns:p14="http://schemas.microsoft.com/office/powerpoint/2010/main" val="3918779519"/>
       </p:ext>
     </p:extLst>
   </p:cSld>
@@ -10344,10 +10470,127 @@
           <a:lstStyle/>
           <a:p>
             <a:r>
-              <a:rPr lang="en-US" dirty="0" smtClean="0"/>
+              <a:rPr lang="en-US" dirty="0"/>
               <a:t>The Component.js file</a:t>
             </a:r>
-            <a:endParaRPr lang="en-US" dirty="0"/>
+          </a:p>
+        </p:txBody>
+      </p:sp>
+      <p:sp>
+        <p:nvSpPr>
+          <p:cNvPr id="4" name="TextBox 3"/>
+          <p:cNvSpPr txBox="1"/>
+          <p:nvPr/>
+        </p:nvSpPr>
+        <p:spPr>
+          <a:xfrm>
+            <a:off x="246937" y="1536099"/>
+            <a:ext cx="10849124" cy="1107996"/>
+          </a:xfrm>
+          <a:prstGeom prst="rect">
+            <a:avLst/>
+          </a:prstGeom>
+          <a:noFill/>
+        </p:spPr>
+        <p:txBody>
+          <a:bodyPr wrap="none" lIns="0" tIns="0" rIns="0" bIns="0" rtlCol="0">
+            <a:spAutoFit/>
+          </a:bodyPr>
+          <a:lstStyle/>
+          <a:p>
+            <a:pPr fontAlgn="base">
+              <a:spcBef>
+                <a:spcPct val="50000"/>
+              </a:spcBef>
+              <a:spcAft>
+                <a:spcPct val="0"/>
+              </a:spcAft>
+              <a:buClr>
+                <a:srgbClr val="F0AB00"/>
+              </a:buClr>
+              <a:buSzPct val="80000"/>
+            </a:pPr>
+            <a:r>
+              <a:rPr lang="en-US" sz="1800" kern="0" dirty="0">
+                <a:ea typeface="Arial Unicode MS" pitchFamily="34" charset="-128"/>
+                <a:cs typeface="Arial Unicode MS" pitchFamily="34" charset="-128"/>
+              </a:rPr>
+              <a:t>The name of the Component.js file is required.  The file consists of at two sections:</a:t>
+            </a:r>
+          </a:p>
+          <a:p>
+            <a:pPr marL="342900" indent="-342900" fontAlgn="base">
+              <a:spcBef>
+                <a:spcPct val="50000"/>
+              </a:spcBef>
+              <a:spcAft>
+                <a:spcPct val="0"/>
+              </a:spcAft>
+              <a:buClr>
+                <a:srgbClr val="F0AB00"/>
+              </a:buClr>
+              <a:buSzPct val="80000"/>
+              <a:buFont typeface="+mj-lt"/>
+              <a:buAutoNum type="arabicPeriod"/>
+            </a:pPr>
+            <a:r>
+              <a:rPr lang="en-US" sz="1800" kern="0" dirty="0">
+                <a:ea typeface="Arial Unicode MS" pitchFamily="34" charset="-128"/>
+                <a:cs typeface="Arial Unicode MS" pitchFamily="34" charset="-128"/>
+              </a:rPr>
+              <a:t>An object that defines the source of the application metadata (e.g. </a:t>
+            </a:r>
+            <a:r>
+              <a:rPr lang="en-US" sz="1800" kern="0" dirty="0" err="1">
+                <a:ea typeface="Arial Unicode MS" pitchFamily="34" charset="-128"/>
+                <a:cs typeface="Arial Unicode MS" pitchFamily="34" charset="-128"/>
+              </a:rPr>
+              <a:t>manifest.json</a:t>
+            </a:r>
+            <a:r>
+              <a:rPr lang="en-US" sz="1800" kern="0" dirty="0">
+                <a:ea typeface="Arial Unicode MS" pitchFamily="34" charset="-128"/>
+                <a:cs typeface="Arial Unicode MS" pitchFamily="34" charset="-128"/>
+              </a:rPr>
+              <a:t>)</a:t>
+            </a:r>
+          </a:p>
+          <a:p>
+            <a:pPr marL="342900" indent="-342900" fontAlgn="base">
+              <a:spcBef>
+                <a:spcPct val="50000"/>
+              </a:spcBef>
+              <a:spcAft>
+                <a:spcPct val="0"/>
+              </a:spcAft>
+              <a:buClr>
+                <a:srgbClr val="F0AB00"/>
+              </a:buClr>
+              <a:buSzPct val="80000"/>
+              <a:buFont typeface="+mj-lt"/>
+              <a:buAutoNum type="arabicPeriod"/>
+            </a:pPr>
+            <a:r>
+              <a:rPr lang="en-US" sz="1800" kern="0" dirty="0">
+                <a:ea typeface="Arial Unicode MS" pitchFamily="34" charset="-128"/>
+                <a:cs typeface="Arial Unicode MS" pitchFamily="34" charset="-128"/>
+              </a:rPr>
+              <a:t>A </a:t>
+            </a:r>
+            <a:r>
+              <a:rPr lang="en-US" sz="1800" kern="0" dirty="0" err="1">
+                <a:ea typeface="Arial Unicode MS" pitchFamily="34" charset="-128"/>
+                <a:cs typeface="Arial Unicode MS" pitchFamily="34" charset="-128"/>
+              </a:rPr>
+              <a:t>init</a:t>
+            </a:r>
+            <a:r>
+              <a:rPr lang="en-US" sz="1800" kern="0" dirty="0">
+                <a:ea typeface="Arial Unicode MS" pitchFamily="34" charset="-128"/>
+                <a:cs typeface="Arial Unicode MS" pitchFamily="34" charset="-128"/>
+              </a:rPr>
+              <a:t>() function that initializes the component and other necessary objects like the router for navigation.</a:t>
+            </a:r>
           </a:p>
         </p:txBody>
       </p:sp>
@@ -10367,115 +10610,18 @@
         </p:blipFill>
         <p:spPr>
           <a:xfrm>
-            <a:off x="4265924" y="1764609"/>
-            <a:ext cx="7596852" cy="3720235"/>
+            <a:off x="6997687" y="3564809"/>
+            <a:ext cx="4286250" cy="2781300"/>
           </a:xfrm>
           <a:prstGeom prst="rect">
             <a:avLst/>
           </a:prstGeom>
         </p:spPr>
       </p:pic>
-      <p:sp>
-        <p:nvSpPr>
-          <p:cNvPr id="4" name="TextBox 3"/>
-          <p:cNvSpPr txBox="1"/>
-          <p:nvPr/>
-        </p:nvSpPr>
-        <p:spPr>
-          <a:xfrm>
-            <a:off x="323850" y="1944629"/>
-            <a:ext cx="4039567" cy="1107996"/>
-          </a:xfrm>
-          <a:prstGeom prst="rect">
-            <a:avLst/>
-          </a:prstGeom>
-          <a:noFill/>
-        </p:spPr>
-        <p:txBody>
-          <a:bodyPr wrap="none" lIns="0" tIns="0" rIns="0" bIns="0" rtlCol="0">
-            <a:spAutoFit/>
-          </a:bodyPr>
-          <a:lstStyle/>
-          <a:p>
-            <a:pPr fontAlgn="base">
-              <a:spcBef>
-                <a:spcPct val="50000"/>
-              </a:spcBef>
-              <a:spcAft>
-                <a:spcPct val="0"/>
-              </a:spcAft>
-              <a:buClr>
-                <a:srgbClr val="F0AB00"/>
-              </a:buClr>
-              <a:buSzPct val="80000"/>
-            </a:pPr>
-            <a:r>
-              <a:rPr lang="en-US" sz="1800" kern="0" dirty="0" smtClean="0">
-                <a:ea typeface="Arial Unicode MS" pitchFamily="34" charset="-128"/>
-                <a:cs typeface="Arial Unicode MS" pitchFamily="34" charset="-128"/>
-              </a:rPr>
-              <a:t>The </a:t>
-            </a:r>
-            <a:r>
-              <a:rPr lang="en-US" sz="1800" kern="0" dirty="0" err="1" smtClean="0">
-                <a:ea typeface="Arial Unicode MS" pitchFamily="34" charset="-128"/>
-                <a:cs typeface="Arial Unicode MS" pitchFamily="34" charset="-128"/>
-              </a:rPr>
-              <a:t>init</a:t>
-            </a:r>
-            <a:r>
-              <a:rPr lang="en-US" sz="1800" kern="0" dirty="0" smtClean="0">
-                <a:ea typeface="Arial Unicode MS" pitchFamily="34" charset="-128"/>
-                <a:cs typeface="Arial Unicode MS" pitchFamily="34" charset="-128"/>
-              </a:rPr>
-              <a:t>() function initializes the</a:t>
-            </a:r>
-            <a:br>
-              <a:rPr lang="en-US" sz="1800" kern="0" dirty="0" smtClean="0">
-                <a:ea typeface="Arial Unicode MS" pitchFamily="34" charset="-128"/>
-                <a:cs typeface="Arial Unicode MS" pitchFamily="34" charset="-128"/>
-              </a:rPr>
-            </a:br>
-            <a:r>
-              <a:rPr lang="en-US" sz="1800" kern="0" dirty="0" smtClean="0">
-                <a:ea typeface="Arial Unicode MS" pitchFamily="34" charset="-128"/>
-                <a:cs typeface="Arial Unicode MS" pitchFamily="34" charset="-128"/>
-              </a:rPr>
-              <a:t>component and can then define models</a:t>
-            </a:r>
-            <a:br>
-              <a:rPr lang="en-US" sz="1800" kern="0" dirty="0" smtClean="0">
-                <a:ea typeface="Arial Unicode MS" pitchFamily="34" charset="-128"/>
-                <a:cs typeface="Arial Unicode MS" pitchFamily="34" charset="-128"/>
-              </a:rPr>
-            </a:br>
-            <a:r>
-              <a:rPr lang="en-US" sz="1800" kern="0" dirty="0" smtClean="0">
-                <a:ea typeface="Arial Unicode MS" pitchFamily="34" charset="-128"/>
-                <a:cs typeface="Arial Unicode MS" pitchFamily="34" charset="-128"/>
-              </a:rPr>
-              <a:t>that will be available to the entire</a:t>
-            </a:r>
-            <a:br>
-              <a:rPr lang="en-US" sz="1800" kern="0" dirty="0" smtClean="0">
-                <a:ea typeface="Arial Unicode MS" pitchFamily="34" charset="-128"/>
-                <a:cs typeface="Arial Unicode MS" pitchFamily="34" charset="-128"/>
-              </a:rPr>
-            </a:br>
-            <a:r>
-              <a:rPr lang="en-US" sz="1800" kern="0" dirty="0" smtClean="0">
-                <a:ea typeface="Arial Unicode MS" pitchFamily="34" charset="-128"/>
-                <a:cs typeface="Arial Unicode MS" pitchFamily="34" charset="-128"/>
-              </a:rPr>
-              <a:t>application.</a:t>
-            </a:r>
-          </a:p>
-        </p:txBody>
-      </p:sp>
     </p:spTree>
     <p:extLst>
       <p:ext uri="{BB962C8B-B14F-4D97-AF65-F5344CB8AC3E}">
-        <p14:creationId xmlns:p14="http://schemas.microsoft.com/office/powerpoint/2010/main" val="3558157361"/>
+        <p14:creationId xmlns:p14="http://schemas.microsoft.com/office/powerpoint/2010/main" val="1107520719"/>
       </p:ext>
     </p:extLst>
   </p:cSld>
@@ -10518,16 +10664,161 @@
           <a:lstStyle/>
           <a:p>
             <a:r>
-              <a:rPr lang="en-US" dirty="0" smtClean="0"/>
-              <a:t>The Component.js file</a:t>
-            </a:r>
-            <a:endParaRPr lang="en-US" dirty="0"/>
+              <a:rPr lang="en-US" dirty="0"/>
+              <a:t>The App view</a:t>
+            </a:r>
+          </a:p>
+        </p:txBody>
+      </p:sp>
+      <p:sp>
+        <p:nvSpPr>
+          <p:cNvPr id="3" name="TextBox 2"/>
+          <p:cNvSpPr txBox="1"/>
+          <p:nvPr/>
+        </p:nvSpPr>
+        <p:spPr>
+          <a:xfrm>
+            <a:off x="323850" y="1719604"/>
+            <a:ext cx="9746258" cy="2631490"/>
+          </a:xfrm>
+          <a:prstGeom prst="rect">
+            <a:avLst/>
+          </a:prstGeom>
+          <a:noFill/>
+        </p:spPr>
+        <p:txBody>
+          <a:bodyPr wrap="none" lIns="0" tIns="0" rIns="0" bIns="0" rtlCol="0">
+            <a:spAutoFit/>
+          </a:bodyPr>
+          <a:lstStyle/>
+          <a:p>
+            <a:pPr fontAlgn="base">
+              <a:spcBef>
+                <a:spcPct val="50000"/>
+              </a:spcBef>
+              <a:spcAft>
+                <a:spcPct val="0"/>
+              </a:spcAft>
+              <a:buClr>
+                <a:srgbClr val="F0AB00"/>
+              </a:buClr>
+              <a:buSzPct val="80000"/>
+            </a:pPr>
+            <a:r>
+              <a:rPr lang="en-US" sz="1800" kern="0" dirty="0">
+                <a:ea typeface="Arial Unicode MS" pitchFamily="34" charset="-128"/>
+                <a:cs typeface="Arial Unicode MS" pitchFamily="34" charset="-128"/>
+              </a:rPr>
+              <a:t>The App view doesn’t have a visual component but services as the root view for the application.</a:t>
+            </a:r>
+          </a:p>
+          <a:p>
+            <a:pPr fontAlgn="base">
+              <a:spcBef>
+                <a:spcPct val="50000"/>
+              </a:spcBef>
+              <a:spcAft>
+                <a:spcPct val="0"/>
+              </a:spcAft>
+              <a:buClr>
+                <a:srgbClr val="F0AB00"/>
+              </a:buClr>
+              <a:buSzPct val="80000"/>
+            </a:pPr>
+            <a:endParaRPr lang="en-US" sz="1800" kern="0" dirty="0">
+              <a:ea typeface="Arial Unicode MS" pitchFamily="34" charset="-128"/>
+              <a:cs typeface="Arial Unicode MS" pitchFamily="34" charset="-128"/>
+            </a:endParaRPr>
+          </a:p>
+          <a:p>
+            <a:pPr fontAlgn="base">
+              <a:spcBef>
+                <a:spcPct val="50000"/>
+              </a:spcBef>
+              <a:spcAft>
+                <a:spcPct val="0"/>
+              </a:spcAft>
+              <a:buClr>
+                <a:srgbClr val="F0AB00"/>
+              </a:buClr>
+              <a:buSzPct val="80000"/>
+            </a:pPr>
+            <a:r>
+              <a:rPr lang="en-US" sz="1800" kern="0" dirty="0">
+                <a:ea typeface="Arial Unicode MS" pitchFamily="34" charset="-128"/>
+                <a:cs typeface="Arial Unicode MS" pitchFamily="34" charset="-128"/>
+              </a:rPr>
+              <a:t>It defines the application object which, among other things, defines the basic structure of the </a:t>
+            </a:r>
+          </a:p>
+          <a:p>
+            <a:pPr fontAlgn="base">
+              <a:spcBef>
+                <a:spcPct val="50000"/>
+              </a:spcBef>
+              <a:spcAft>
+                <a:spcPct val="0"/>
+              </a:spcAft>
+              <a:buClr>
+                <a:srgbClr val="F0AB00"/>
+              </a:buClr>
+              <a:buSzPct val="80000"/>
+            </a:pPr>
+            <a:r>
+              <a:rPr lang="en-US" sz="1800" kern="0" dirty="0">
+                <a:ea typeface="Arial Unicode MS" pitchFamily="34" charset="-128"/>
+                <a:cs typeface="Arial Unicode MS" pitchFamily="34" charset="-128"/>
+              </a:rPr>
+              <a:t>application (full screen vs. master/detail).</a:t>
+            </a:r>
+          </a:p>
+          <a:p>
+            <a:pPr fontAlgn="base">
+              <a:spcBef>
+                <a:spcPct val="50000"/>
+              </a:spcBef>
+              <a:spcAft>
+                <a:spcPct val="0"/>
+              </a:spcAft>
+              <a:buClr>
+                <a:srgbClr val="F0AB00"/>
+              </a:buClr>
+              <a:buSzPct val="80000"/>
+            </a:pPr>
+            <a:endParaRPr lang="en-US" sz="1800" kern="0" dirty="0">
+              <a:ea typeface="Arial Unicode MS" pitchFamily="34" charset="-128"/>
+              <a:cs typeface="Arial Unicode MS" pitchFamily="34" charset="-128"/>
+            </a:endParaRPr>
+          </a:p>
+          <a:p>
+            <a:pPr fontAlgn="base">
+              <a:spcBef>
+                <a:spcPct val="50000"/>
+              </a:spcBef>
+              <a:spcAft>
+                <a:spcPct val="0"/>
+              </a:spcAft>
+              <a:buClr>
+                <a:srgbClr val="F0AB00"/>
+              </a:buClr>
+              <a:buSzPct val="80000"/>
+            </a:pPr>
+            <a:br>
+              <a:rPr lang="en-US" sz="1800" kern="0" dirty="0">
+                <a:ea typeface="Arial Unicode MS" pitchFamily="34" charset="-128"/>
+                <a:cs typeface="Arial Unicode MS" pitchFamily="34" charset="-128"/>
+              </a:rPr>
+            </a:br>
+            <a:endParaRPr lang="en-US" sz="1800" kern="0" dirty="0">
+              <a:ea typeface="Arial Unicode MS" pitchFamily="34" charset="-128"/>
+              <a:cs typeface="Arial Unicode MS" pitchFamily="34" charset="-128"/>
+            </a:endParaRPr>
           </a:p>
         </p:txBody>
       </p:sp>
       <p:pic>
         <p:nvPicPr>
-          <p:cNvPr id="3" name="Picture 2"/>
+          <p:cNvPr id="5" name="Picture 4"/>
           <p:cNvPicPr>
             <a:picLocks noChangeAspect="1"/>
           </p:cNvPicPr>
@@ -10541,89 +10832,18 @@
         </p:blipFill>
         <p:spPr>
           <a:xfrm>
-            <a:off x="5872562" y="2079644"/>
-            <a:ext cx="4686300" cy="3362325"/>
+            <a:off x="5872562" y="3294779"/>
+            <a:ext cx="5829471" cy="2160240"/>
           </a:xfrm>
           <a:prstGeom prst="rect">
             <a:avLst/>
           </a:prstGeom>
         </p:spPr>
       </p:pic>
-      <p:sp>
-        <p:nvSpPr>
-          <p:cNvPr id="4" name="TextBox 3"/>
-          <p:cNvSpPr txBox="1"/>
-          <p:nvPr/>
-        </p:nvSpPr>
-        <p:spPr>
-          <a:xfrm>
-            <a:off x="696987" y="2439684"/>
-            <a:ext cx="4591000" cy="553998"/>
-          </a:xfrm>
-          <a:prstGeom prst="rect">
-            <a:avLst/>
-          </a:prstGeom>
-          <a:noFill/>
-        </p:spPr>
-        <p:txBody>
-          <a:bodyPr wrap="none" lIns="0" tIns="0" rIns="0" bIns="0" rtlCol="0">
-            <a:spAutoFit/>
-          </a:bodyPr>
-          <a:lstStyle/>
-          <a:p>
-            <a:pPr fontAlgn="base">
-              <a:spcBef>
-                <a:spcPct val="50000"/>
-              </a:spcBef>
-              <a:spcAft>
-                <a:spcPct val="0"/>
-              </a:spcAft>
-              <a:buClr>
-                <a:srgbClr val="F0AB00"/>
-              </a:buClr>
-              <a:buSzPct val="80000"/>
-            </a:pPr>
-            <a:r>
-              <a:rPr lang="en-US" sz="1800" kern="0" dirty="0" smtClean="0">
-                <a:ea typeface="Arial Unicode MS" pitchFamily="34" charset="-128"/>
-                <a:cs typeface="Arial Unicode MS" pitchFamily="34" charset="-128"/>
-              </a:rPr>
-              <a:t>The </a:t>
-            </a:r>
-            <a:r>
-              <a:rPr lang="en-US" sz="1800" kern="0" dirty="0" err="1" smtClean="0">
-                <a:ea typeface="Arial Unicode MS" pitchFamily="34" charset="-128"/>
-                <a:cs typeface="Arial Unicode MS" pitchFamily="34" charset="-128"/>
-              </a:rPr>
-              <a:t>createContent</a:t>
-            </a:r>
-            <a:r>
-              <a:rPr lang="en-US" sz="1800" kern="0" dirty="0" smtClean="0">
-                <a:ea typeface="Arial Unicode MS" pitchFamily="34" charset="-128"/>
-                <a:cs typeface="Arial Unicode MS" pitchFamily="34" charset="-128"/>
-              </a:rPr>
-              <a:t>() function loads the App</a:t>
-            </a:r>
-            <a:br>
-              <a:rPr lang="en-US" sz="1800" kern="0" dirty="0" smtClean="0">
-                <a:ea typeface="Arial Unicode MS" pitchFamily="34" charset="-128"/>
-                <a:cs typeface="Arial Unicode MS" pitchFamily="34" charset="-128"/>
-              </a:rPr>
-            </a:br>
-            <a:r>
-              <a:rPr lang="en-US" sz="1800" kern="0" dirty="0" smtClean="0">
-                <a:ea typeface="Arial Unicode MS" pitchFamily="34" charset="-128"/>
-                <a:cs typeface="Arial Unicode MS" pitchFamily="34" charset="-128"/>
-              </a:rPr>
-              <a:t>view which is the root view of the application.</a:t>
-            </a:r>
-          </a:p>
-        </p:txBody>
-      </p:sp>
     </p:spTree>
     <p:extLst>
       <p:ext uri="{BB962C8B-B14F-4D97-AF65-F5344CB8AC3E}">
-        <p14:creationId xmlns:p14="http://schemas.microsoft.com/office/powerpoint/2010/main" val="5720142"/>
+        <p14:creationId xmlns:p14="http://schemas.microsoft.com/office/powerpoint/2010/main" val="2896587418"/>
       </p:ext>
     </p:extLst>
   </p:cSld>
@@ -10666,285 +10886,121 @@
           <a:lstStyle/>
           <a:p>
             <a:r>
-              <a:rPr lang="en-US" dirty="0" smtClean="0"/>
-              <a:t>The App view</a:t>
-            </a:r>
-            <a:endParaRPr lang="en-US" dirty="0"/>
-          </a:p>
-        </p:txBody>
-      </p:sp>
-      <p:sp>
-        <p:nvSpPr>
-          <p:cNvPr id="3" name="TextBox 2"/>
-          <p:cNvSpPr txBox="1"/>
-          <p:nvPr/>
+              <a:rPr lang="en-US" dirty="0"/>
+              <a:t>Helpful Links</a:t>
+            </a:r>
+          </a:p>
+        </p:txBody>
+      </p:sp>
+      <p:sp>
+        <p:nvSpPr>
+          <p:cNvPr id="3" name="Content Placeholder 2"/>
+          <p:cNvSpPr>
+            <a:spLocks noGrp="1"/>
+          </p:cNvSpPr>
+          <p:nvPr>
+            <p:ph sz="quarter" idx="1"/>
+          </p:nvPr>
         </p:nvSpPr>
         <p:spPr>
           <a:xfrm>
-            <a:off x="323850" y="1719604"/>
-            <a:ext cx="9746258" cy="4570482"/>
-          </a:xfrm>
-          <a:prstGeom prst="rect">
-            <a:avLst/>
-          </a:prstGeom>
-          <a:noFill/>
-        </p:spPr>
-        <p:txBody>
-          <a:bodyPr wrap="none" lIns="0" tIns="0" rIns="0" bIns="0" rtlCol="0">
-            <a:spAutoFit/>
+            <a:off x="324000" y="1404570"/>
+            <a:ext cx="11545200" cy="4905544"/>
+          </a:xfrm>
+        </p:spPr>
+        <p:txBody>
+          <a:bodyPr>
+            <a:noAutofit/>
           </a:bodyPr>
           <a:lstStyle/>
           <a:p>
-            <a:pPr fontAlgn="base">
-              <a:spcBef>
-                <a:spcPct val="50000"/>
-              </a:spcBef>
-              <a:spcAft>
-                <a:spcPct val="0"/>
-              </a:spcAft>
-              <a:buClr>
-                <a:srgbClr val="F0AB00"/>
-              </a:buClr>
-              <a:buSzPct val="80000"/>
-            </a:pPr>
-            <a:r>
-              <a:rPr lang="en-US" sz="1800" kern="0" dirty="0" smtClean="0">
-                <a:ea typeface="Arial Unicode MS" pitchFamily="34" charset="-128"/>
-                <a:cs typeface="Arial Unicode MS" pitchFamily="34" charset="-128"/>
-              </a:rPr>
-              <a:t>The App view doesn’t have a visual component but services as the root view for the application.</a:t>
-            </a:r>
-          </a:p>
-          <a:p>
-            <a:pPr fontAlgn="base">
-              <a:spcBef>
-                <a:spcPct val="50000"/>
-              </a:spcBef>
-              <a:spcAft>
-                <a:spcPct val="0"/>
-              </a:spcAft>
-              <a:buClr>
-                <a:srgbClr val="F0AB00"/>
-              </a:buClr>
-              <a:buSzPct val="80000"/>
-            </a:pPr>
-            <a:endParaRPr lang="en-US" sz="1800" kern="0" dirty="0">
-              <a:ea typeface="Arial Unicode MS" pitchFamily="34" charset="-128"/>
-              <a:cs typeface="Arial Unicode MS" pitchFamily="34" charset="-128"/>
-            </a:endParaRPr>
-          </a:p>
-          <a:p>
-            <a:pPr fontAlgn="base">
-              <a:spcBef>
-                <a:spcPct val="50000"/>
-              </a:spcBef>
-              <a:spcAft>
-                <a:spcPct val="0"/>
-              </a:spcAft>
-              <a:buClr>
-                <a:srgbClr val="F0AB00"/>
-              </a:buClr>
-              <a:buSzPct val="80000"/>
-            </a:pPr>
-            <a:r>
-              <a:rPr lang="en-US" sz="1800" kern="0" dirty="0" smtClean="0">
-                <a:ea typeface="Arial Unicode MS" pitchFamily="34" charset="-128"/>
-                <a:cs typeface="Arial Unicode MS" pitchFamily="34" charset="-128"/>
-              </a:rPr>
-              <a:t>It defines the application object which, among other things, defines the basic structure of the </a:t>
-            </a:r>
-          </a:p>
-          <a:p>
-            <a:pPr fontAlgn="base">
-              <a:spcBef>
-                <a:spcPct val="50000"/>
-              </a:spcBef>
-              <a:spcAft>
-                <a:spcPct val="0"/>
-              </a:spcAft>
-              <a:buClr>
-                <a:srgbClr val="F0AB00"/>
-              </a:buClr>
-              <a:buSzPct val="80000"/>
-            </a:pPr>
-            <a:r>
-              <a:rPr lang="en-US" sz="1800" kern="0" dirty="0" smtClean="0">
-                <a:ea typeface="Arial Unicode MS" pitchFamily="34" charset="-128"/>
-                <a:cs typeface="Arial Unicode MS" pitchFamily="34" charset="-128"/>
-              </a:rPr>
-              <a:t>application (full screen vs. master/detail).</a:t>
-            </a:r>
-          </a:p>
-          <a:p>
-            <a:pPr fontAlgn="base">
-              <a:spcBef>
-                <a:spcPct val="50000"/>
-              </a:spcBef>
-              <a:spcAft>
-                <a:spcPct val="0"/>
-              </a:spcAft>
-              <a:buClr>
-                <a:srgbClr val="F0AB00"/>
-              </a:buClr>
-              <a:buSzPct val="80000"/>
-            </a:pPr>
-            <a:endParaRPr lang="en-US" sz="1800" kern="0" dirty="0">
-              <a:ea typeface="Arial Unicode MS" pitchFamily="34" charset="-128"/>
-              <a:cs typeface="Arial Unicode MS" pitchFamily="34" charset="-128"/>
-            </a:endParaRPr>
-          </a:p>
-          <a:p>
-            <a:pPr fontAlgn="base">
-              <a:spcBef>
-                <a:spcPct val="50000"/>
-              </a:spcBef>
-              <a:spcAft>
-                <a:spcPct val="0"/>
-              </a:spcAft>
-              <a:buClr>
-                <a:srgbClr val="F0AB00"/>
-              </a:buClr>
-              <a:buSzPct val="80000"/>
-            </a:pPr>
-            <a:r>
-              <a:rPr lang="en-US" sz="1800" kern="0" dirty="0" smtClean="0">
-                <a:ea typeface="Arial Unicode MS" pitchFamily="34" charset="-128"/>
-                <a:cs typeface="Arial Unicode MS" pitchFamily="34" charset="-128"/>
-              </a:rPr>
-              <a:t>In simple applications, it may load the initial visible </a:t>
+            <a:r>
+              <a:rPr lang="en-US" dirty="0"/>
+              <a:t>SAPUI5 Developer Center</a:t>
+            </a:r>
+          </a:p>
+          <a:p>
+            <a:pPr lvl="1"/>
+            <a:r>
+              <a:rPr lang="en-US" dirty="0">
+                <a:hlinkClick r:id="rId2"/>
+              </a:rPr>
+              <a:t>http://scn.sap.com/community/developer-center/front-end</a:t>
+            </a:r>
+            <a:endParaRPr lang="en-US" dirty="0"/>
+          </a:p>
+          <a:p>
+            <a:pPr lvl="1"/>
+            <a:endParaRPr lang="en-US" dirty="0"/>
+          </a:p>
+          <a:p>
+            <a:r>
+              <a:rPr lang="en-US" dirty="0"/>
+              <a:t>Documentation and Demo Kit</a:t>
+            </a:r>
+          </a:p>
+          <a:p>
+            <a:pPr lvl="1"/>
+            <a:r>
+              <a:rPr lang="en-US" dirty="0">
+                <a:hlinkClick r:id="rId3"/>
+              </a:rPr>
+              <a:t>https://sapui5.hana.ondemand.com/sdk/#content/Overview.html</a:t>
+            </a:r>
+            <a:endParaRPr lang="en-US" dirty="0"/>
+          </a:p>
+          <a:p>
+            <a:pPr lvl="1"/>
+            <a:endParaRPr lang="en-US" dirty="0"/>
+          </a:p>
+          <a:p>
+            <a:r>
+              <a:rPr lang="en-US" dirty="0"/>
+              <a:t>Install SAPUI5</a:t>
+            </a:r>
+          </a:p>
+          <a:p>
+            <a:pPr lvl="1"/>
+            <a:r>
+              <a:rPr lang="en-US" dirty="0">
+                <a:hlinkClick r:id="rId4"/>
+              </a:rPr>
+              <a:t>https://tools.hana.ondemand.com/#sapui5</a:t>
+            </a:r>
+            <a:endParaRPr lang="en-US" dirty="0"/>
+          </a:p>
+          <a:p>
+            <a:pPr lvl="1"/>
+            <a:endParaRPr lang="en-US" dirty="0"/>
+          </a:p>
+          <a:p>
+            <a:r>
+              <a:rPr lang="en-US" dirty="0"/>
+              <a:t>Install OpenUI5</a:t>
+            </a:r>
+          </a:p>
+          <a:p>
+            <a:pPr lvl="1"/>
+            <a:r>
+              <a:rPr lang="en-US" dirty="0">
+                <a:hlinkClick r:id="rId5"/>
+              </a:rPr>
+              <a:t>http://sap.github.io/openui5/index.html</a:t>
             </a:r>
             <a:br>
-              <a:rPr lang="en-US" sz="1800" kern="0" dirty="0" smtClean="0">
-                <a:ea typeface="Arial Unicode MS" pitchFamily="34" charset="-128"/>
-                <a:cs typeface="Arial Unicode MS" pitchFamily="34" charset="-128"/>
-              </a:rPr>
+              <a:rPr lang="en-US" dirty="0"/>
             </a:br>
-            <a:r>
-              <a:rPr lang="en-US" sz="1800" kern="0" dirty="0" smtClean="0">
-                <a:ea typeface="Arial Unicode MS" pitchFamily="34" charset="-128"/>
-                <a:cs typeface="Arial Unicode MS" pitchFamily="34" charset="-128"/>
-              </a:rPr>
-              <a:t>view.</a:t>
-            </a:r>
-          </a:p>
-          <a:p>
-            <a:pPr fontAlgn="base">
-              <a:spcBef>
-                <a:spcPct val="50000"/>
-              </a:spcBef>
-              <a:spcAft>
-                <a:spcPct val="0"/>
-              </a:spcAft>
-              <a:buClr>
-                <a:srgbClr val="F0AB00"/>
-              </a:buClr>
-              <a:buSzPct val="80000"/>
-            </a:pPr>
-            <a:endParaRPr lang="en-US" sz="1800" kern="0" dirty="0">
-              <a:ea typeface="Arial Unicode MS" pitchFamily="34" charset="-128"/>
-              <a:cs typeface="Arial Unicode MS" pitchFamily="34" charset="-128"/>
-            </a:endParaRPr>
-          </a:p>
-          <a:p>
-            <a:pPr fontAlgn="base">
-              <a:spcBef>
-                <a:spcPct val="50000"/>
-              </a:spcBef>
-              <a:spcAft>
-                <a:spcPct val="0"/>
-              </a:spcAft>
-              <a:buClr>
-                <a:srgbClr val="F0AB00"/>
-              </a:buClr>
-              <a:buSzPct val="80000"/>
-            </a:pPr>
-            <a:r>
-              <a:rPr lang="en-US" sz="1800" kern="0" dirty="0" smtClean="0">
-                <a:ea typeface="Arial Unicode MS" pitchFamily="34" charset="-128"/>
-                <a:cs typeface="Arial Unicode MS" pitchFamily="34" charset="-128"/>
-              </a:rPr>
-              <a:t>Note the use of the ui5 namespace defined in the</a:t>
-            </a:r>
             <a:br>
-              <a:rPr lang="en-US" sz="1800" kern="0" dirty="0" smtClean="0">
-                <a:ea typeface="Arial Unicode MS" pitchFamily="34" charset="-128"/>
-                <a:cs typeface="Arial Unicode MS" pitchFamily="34" charset="-128"/>
-              </a:rPr>
+              <a:rPr lang="en-US" dirty="0"/>
             </a:br>
-            <a:r>
-              <a:rPr lang="en-US" sz="1800" kern="0" dirty="0" smtClean="0">
-                <a:ea typeface="Arial Unicode MS" pitchFamily="34" charset="-128"/>
-                <a:cs typeface="Arial Unicode MS" pitchFamily="34" charset="-128"/>
-              </a:rPr>
-              <a:t>index.html file.  SAPUI5 will look in the view folder </a:t>
-            </a:r>
-            <a:br>
-              <a:rPr lang="en-US" sz="1800" kern="0" dirty="0" smtClean="0">
-                <a:ea typeface="Arial Unicode MS" pitchFamily="34" charset="-128"/>
-                <a:cs typeface="Arial Unicode MS" pitchFamily="34" charset="-128"/>
-              </a:rPr>
-            </a:br>
-            <a:r>
-              <a:rPr lang="en-US" sz="1800" kern="0" dirty="0" smtClean="0">
-                <a:ea typeface="Arial Unicode MS" pitchFamily="34" charset="-128"/>
-                <a:cs typeface="Arial Unicode MS" pitchFamily="34" charset="-128"/>
-              </a:rPr>
-              <a:t>located in the projects root folder to find the</a:t>
-            </a:r>
-            <a:br>
-              <a:rPr lang="en-US" sz="1800" kern="0" dirty="0" smtClean="0">
-                <a:ea typeface="Arial Unicode MS" pitchFamily="34" charset="-128"/>
-                <a:cs typeface="Arial Unicode MS" pitchFamily="34" charset="-128"/>
-              </a:rPr>
-            </a:br>
-            <a:r>
-              <a:rPr lang="en-US" sz="1800" kern="0" dirty="0" smtClean="0">
-                <a:ea typeface="Arial Unicode MS" pitchFamily="34" charset="-128"/>
-                <a:cs typeface="Arial Unicode MS" pitchFamily="34" charset="-128"/>
-              </a:rPr>
-              <a:t>App.view.js file.</a:t>
-            </a:r>
-            <a:br>
-              <a:rPr lang="en-US" sz="1800" kern="0" dirty="0" smtClean="0">
-                <a:ea typeface="Arial Unicode MS" pitchFamily="34" charset="-128"/>
-                <a:cs typeface="Arial Unicode MS" pitchFamily="34" charset="-128"/>
-              </a:rPr>
-            </a:br>
-            <a:endParaRPr lang="en-US" sz="1800" kern="0" dirty="0" smtClean="0">
-              <a:ea typeface="Arial Unicode MS" pitchFamily="34" charset="-128"/>
-              <a:cs typeface="Arial Unicode MS" pitchFamily="34" charset="-128"/>
-            </a:endParaRPr>
-          </a:p>
-        </p:txBody>
-      </p:sp>
-      <p:pic>
-        <p:nvPicPr>
-          <p:cNvPr id="4" name="Picture 3"/>
-          <p:cNvPicPr>
-            <a:picLocks noChangeAspect="1"/>
-          </p:cNvPicPr>
-          <p:nvPr/>
-        </p:nvPicPr>
-        <p:blipFill>
-          <a:blip r:embed="rId2"/>
-          <a:stretch>
-            <a:fillRect/>
-          </a:stretch>
-        </p:blipFill>
-        <p:spPr>
-          <a:xfrm>
-            <a:off x="5923715" y="3114759"/>
-            <a:ext cx="5832655" cy="3380374"/>
-          </a:xfrm>
-          <a:prstGeom prst="rect">
-            <a:avLst/>
-          </a:prstGeom>
-        </p:spPr>
-      </p:pic>
+            <a:endParaRPr lang="en-US" dirty="0"/>
+          </a:p>
+        </p:txBody>
+      </p:sp>
     </p:spTree>
     <p:extLst>
       <p:ext uri="{BB962C8B-B14F-4D97-AF65-F5344CB8AC3E}">
-        <p14:creationId xmlns:p14="http://schemas.microsoft.com/office/powerpoint/2010/main" val="2896587418"/>
+        <p14:creationId xmlns:p14="http://schemas.microsoft.com/office/powerpoint/2010/main" val="1675763939"/>
       </p:ext>
     </p:extLst>
   </p:cSld>
@@ -10955,191 +11011,6 @@
 </file>
 
 <file path=ppt/slides/slide25.xml><?xml version="1.0" encoding="utf-8"?>
-<p:sld xmlns:a="http://schemas.openxmlformats.org/drawingml/2006/main" xmlns:r="http://schemas.openxmlformats.org/officeDocument/2006/relationships" xmlns:p="http://schemas.openxmlformats.org/presentationml/2006/main">
-  <p:cSld>
-    <p:spTree>
-      <p:nvGrpSpPr>
-        <p:cNvPr id="1" name=""/>
-        <p:cNvGrpSpPr/>
-        <p:nvPr/>
-      </p:nvGrpSpPr>
-      <p:grpSpPr>
-        <a:xfrm>
-          <a:off x="0" y="0"/>
-          <a:ext cx="0" cy="0"/>
-          <a:chOff x="0" y="0"/>
-          <a:chExt cx="0" cy="0"/>
-        </a:xfrm>
-      </p:grpSpPr>
-      <p:sp>
-        <p:nvSpPr>
-          <p:cNvPr id="2" name="Title 1"/>
-          <p:cNvSpPr>
-            <a:spLocks noGrp="1"/>
-          </p:cNvSpPr>
-          <p:nvPr>
-            <p:ph type="title"/>
-          </p:nvPr>
-        </p:nvSpPr>
-        <p:spPr/>
-        <p:txBody>
-          <a:bodyPr/>
-          <a:lstStyle/>
-          <a:p>
-            <a:r>
-              <a:rPr lang="en-US" dirty="0" smtClean="0"/>
-              <a:t>Helpful Links</a:t>
-            </a:r>
-            <a:endParaRPr lang="en-US" dirty="0"/>
-          </a:p>
-        </p:txBody>
-      </p:sp>
-      <p:sp>
-        <p:nvSpPr>
-          <p:cNvPr id="3" name="Content Placeholder 2"/>
-          <p:cNvSpPr>
-            <a:spLocks noGrp="1"/>
-          </p:cNvSpPr>
-          <p:nvPr>
-            <p:ph sz="quarter" idx="1"/>
-          </p:nvPr>
-        </p:nvSpPr>
-        <p:spPr>
-          <a:xfrm>
-            <a:off x="324000" y="1404570"/>
-            <a:ext cx="11545200" cy="4905544"/>
-          </a:xfrm>
-        </p:spPr>
-        <p:txBody>
-          <a:bodyPr>
-            <a:noAutofit/>
-          </a:bodyPr>
-          <a:lstStyle/>
-          <a:p>
-            <a:r>
-              <a:rPr lang="en-US" dirty="0" smtClean="0"/>
-              <a:t>SAPUI5 Developer Center</a:t>
-            </a:r>
-          </a:p>
-          <a:p>
-            <a:pPr lvl="1"/>
-            <a:r>
-              <a:rPr lang="en-US" dirty="0">
-                <a:hlinkClick r:id="rId2"/>
-              </a:rPr>
-              <a:t>http://scn.sap.com/community/developer-center/front-end</a:t>
-            </a:r>
-            <a:endParaRPr lang="en-US" dirty="0" smtClean="0"/>
-          </a:p>
-          <a:p>
-            <a:pPr lvl="1"/>
-            <a:endParaRPr lang="en-US" dirty="0"/>
-          </a:p>
-          <a:p>
-            <a:r>
-              <a:rPr lang="en-US" dirty="0" smtClean="0"/>
-              <a:t>Documentation and Demo Kit</a:t>
-            </a:r>
-          </a:p>
-          <a:p>
-            <a:pPr lvl="1"/>
-            <a:r>
-              <a:rPr lang="en-US" dirty="0">
-                <a:hlinkClick r:id="rId3"/>
-              </a:rPr>
-              <a:t>https://sapui5.hana.ondemand.com/sdk/#</a:t>
-            </a:r>
-            <a:r>
-              <a:rPr lang="en-US" dirty="0" smtClean="0">
-                <a:hlinkClick r:id="rId3"/>
-              </a:rPr>
-              <a:t>content/Overview.html</a:t>
-            </a:r>
-            <a:endParaRPr lang="en-US" dirty="0" smtClean="0"/>
-          </a:p>
-          <a:p>
-            <a:pPr lvl="1"/>
-            <a:endParaRPr lang="en-US" dirty="0"/>
-          </a:p>
-          <a:p>
-            <a:r>
-              <a:rPr lang="en-US" dirty="0" smtClean="0"/>
-              <a:t>Install SAPUI5</a:t>
-            </a:r>
-          </a:p>
-          <a:p>
-            <a:pPr lvl="1"/>
-            <a:r>
-              <a:rPr lang="en-US" dirty="0">
-                <a:hlinkClick r:id="rId4"/>
-              </a:rPr>
-              <a:t>https://tools.hana.ondemand.com/#</a:t>
-            </a:r>
-            <a:r>
-              <a:rPr lang="en-US" dirty="0" smtClean="0">
-                <a:hlinkClick r:id="rId4"/>
-              </a:rPr>
-              <a:t>sapui5</a:t>
-            </a:r>
-            <a:endParaRPr lang="en-US" dirty="0" smtClean="0"/>
-          </a:p>
-          <a:p>
-            <a:pPr lvl="1"/>
-            <a:endParaRPr lang="en-US" dirty="0" smtClean="0"/>
-          </a:p>
-          <a:p>
-            <a:r>
-              <a:rPr lang="en-US" dirty="0" smtClean="0"/>
-              <a:t>Install OpenUI5</a:t>
-            </a:r>
-          </a:p>
-          <a:p>
-            <a:pPr lvl="1"/>
-            <a:r>
-              <a:rPr lang="en-US" dirty="0">
-                <a:hlinkClick r:id="rId5"/>
-              </a:rPr>
-              <a:t>http://sap.github.io/openui5/index.html</a:t>
-            </a:r>
-            <a:r>
-              <a:rPr lang="en-US" dirty="0" smtClean="0"/>
-              <a:t/>
-            </a:r>
-            <a:br>
-              <a:rPr lang="en-US" dirty="0" smtClean="0"/>
-            </a:br>
-            <a:r>
-              <a:rPr lang="en-US" dirty="0" smtClean="0"/>
-              <a:t/>
-            </a:r>
-            <a:br>
-              <a:rPr lang="en-US" dirty="0" smtClean="0"/>
-            </a:br>
-            <a:endParaRPr lang="en-US" dirty="0"/>
-          </a:p>
-        </p:txBody>
-      </p:sp>
-    </p:spTree>
-    <p:extLst>
-      <p:ext uri="{BB962C8B-B14F-4D97-AF65-F5344CB8AC3E}">
-        <p14:creationId xmlns:p14="http://schemas.microsoft.com/office/powerpoint/2010/main" val="1675763939"/>
-      </p:ext>
-    </p:extLst>
-  </p:cSld>
-  <p:clrMapOvr>
-    <a:masterClrMapping/>
-  </p:clrMapOvr>
-  <p:timing>
-    <p:tnLst>
-      <p:par>
-        <p:cTn id="1" dur="indefinite" restart="never" nodeType="tmRoot"/>
-      </p:par>
-    </p:tnLst>
-  </p:timing>
-</p:sld>
-</file>
-
-<file path=ppt/slides/slide26.xml><?xml version="1.0" encoding="utf-8"?>
 <p:sld xmlns:a="http://schemas.openxmlformats.org/drawingml/2006/main" xmlns:r="http://schemas.openxmlformats.org/officeDocument/2006/relationships" xmlns:p="http://schemas.openxmlformats.org/presentationml/2006/main">
   <p:cSld>
     <p:spTree>
@@ -11167,13 +11038,6 @@
     <a:masterClrMapping/>
   </p:clrMapOvr>
   <p:transition spd="med"/>
-  <p:timing>
-    <p:tnLst>
-      <p:par>
-        <p:cTn id="1" dur="indefinite" restart="never" nodeType="tmRoot"/>
-      </p:par>
-    </p:tnLst>
-  </p:timing>
 </p:sld>
 </file>
 
@@ -11210,10 +11074,9 @@
           <a:lstStyle/>
           <a:p>
             <a:r>
-              <a:rPr lang="en-US" dirty="0" smtClean="0"/>
+              <a:rPr lang="en-US" dirty="0"/>
               <a:t>SAPUI5</a:t>
             </a:r>
-            <a:endParaRPr lang="en-US" dirty="0"/>
           </a:p>
         </p:txBody>
       </p:sp>
@@ -11282,10 +11145,9 @@
           <a:lstStyle/>
           <a:p>
             <a:r>
-              <a:rPr lang="en-US" dirty="0" smtClean="0"/>
+              <a:rPr lang="en-US" dirty="0"/>
               <a:t>SAPUI5 / OpenUI5</a:t>
             </a:r>
-            <a:endParaRPr lang="en-US" dirty="0"/>
           </a:p>
         </p:txBody>
       </p:sp>
@@ -11314,7 +11176,7 @@
               <a:buChar char="•"/>
             </a:pPr>
             <a:r>
-              <a:rPr lang="en-US" dirty="0" smtClean="0"/>
+              <a:rPr lang="en-US" dirty="0"/>
               <a:t>SAP UI5 is a toolkit for developing client applications on both mobile and desktop platforms</a:t>
             </a:r>
           </a:p>
@@ -11324,7 +11186,7 @@
               <a:buChar char="•"/>
             </a:pPr>
             <a:r>
-              <a:rPr lang="en-US" dirty="0" smtClean="0"/>
+              <a:rPr lang="en-US" dirty="0"/>
               <a:t>Based on JavaScript and JQuery, SAPUI5 is a HTML5 rendering engine with a large library of simple and complex controls</a:t>
             </a:r>
           </a:p>
@@ -11334,16 +11196,8 @@
               <a:buChar char="•"/>
             </a:pPr>
             <a:r>
-              <a:rPr lang="en-US" dirty="0" smtClean="0"/>
-              <a:t>It supports the Model-View-Controller concept and declarative </a:t>
-            </a:r>
-            <a:r>
               <a:rPr lang="en-US" dirty="0"/>
-              <a:t>UI </a:t>
-            </a:r>
-            <a:r>
-              <a:rPr lang="en-US" dirty="0" smtClean="0"/>
-              <a:t>construction</a:t>
+              <a:t>It supports the Model-View-Controller concept and declarative UI construction</a:t>
             </a:r>
           </a:p>
           <a:p>
@@ -11352,12 +11206,8 @@
               <a:buChar char="•"/>
             </a:pPr>
             <a:r>
-              <a:rPr lang="en-US" dirty="0" smtClean="0"/>
-              <a:t>OpenUI5 is an open source version freely available under the </a:t>
-            </a:r>
-            <a:r>
               <a:rPr lang="en-US" dirty="0"/>
-              <a:t>Apache 2.0 Open Source license</a:t>
+              <a:t>OpenUI5 is an open source version freely available under the Apache 2.0 Open Source license</a:t>
             </a:r>
           </a:p>
         </p:txBody>
@@ -11424,13 +11274,6 @@
   <p:clrMapOvr>
     <a:masterClrMapping/>
   </p:clrMapOvr>
-  <p:timing>
-    <p:tnLst>
-      <p:par>
-        <p:cTn id="1" dur="indefinite" restart="never" nodeType="tmRoot"/>
-      </p:par>
-    </p:tnLst>
-  </p:timing>
 </p:sld>
 </file>
 
@@ -11467,10 +11310,9 @@
           <a:lstStyle/>
           <a:p>
             <a:r>
-              <a:rPr lang="en-US" dirty="0" smtClean="0"/>
+              <a:rPr lang="en-US" dirty="0"/>
               <a:t>Model-View-Controller</a:t>
             </a:r>
-            <a:endParaRPr lang="en-US" dirty="0"/>
           </a:p>
         </p:txBody>
       </p:sp>
@@ -11539,10 +11381,9 @@
           <a:lstStyle/>
           <a:p>
             <a:r>
-              <a:rPr lang="en-US" dirty="0" smtClean="0"/>
+              <a:rPr lang="en-US" dirty="0"/>
               <a:t>Model-View-Controller</a:t>
             </a:r>
-            <a:endParaRPr lang="en-US" dirty="0"/>
           </a:p>
         </p:txBody>
       </p:sp>
@@ -11567,64 +11408,64 @@
           <a:lstStyle/>
           <a:p>
             <a:r>
-              <a:rPr lang="en-US" dirty="0" smtClean="0"/>
+              <a:rPr lang="en-US" dirty="0"/>
               <a:t>The MVC programming paradigm divides a program into three parts in order to separate the representation of data from the presentation of the data.</a:t>
             </a:r>
             <a:br>
-              <a:rPr lang="en-US" dirty="0" smtClean="0"/>
+              <a:rPr lang="en-US" dirty="0"/>
             </a:br>
-            <a:endParaRPr lang="en-US" dirty="0" smtClean="0"/>
+            <a:endParaRPr lang="en-US" dirty="0"/>
           </a:p>
           <a:p>
             <a:pPr lvl="3"/>
             <a:r>
-              <a:rPr lang="en-US" dirty="0" smtClean="0"/>
+              <a:rPr lang="en-US" dirty="0"/>
               <a:t>The </a:t>
             </a:r>
             <a:r>
-              <a:rPr lang="en-US" b="1" dirty="0" smtClean="0"/>
+              <a:rPr lang="en-US" b="1" dirty="0"/>
               <a:t>Model</a:t>
             </a:r>
             <a:r>
-              <a:rPr lang="en-US" dirty="0" smtClean="0"/>
+              <a:rPr lang="en-US" dirty="0"/>
               <a:t> manages the data and connections to data sources, notifying the View and Controller when data has changed.</a:t>
             </a:r>
             <a:br>
-              <a:rPr lang="en-US" dirty="0" smtClean="0"/>
+              <a:rPr lang="en-US" dirty="0"/>
             </a:br>
-            <a:endParaRPr lang="en-US" dirty="0" smtClean="0"/>
+            <a:endParaRPr lang="en-US" dirty="0"/>
           </a:p>
           <a:p>
             <a:pPr lvl="3"/>
             <a:r>
-              <a:rPr lang="en-US" dirty="0" smtClean="0"/>
+              <a:rPr lang="en-US" dirty="0"/>
               <a:t>The </a:t>
             </a:r>
             <a:r>
-              <a:rPr lang="en-US" b="1" dirty="0" smtClean="0"/>
+              <a:rPr lang="en-US" b="1" dirty="0"/>
               <a:t>View </a:t>
             </a:r>
             <a:r>
-              <a:rPr lang="en-US" dirty="0" smtClean="0"/>
+              <a:rPr lang="en-US" dirty="0"/>
               <a:t>creates the user interface. Views are bounded to Models and represent the data for the user.</a:t>
             </a:r>
             <a:br>
-              <a:rPr lang="en-US" dirty="0" smtClean="0"/>
+              <a:rPr lang="en-US" dirty="0"/>
             </a:br>
-            <a:endParaRPr lang="en-US" dirty="0" smtClean="0"/>
+            <a:endParaRPr lang="en-US" dirty="0"/>
           </a:p>
           <a:p>
             <a:pPr lvl="3"/>
             <a:r>
-              <a:rPr lang="en-US" dirty="0" smtClean="0"/>
+              <a:rPr lang="en-US" dirty="0"/>
               <a:t>The </a:t>
             </a:r>
             <a:r>
-              <a:rPr lang="en-US" b="1" dirty="0" smtClean="0"/>
+              <a:rPr lang="en-US" b="1" dirty="0"/>
               <a:t>Controller </a:t>
             </a:r>
             <a:r>
-              <a:rPr lang="en-US" dirty="0" smtClean="0"/>
+              <a:rPr lang="en-US" dirty="0"/>
               <a:t>contains the control logic and manages the interaction between the View and the Model.</a:t>
             </a:r>
           </a:p>
@@ -11635,10 +11476,9 @@
           <a:p>
             <a:pPr lvl="1"/>
             <a:r>
-              <a:rPr lang="en-US" dirty="0" smtClean="0"/>
+              <a:rPr lang="en-US" dirty="0"/>
               <a:t>By separating the user interface from the data and logic, the MVC paradigm produces applications that are easier to create and to maintain.  For example, it’s relatively easy to create a new user interface for a MVC app since it is a separate component. </a:t>
             </a:r>
-            <a:endParaRPr lang="en-US" dirty="0"/>
           </a:p>
         </p:txBody>
       </p:sp>
@@ -11652,13 +11492,6 @@
   <p:clrMapOvr>
     <a:masterClrMapping/>
   </p:clrMapOvr>
-  <p:timing>
-    <p:tnLst>
-      <p:par>
-        <p:cTn id="1" dur="indefinite" restart="never" nodeType="tmRoot"/>
-      </p:par>
-    </p:tnLst>
-  </p:timing>
 </p:sld>
 </file>
 
@@ -11695,10 +11528,9 @@
           <a:lstStyle/>
           <a:p>
             <a:r>
-              <a:rPr lang="en-US" dirty="0" smtClean="0"/>
+              <a:rPr lang="en-US" dirty="0"/>
               <a:t>Model-View-Controller</a:t>
             </a:r>
-            <a:endParaRPr lang="en-US" dirty="0"/>
           </a:p>
         </p:txBody>
       </p:sp>
@@ -11753,13 +11585,6 @@
   <p:clrMapOvr>
     <a:masterClrMapping/>
   </p:clrMapOvr>
-  <p:timing>
-    <p:tnLst>
-      <p:par>
-        <p:cTn id="1" dur="indefinite" restart="never" nodeType="tmRoot"/>
-      </p:par>
-    </p:tnLst>
-  </p:timing>
 </p:sld>
 </file>
 
@@ -11796,10 +11621,9 @@
           <a:lstStyle/>
           <a:p>
             <a:r>
-              <a:rPr lang="en-US" dirty="0" smtClean="0"/>
+              <a:rPr lang="en-US" dirty="0"/>
               <a:t>The Model</a:t>
             </a:r>
-            <a:endParaRPr lang="en-US" dirty="0"/>
           </a:p>
         </p:txBody>
       </p:sp>
@@ -11824,10 +11648,9 @@
           <a:lstStyle/>
           <a:p>
             <a:r>
-              <a:rPr lang="en-US" dirty="0" smtClean="0"/>
+              <a:rPr lang="en-US" dirty="0"/>
               <a:t>Models are used to manage application data.  Currently SAPUI5 supports data in XML, JSON and OData format and you can create your own implementation if necessary.</a:t>
             </a:r>
-            <a:endParaRPr lang="en-US" dirty="0"/>
           </a:p>
         </p:txBody>
       </p:sp>
@@ -11840,7 +11663,7 @@
         <p:spPr>
           <a:xfrm>
             <a:off x="733244" y="3712942"/>
-            <a:ext cx="10201511" cy="692497"/>
+            <a:ext cx="8533746" cy="2354491"/>
           </a:xfrm>
           <a:prstGeom prst="rect">
             <a:avLst/>
@@ -11863,62 +11686,173 @@
               <a:buSzPct val="80000"/>
             </a:pPr>
             <a:r>
+              <a:rPr lang="en-US" sz="1800" b="1" dirty="0">
+                <a:latin typeface="Courier New" panose="02070309020205020404" pitchFamily="49" charset="0"/>
+                <a:cs typeface="Courier New" panose="02070309020205020404" pitchFamily="49" charset="0"/>
+              </a:rPr>
+              <a:t>	"models": {</a:t>
+            </a:r>
+          </a:p>
+          <a:p>
+            <a:pPr>
+              <a:spcBef>
+                <a:spcPct val="50000"/>
+              </a:spcBef>
+              <a:buClr>
+                <a:srgbClr val="F0AB00"/>
+              </a:buClr>
+              <a:buSzPct val="80000"/>
+            </a:pPr>
+            <a:r>
+              <a:rPr lang="en-US" sz="1800" b="1" dirty="0">
+                <a:latin typeface="Courier New" panose="02070309020205020404" pitchFamily="49" charset="0"/>
+                <a:cs typeface="Courier New" panose="02070309020205020404" pitchFamily="49" charset="0"/>
+              </a:rPr>
+              <a:t>	    "hello": {</a:t>
+            </a:r>
+          </a:p>
+          <a:p>
+            <a:pPr>
+              <a:spcBef>
+                <a:spcPct val="50000"/>
+              </a:spcBef>
+              <a:buClr>
+                <a:srgbClr val="F0AB00"/>
+              </a:buClr>
+              <a:buSzPct val="80000"/>
+            </a:pPr>
+            <a:r>
+              <a:rPr lang="en-US" sz="1800" b="1" dirty="0">
+                <a:latin typeface="Courier New" panose="02070309020205020404" pitchFamily="49" charset="0"/>
+                <a:cs typeface="Courier New" panose="02070309020205020404" pitchFamily="49" charset="0"/>
+              </a:rPr>
+              <a:t>			"type": "</a:t>
+            </a:r>
+            <a:r>
               <a:rPr lang="en-US" sz="1800" b="1" dirty="0" err="1">
                 <a:latin typeface="Courier New" panose="02070309020205020404" pitchFamily="49" charset="0"/>
                 <a:cs typeface="Courier New" panose="02070309020205020404" pitchFamily="49" charset="0"/>
               </a:rPr>
-              <a:t>var</a:t>
-            </a:r>
-            <a:r>
-              <a:rPr lang="en-US" sz="1800" dirty="0">
-                <a:latin typeface="Courier New" panose="02070309020205020404" pitchFamily="49" charset="0"/>
-                <a:cs typeface="Courier New" panose="02070309020205020404" pitchFamily="49" charset="0"/>
-              </a:rPr>
-              <a:t> </a:t>
-            </a:r>
-            <a:r>
-              <a:rPr lang="en-US" sz="1800" dirty="0" err="1">
-                <a:latin typeface="Courier New" panose="02070309020205020404" pitchFamily="49" charset="0"/>
-                <a:cs typeface="Courier New" panose="02070309020205020404" pitchFamily="49" charset="0"/>
-              </a:rPr>
-              <a:t>oModel</a:t>
-            </a:r>
-            <a:r>
-              <a:rPr lang="en-US" sz="1800" dirty="0">
-                <a:latin typeface="Courier New" panose="02070309020205020404" pitchFamily="49" charset="0"/>
-                <a:cs typeface="Courier New" panose="02070309020205020404" pitchFamily="49" charset="0"/>
-              </a:rPr>
-              <a:t> = </a:t>
+              <a:t>sap.ui.model.json.JSONModel</a:t>
             </a:r>
             <a:r>
               <a:rPr lang="en-US" sz="1800" b="1" dirty="0">
                 <a:latin typeface="Courier New" panose="02070309020205020404" pitchFamily="49" charset="0"/>
                 <a:cs typeface="Courier New" panose="02070309020205020404" pitchFamily="49" charset="0"/>
               </a:rPr>
-              <a:t>new</a:t>
-            </a:r>
-            <a:r>
-              <a:rPr lang="en-US" sz="1800" dirty="0">
+              <a:t>",</a:t>
+            </a:r>
+          </a:p>
+          <a:p>
+            <a:pPr>
+              <a:spcBef>
+                <a:spcPct val="50000"/>
+              </a:spcBef>
+              <a:buClr>
+                <a:srgbClr val="F0AB00"/>
+              </a:buClr>
+              <a:buSzPct val="80000"/>
+            </a:pPr>
+            <a:r>
+              <a:rPr lang="en-US" sz="1800" b="1" dirty="0">
                 <a:latin typeface="Courier New" panose="02070309020205020404" pitchFamily="49" charset="0"/>
                 <a:cs typeface="Courier New" panose="02070309020205020404" pitchFamily="49" charset="0"/>
               </a:rPr>
-              <a:t> </a:t>
-            </a:r>
-            <a:r>
-              <a:rPr lang="en-US" sz="1800" dirty="0" err="1">
+              <a:t>			"</a:t>
+            </a:r>
+            <a:r>
+              <a:rPr lang="en-US" sz="1800" b="1" dirty="0" err="1">
                 <a:latin typeface="Courier New" panose="02070309020205020404" pitchFamily="49" charset="0"/>
                 <a:cs typeface="Courier New" panose="02070309020205020404" pitchFamily="49" charset="0"/>
               </a:rPr>
-              <a:t>sap.ui.model.odata.ODataModel</a:t>
-            </a:r>
-            <a:r>
-              <a:rPr lang="en-US" sz="1800" dirty="0" smtClean="0">
+              <a:t>uri</a:t>
+            </a:r>
+            <a:r>
+              <a:rPr lang="en-US" sz="1800" b="1" dirty="0">
                 <a:latin typeface="Courier New" panose="02070309020205020404" pitchFamily="49" charset="0"/>
                 <a:cs typeface="Courier New" panose="02070309020205020404" pitchFamily="49" charset="0"/>
               </a:rPr>
-              <a:t>(&lt;URI to Service Document&gt;);</a:t>
-            </a:r>
-          </a:p>
+              <a:t>": "model/</a:t>
+            </a:r>
+            <a:r>
+              <a:rPr lang="en-US" sz="1800" b="1" dirty="0" err="1">
+                <a:latin typeface="Courier New" panose="02070309020205020404" pitchFamily="49" charset="0"/>
+                <a:cs typeface="Courier New" panose="02070309020205020404" pitchFamily="49" charset="0"/>
+              </a:rPr>
+              <a:t>HelloModel.json</a:t>
+            </a:r>
+            <a:r>
+              <a:rPr lang="en-US" sz="1800" b="1" dirty="0">
+                <a:latin typeface="Courier New" panose="02070309020205020404" pitchFamily="49" charset="0"/>
+                <a:cs typeface="Courier New" panose="02070309020205020404" pitchFamily="49" charset="0"/>
+              </a:rPr>
+              <a:t>"</a:t>
+            </a:r>
+          </a:p>
+          <a:p>
+            <a:pPr>
+              <a:spcBef>
+                <a:spcPct val="50000"/>
+              </a:spcBef>
+              <a:buClr>
+                <a:srgbClr val="F0AB00"/>
+              </a:buClr>
+              <a:buSzPct val="80000"/>
+            </a:pPr>
+            <a:r>
+              <a:rPr lang="en-US" sz="1800" b="1" dirty="0">
+                <a:latin typeface="Courier New" panose="02070309020205020404" pitchFamily="49" charset="0"/>
+                <a:cs typeface="Courier New" panose="02070309020205020404" pitchFamily="49" charset="0"/>
+              </a:rPr>
+              <a:t>		}</a:t>
+            </a:r>
+          </a:p>
+          <a:p>
+            <a:pPr>
+              <a:spcBef>
+                <a:spcPct val="50000"/>
+              </a:spcBef>
+              <a:buClr>
+                <a:srgbClr val="F0AB00"/>
+              </a:buClr>
+              <a:buSzPct val="80000"/>
+            </a:pPr>
+            <a:r>
+              <a:rPr lang="en-US" sz="1800" b="1" kern="0" dirty="0">
+                <a:latin typeface="Courier New" panose="02070309020205020404" pitchFamily="49" charset="0"/>
+                <a:ea typeface="Arial Unicode MS" pitchFamily="34" charset="-128"/>
+                <a:cs typeface="Courier New" panose="02070309020205020404" pitchFamily="49" charset="0"/>
+              </a:rPr>
+              <a:t>	}</a:t>
+            </a:r>
+            <a:endParaRPr lang="en-US" sz="1800" kern="0" dirty="0">
+              <a:ea typeface="Arial Unicode MS" pitchFamily="34" charset="-128"/>
+              <a:cs typeface="Arial Unicode MS" pitchFamily="34" charset="-128"/>
+            </a:endParaRPr>
+          </a:p>
+        </p:txBody>
+      </p:sp>
+      <p:sp>
+        <p:nvSpPr>
+          <p:cNvPr id="6" name="TextBox 5"/>
+          <p:cNvSpPr txBox="1"/>
+          <p:nvPr/>
+        </p:nvSpPr>
+        <p:spPr>
+          <a:xfrm>
+            <a:off x="324000" y="2863970"/>
+            <a:ext cx="9977090" cy="553998"/>
+          </a:xfrm>
+          <a:prstGeom prst="rect">
+            <a:avLst/>
+          </a:prstGeom>
+          <a:noFill/>
+        </p:spPr>
+        <p:txBody>
+          <a:bodyPr wrap="none" lIns="0" tIns="0" rIns="0" bIns="0" rtlCol="0">
+            <a:spAutoFit/>
+          </a:bodyPr>
+          <a:lstStyle/>
           <a:p>
             <a:pPr fontAlgn="base">
               <a:spcBef>
@@ -11932,110 +11866,25 @@
               </a:buClr>
               <a:buSzPct val="80000"/>
             </a:pPr>
-            <a:endParaRPr lang="en-US" sz="1800" kern="0" dirty="0" err="1" smtClean="0">
-              <a:ea typeface="Arial Unicode MS" pitchFamily="34" charset="-128"/>
-              <a:cs typeface="Arial Unicode MS" pitchFamily="34" charset="-128"/>
-            </a:endParaRPr>
-          </a:p>
-        </p:txBody>
-      </p:sp>
-      <p:sp>
-        <p:nvSpPr>
-          <p:cNvPr id="6" name="TextBox 5"/>
-          <p:cNvSpPr txBox="1"/>
-          <p:nvPr/>
-        </p:nvSpPr>
-        <p:spPr>
-          <a:xfrm>
-            <a:off x="324000" y="2863970"/>
-            <a:ext cx="9977090" cy="553998"/>
-          </a:xfrm>
-          <a:prstGeom prst="rect">
-            <a:avLst/>
-          </a:prstGeom>
-          <a:noFill/>
-        </p:spPr>
-        <p:txBody>
-          <a:bodyPr wrap="none" lIns="0" tIns="0" rIns="0" bIns="0" rtlCol="0">
-            <a:spAutoFit/>
-          </a:bodyPr>
-          <a:lstStyle/>
-          <a:p>
-            <a:pPr fontAlgn="base">
-              <a:spcBef>
-                <a:spcPct val="50000"/>
-              </a:spcBef>
-              <a:spcAft>
-                <a:spcPct val="0"/>
-              </a:spcAft>
-              <a:buClr>
-                <a:srgbClr val="F0AB00"/>
-              </a:buClr>
-              <a:buSzPct val="80000"/>
-            </a:pPr>
-            <a:r>
-              <a:rPr lang="en-US" sz="1800" kern="0" dirty="0" smtClean="0">
+            <a:r>
+              <a:rPr lang="en-US" sz="1800" kern="0" dirty="0">
                 <a:ea typeface="Arial Unicode MS" pitchFamily="34" charset="-128"/>
                 <a:cs typeface="Arial Unicode MS" pitchFamily="34" charset="-128"/>
               </a:rPr>
-              <a:t>This line of code creates an OData based model.  Because the URI is the service document,</a:t>
+              <a:t>This line of code creates an JSON based model.  Because the URI is the service document,</a:t>
             </a:r>
             <a:br>
-              <a:rPr lang="en-US" sz="1800" kern="0" dirty="0" smtClean="0">
+              <a:rPr lang="en-US" sz="1800" kern="0" dirty="0">
                 <a:ea typeface="Arial Unicode MS" pitchFamily="34" charset="-128"/>
                 <a:cs typeface="Arial Unicode MS" pitchFamily="34" charset="-128"/>
               </a:rPr>
             </a:br>
             <a:r>
-              <a:rPr lang="en-US" sz="1800" kern="0" dirty="0" smtClean="0">
+              <a:rPr lang="en-US" sz="1800" kern="0" dirty="0">
                 <a:ea typeface="Arial Unicode MS" pitchFamily="34" charset="-128"/>
                 <a:cs typeface="Arial Unicode MS" pitchFamily="34" charset="-128"/>
               </a:rPr>
               <a:t>all the services defined in that document including associations will be available to the application.</a:t>
-            </a:r>
-          </a:p>
-        </p:txBody>
-      </p:sp>
-      <p:sp>
-        <p:nvSpPr>
-          <p:cNvPr id="5" name="TextBox 4"/>
-          <p:cNvSpPr txBox="1"/>
-          <p:nvPr/>
-        </p:nvSpPr>
-        <p:spPr>
-          <a:xfrm>
-            <a:off x="381952" y="4599924"/>
-            <a:ext cx="9105057" cy="276999"/>
-          </a:xfrm>
-          <a:prstGeom prst="rect">
-            <a:avLst/>
-          </a:prstGeom>
-          <a:noFill/>
-        </p:spPr>
-        <p:txBody>
-          <a:bodyPr wrap="none" lIns="0" tIns="0" rIns="0" bIns="0" rtlCol="0">
-            <a:spAutoFit/>
-          </a:bodyPr>
-          <a:lstStyle/>
-          <a:p>
-            <a:pPr fontAlgn="base">
-              <a:spcBef>
-                <a:spcPct val="50000"/>
-              </a:spcBef>
-              <a:spcAft>
-                <a:spcPct val="0"/>
-              </a:spcAft>
-              <a:buClr>
-                <a:srgbClr val="F0AB00"/>
-              </a:buClr>
-              <a:buSzPct val="80000"/>
-            </a:pPr>
-            <a:r>
-              <a:rPr lang="en-US" sz="1800" kern="0" dirty="0" smtClean="0">
-                <a:ea typeface="Arial Unicode MS" pitchFamily="34" charset="-128"/>
-                <a:cs typeface="Arial Unicode MS" pitchFamily="34" charset="-128"/>
-              </a:rPr>
-              <a:t>More than one model can be created in an application if necessary by giving them names.</a:t>
             </a:r>
           </a:p>
         </p:txBody>
@@ -12050,13 +11899,6 @@
   <p:clrMapOvr>
     <a:masterClrMapping/>
   </p:clrMapOvr>
-  <p:timing>
-    <p:tnLst>
-      <p:par>
-        <p:cTn id="1" dur="indefinite" restart="never" nodeType="tmRoot"/>
-      </p:par>
-    </p:tnLst>
-  </p:timing>
 </p:sld>
 </file>
 
@@ -12093,10 +11935,9 @@
           <a:lstStyle/>
           <a:p>
             <a:r>
-              <a:rPr lang="en-US" dirty="0" smtClean="0"/>
+              <a:rPr lang="en-US" dirty="0"/>
               <a:t>The Controller</a:t>
             </a:r>
-            <a:endParaRPr lang="en-US" dirty="0"/>
           </a:p>
         </p:txBody>
       </p:sp>
@@ -12116,28 +11957,23 @@
           <a:lstStyle/>
           <a:p>
             <a:r>
-              <a:rPr lang="en-US" dirty="0" smtClean="0"/>
+              <a:rPr lang="en-US" dirty="0"/>
               <a:t>Controllers are associated with views.  The controller contains several lifecycle functions such as the </a:t>
             </a:r>
             <a:r>
               <a:rPr lang="en-US" dirty="0" err="1"/>
-              <a:t>o</a:t>
-            </a:r>
-            <a:r>
-              <a:rPr lang="en-US" dirty="0" err="1" smtClean="0"/>
-              <a:t>nInit</a:t>
-            </a:r>
-            <a:r>
-              <a:rPr lang="en-US" dirty="0" smtClean="0"/>
+              <a:t>onInit</a:t>
+            </a:r>
+            <a:r>
+              <a:rPr lang="en-US" dirty="0"/>
               <a:t>() function which is called when the view is first instantiated.  In addition, you can add your own functions such as event handlers for the controls in the view.</a:t>
             </a:r>
-            <a:endParaRPr lang="en-US" dirty="0"/>
           </a:p>
         </p:txBody>
       </p:sp>
       <p:pic>
         <p:nvPicPr>
-          <p:cNvPr id="5" name="Picture 4"/>
+          <p:cNvPr id="4" name="Picture 3"/>
           <p:cNvPicPr>
             <a:picLocks noChangeAspect="1"/>
           </p:cNvPicPr>
@@ -12151,8 +11987,8 @@
         </p:blipFill>
         <p:spPr>
           <a:xfrm>
-            <a:off x="4162372" y="2868275"/>
-            <a:ext cx="7009470" cy="3411894"/>
+            <a:off x="4426968" y="3024749"/>
+            <a:ext cx="7139751" cy="2831514"/>
           </a:xfrm>
           <a:prstGeom prst="rect">
             <a:avLst/>
@@ -12169,13 +12005,6 @@
   <p:clrMapOvr>
     <a:masterClrMapping/>
   </p:clrMapOvr>
-  <p:timing>
-    <p:tnLst>
-      <p:par>
-        <p:cTn id="1" dur="indefinite" restart="never" nodeType="tmRoot"/>
-      </p:par>
-    </p:tnLst>
-  </p:timing>
 </p:sld>
 </file>
 
